--- a/VCC.pptx
+++ b/VCC.pptx
@@ -28,11 +28,11 @@
     <p:sldId id="298" r:id="rId22"/>
     <p:sldId id="299" r:id="rId23"/>
     <p:sldId id="300" r:id="rId24"/>
-    <p:sldId id="302" r:id="rId25"/>
+    <p:sldId id="303" r:id="rId25"/>
     <p:sldId id="316" r:id="rId26"/>
-    <p:sldId id="303" r:id="rId27"/>
-    <p:sldId id="304" r:id="rId28"/>
-    <p:sldId id="306" r:id="rId29"/>
+    <p:sldId id="304" r:id="rId27"/>
+    <p:sldId id="306" r:id="rId28"/>
+    <p:sldId id="302" r:id="rId29"/>
     <p:sldId id="317" r:id="rId30"/>
     <p:sldId id="307" r:id="rId31"/>
     <p:sldId id="308" r:id="rId32"/>
@@ -40,10 +40,11 @@
     <p:sldId id="310" r:id="rId34"/>
     <p:sldId id="322" r:id="rId35"/>
     <p:sldId id="323" r:id="rId36"/>
-    <p:sldId id="326" r:id="rId37"/>
-    <p:sldId id="324" r:id="rId38"/>
-    <p:sldId id="325" r:id="rId39"/>
-    <p:sldId id="327" r:id="rId40"/>
+    <p:sldId id="325" r:id="rId37"/>
+    <p:sldId id="327" r:id="rId38"/>
+    <p:sldId id="326" r:id="rId39"/>
+    <p:sldId id="324" r:id="rId40"/>
+    <p:sldId id="328" r:id="rId41"/>
   </p:sldIdLst>
   <p:sldSz cx="9144000" cy="6858000" type="screen4x3"/>
   <p:notesSz cx="6858000" cy="9144000"/>
@@ -177,8 +178,8 @@
 <pc:chgInfo xmlns:a="http://schemas.openxmlformats.org/drawingml/2006/main" xmlns:r="http://schemas.openxmlformats.org/officeDocument/2006/relationships" xmlns:ac="http://schemas.microsoft.com/office/drawing/2013/main/command" xmlns:pc="http://schemas.microsoft.com/office/powerpoint/2013/main/command">
   <pc:docChgLst>
     <pc:chgData name="Sahitya Reddy" userId="d42927dc3cd29030" providerId="LiveId" clId="{B23B04A7-37E4-4EC4-9392-3E333B073C88}"/>
-    <pc:docChg chg="undo custSel modSld sldOrd">
-      <pc:chgData name="Sahitya Reddy" userId="d42927dc3cd29030" providerId="LiveId" clId="{B23B04A7-37E4-4EC4-9392-3E333B073C88}" dt="2020-09-16T23:04:42.612" v="71" actId="20577"/>
+    <pc:docChg chg="undo custSel addSld modSld sldOrd">
+      <pc:chgData name="Sahitya Reddy" userId="d42927dc3cd29030" providerId="LiveId" clId="{B23B04A7-37E4-4EC4-9392-3E333B073C88}" dt="2020-09-22T23:28:23.776" v="513" actId="20577"/>
       <pc:docMkLst>
         <pc:docMk/>
       </pc:docMkLst>
@@ -206,13 +207,44 @@
         </pc:spChg>
       </pc:sldChg>
       <pc:sldChg chg="modSp mod">
-        <pc:chgData name="Sahitya Reddy" userId="d42927dc3cd29030" providerId="LiveId" clId="{B23B04A7-37E4-4EC4-9392-3E333B073C88}" dt="2020-09-16T22:25:45.720" v="56" actId="14100"/>
+        <pc:chgData name="Sahitya Reddy" userId="d42927dc3cd29030" providerId="LiveId" clId="{B23B04A7-37E4-4EC4-9392-3E333B073C88}" dt="2020-09-22T22:19:06.757" v="378" actId="1076"/>
+        <pc:sldMkLst>
+          <pc:docMk/>
+          <pc:sldMk cId="3644789466" sldId="278"/>
+        </pc:sldMkLst>
+        <pc:spChg chg="mod">
+          <ac:chgData name="Sahitya Reddy" userId="d42927dc3cd29030" providerId="LiveId" clId="{B23B04A7-37E4-4EC4-9392-3E333B073C88}" dt="2020-09-22T22:19:06.757" v="378" actId="1076"/>
+          <ac:spMkLst>
+            <pc:docMk/>
+            <pc:sldMk cId="3644789466" sldId="278"/>
+            <ac:spMk id="7" creationId="{927EC24E-F470-4F15-9DA7-8EB5F586119B}"/>
+          </ac:spMkLst>
+        </pc:spChg>
+      </pc:sldChg>
+      <pc:sldChg chg="modSp mod">
+        <pc:chgData name="Sahitya Reddy" userId="d42927dc3cd29030" providerId="LiveId" clId="{B23B04A7-37E4-4EC4-9392-3E333B073C88}" dt="2020-09-22T22:14:17.429" v="377" actId="1076"/>
         <pc:sldMkLst>
           <pc:docMk/>
           <pc:sldMk cId="3530443275" sldId="280"/>
         </pc:sldMkLst>
+        <pc:spChg chg="mod">
+          <ac:chgData name="Sahitya Reddy" userId="d42927dc3cd29030" providerId="LiveId" clId="{B23B04A7-37E4-4EC4-9392-3E333B073C88}" dt="2020-09-22T22:14:11.215" v="376" actId="20577"/>
+          <ac:spMkLst>
+            <pc:docMk/>
+            <pc:sldMk cId="3530443275" sldId="280"/>
+            <ac:spMk id="2" creationId="{047A0331-2329-45F2-B472-557986BF2115}"/>
+          </ac:spMkLst>
+        </pc:spChg>
         <pc:picChg chg="mod">
-          <ac:chgData name="Sahitya Reddy" userId="d42927dc3cd29030" providerId="LiveId" clId="{B23B04A7-37E4-4EC4-9392-3E333B073C88}" dt="2020-09-16T22:25:45.720" v="56" actId="14100"/>
+          <ac:chgData name="Sahitya Reddy" userId="d42927dc3cd29030" providerId="LiveId" clId="{B23B04A7-37E4-4EC4-9392-3E333B073C88}" dt="2020-09-22T22:14:17.429" v="377" actId="1076"/>
+          <ac:picMkLst>
+            <pc:docMk/>
+            <pc:sldMk cId="3530443275" sldId="280"/>
+            <ac:picMk id="5" creationId="{D25D22E3-345D-4818-9E16-DE9494C318F6}"/>
+          </ac:picMkLst>
+        </pc:picChg>
+        <pc:picChg chg="mod">
+          <ac:chgData name="Sahitya Reddy" userId="d42927dc3cd29030" providerId="LiveId" clId="{B23B04A7-37E4-4EC4-9392-3E333B073C88}" dt="2020-09-21T20:23:35.300" v="230" actId="14100"/>
           <ac:picMkLst>
             <pc:docMk/>
             <pc:sldMk cId="3530443275" sldId="280"/>
@@ -221,17 +253,48 @@
         </pc:picChg>
       </pc:sldChg>
       <pc:sldChg chg="modSp mod">
-        <pc:chgData name="Sahitya Reddy" userId="d42927dc3cd29030" providerId="LiveId" clId="{B23B04A7-37E4-4EC4-9392-3E333B073C88}" dt="2020-09-16T21:45:01.951" v="36" actId="1076"/>
+        <pc:chgData name="Sahitya Reddy" userId="d42927dc3cd29030" providerId="LiveId" clId="{B23B04A7-37E4-4EC4-9392-3E333B073C88}" dt="2020-09-21T20:31:21.239" v="238" actId="1076"/>
+        <pc:sldMkLst>
+          <pc:docMk/>
+          <pc:sldMk cId="3656435796" sldId="282"/>
+        </pc:sldMkLst>
+        <pc:picChg chg="mod">
+          <ac:chgData name="Sahitya Reddy" userId="d42927dc3cd29030" providerId="LiveId" clId="{B23B04A7-37E4-4EC4-9392-3E333B073C88}" dt="2020-09-21T20:31:21.239" v="238" actId="1076"/>
+          <ac:picMkLst>
+            <pc:docMk/>
+            <pc:sldMk cId="3656435796" sldId="282"/>
+            <ac:picMk id="12" creationId="{CE8D69CC-DFF5-45E1-B66B-7D5161ABF0D2}"/>
+          </ac:picMkLst>
+        </pc:picChg>
+      </pc:sldChg>
+      <pc:sldChg chg="modSp mod">
+        <pc:chgData name="Sahitya Reddy" userId="d42927dc3cd29030" providerId="LiveId" clId="{B23B04A7-37E4-4EC4-9392-3E333B073C88}" dt="2020-09-21T20:34:21.801" v="242" actId="1076"/>
         <pc:sldMkLst>
           <pc:docMk/>
           <pc:sldMk cId="2764029649" sldId="284"/>
         </pc:sldMkLst>
         <pc:spChg chg="mod">
-          <ac:chgData name="Sahitya Reddy" userId="d42927dc3cd29030" providerId="LiveId" clId="{B23B04A7-37E4-4EC4-9392-3E333B073C88}" dt="2020-09-16T21:45:01.951" v="36" actId="1076"/>
+          <ac:chgData name="Sahitya Reddy" userId="d42927dc3cd29030" providerId="LiveId" clId="{B23B04A7-37E4-4EC4-9392-3E333B073C88}" dt="2020-09-21T20:34:05.747" v="239" actId="1076"/>
           <ac:spMkLst>
             <pc:docMk/>
             <pc:sldMk cId="2764029649" sldId="284"/>
             <ac:spMk id="6" creationId="{00000000-0000-0000-0000-000000000000}"/>
+          </ac:spMkLst>
+        </pc:spChg>
+        <pc:spChg chg="mod">
+          <ac:chgData name="Sahitya Reddy" userId="d42927dc3cd29030" providerId="LiveId" clId="{B23B04A7-37E4-4EC4-9392-3E333B073C88}" dt="2020-09-21T20:34:16.828" v="240" actId="1076"/>
+          <ac:spMkLst>
+            <pc:docMk/>
+            <pc:sldMk cId="2764029649" sldId="284"/>
+            <ac:spMk id="16" creationId="{D5DBF366-60D9-4527-89C9-BE50914A9322}"/>
+          </ac:spMkLst>
+        </pc:spChg>
+        <pc:spChg chg="mod">
+          <ac:chgData name="Sahitya Reddy" userId="d42927dc3cd29030" providerId="LiveId" clId="{B23B04A7-37E4-4EC4-9392-3E333B073C88}" dt="2020-09-21T20:34:21.801" v="242" actId="1076"/>
+          <ac:spMkLst>
+            <pc:docMk/>
+            <pc:sldMk cId="2764029649" sldId="284"/>
+            <ac:spMk id="63" creationId="{5B4F6839-1CE9-4CD7-AFED-AFF1B2FA03E8}"/>
           </ac:spMkLst>
         </pc:spChg>
       </pc:sldChg>
@@ -339,7 +402,22 @@
         </pc:spChg>
       </pc:sldChg>
       <pc:sldChg chg="modSp mod">
-        <pc:chgData name="Sahitya Reddy" userId="d42927dc3cd29030" providerId="LiveId" clId="{B23B04A7-37E4-4EC4-9392-3E333B073C88}" dt="2020-09-16T21:49:23.469" v="44" actId="1076"/>
+        <pc:chgData name="Sahitya Reddy" userId="d42927dc3cd29030" providerId="LiveId" clId="{B23B04A7-37E4-4EC4-9392-3E333B073C88}" dt="2020-09-22T22:25:21.987" v="381" actId="14100"/>
+        <pc:sldMkLst>
+          <pc:docMk/>
+          <pc:sldMk cId="3927226598" sldId="288"/>
+        </pc:sldMkLst>
+        <pc:spChg chg="mod">
+          <ac:chgData name="Sahitya Reddy" userId="d42927dc3cd29030" providerId="LiveId" clId="{B23B04A7-37E4-4EC4-9392-3E333B073C88}" dt="2020-09-22T22:25:21.987" v="381" actId="14100"/>
+          <ac:spMkLst>
+            <pc:docMk/>
+            <pc:sldMk cId="3927226598" sldId="288"/>
+            <ac:spMk id="29" creationId="{6A0F91C3-3AA2-4A53-8644-B60FDBCFB1ED}"/>
+          </ac:spMkLst>
+        </pc:spChg>
+      </pc:sldChg>
+      <pc:sldChg chg="modSp mod">
+        <pc:chgData name="Sahitya Reddy" userId="d42927dc3cd29030" providerId="LiveId" clId="{B23B04A7-37E4-4EC4-9392-3E333B073C88}" dt="2020-09-21T20:44:46.425" v="246" actId="20577"/>
         <pc:sldMkLst>
           <pc:docMk/>
           <pc:sldMk cId="3926687306" sldId="290"/>
@@ -350,6 +428,29 @@
             <pc:docMk/>
             <pc:sldMk cId="3926687306" sldId="290"/>
             <ac:spMk id="15" creationId="{00000000-0000-0000-0000-000000000000}"/>
+          </ac:spMkLst>
+        </pc:spChg>
+        <pc:spChg chg="mod">
+          <ac:chgData name="Sahitya Reddy" userId="d42927dc3cd29030" providerId="LiveId" clId="{B23B04A7-37E4-4EC4-9392-3E333B073C88}" dt="2020-09-21T20:44:46.425" v="246" actId="20577"/>
+          <ac:spMkLst>
+            <pc:docMk/>
+            <pc:sldMk cId="3926687306" sldId="290"/>
+            <ac:spMk id="49" creationId="{DA9248C0-BB04-41A0-B9E4-CCAD7B321948}"/>
+          </ac:spMkLst>
+        </pc:spChg>
+      </pc:sldChg>
+      <pc:sldChg chg="modSp mod ord">
+        <pc:chgData name="Sahitya Reddy" userId="d42927dc3cd29030" providerId="LiveId" clId="{B23B04A7-37E4-4EC4-9392-3E333B073C88}" dt="2020-09-21T20:46:06.710" v="251" actId="20577"/>
+        <pc:sldMkLst>
+          <pc:docMk/>
+          <pc:sldMk cId="2109826909" sldId="291"/>
+        </pc:sldMkLst>
+        <pc:spChg chg="mod">
+          <ac:chgData name="Sahitya Reddy" userId="d42927dc3cd29030" providerId="LiveId" clId="{B23B04A7-37E4-4EC4-9392-3E333B073C88}" dt="2020-09-21T20:46:06.710" v="251" actId="20577"/>
+          <ac:spMkLst>
+            <pc:docMk/>
+            <pc:sldMk cId="2109826909" sldId="291"/>
+            <ac:spMk id="35" creationId="{8085B6CF-9740-4F76-881C-2322AC1850A7}"/>
           </ac:spMkLst>
         </pc:spChg>
       </pc:sldChg>
@@ -369,17 +470,133 @@
         </pc:spChg>
       </pc:sldChg>
       <pc:sldChg chg="modSp mod">
-        <pc:chgData name="Sahitya Reddy" userId="d42927dc3cd29030" providerId="LiveId" clId="{B23B04A7-37E4-4EC4-9392-3E333B073C88}" dt="2020-09-16T22:57:09.568" v="69" actId="20577"/>
+        <pc:chgData name="Sahitya Reddy" userId="d42927dc3cd29030" providerId="LiveId" clId="{B23B04A7-37E4-4EC4-9392-3E333B073C88}" dt="2020-09-22T22:56:50.679" v="413" actId="1076"/>
+        <pc:sldMkLst>
+          <pc:docMk/>
+          <pc:sldMk cId="2039355622" sldId="294"/>
+        </pc:sldMkLst>
+        <pc:spChg chg="mod">
+          <ac:chgData name="Sahitya Reddy" userId="d42927dc3cd29030" providerId="LiveId" clId="{B23B04A7-37E4-4EC4-9392-3E333B073C88}" dt="2020-09-22T22:56:03.644" v="411" actId="20577"/>
+          <ac:spMkLst>
+            <pc:docMk/>
+            <pc:sldMk cId="2039355622" sldId="294"/>
+            <ac:spMk id="15" creationId="{00000000-0000-0000-0000-000000000000}"/>
+          </ac:spMkLst>
+        </pc:spChg>
+        <pc:spChg chg="mod">
+          <ac:chgData name="Sahitya Reddy" userId="d42927dc3cd29030" providerId="LiveId" clId="{B23B04A7-37E4-4EC4-9392-3E333B073C88}" dt="2020-09-22T22:56:19.756" v="412" actId="20577"/>
+          <ac:spMkLst>
+            <pc:docMk/>
+            <pc:sldMk cId="2039355622" sldId="294"/>
+            <ac:spMk id="21" creationId="{214E0FFF-3AEE-4D7C-93B3-2A0F69A7BE30}"/>
+          </ac:spMkLst>
+        </pc:spChg>
+        <pc:picChg chg="mod">
+          <ac:chgData name="Sahitya Reddy" userId="d42927dc3cd29030" providerId="LiveId" clId="{B23B04A7-37E4-4EC4-9392-3E333B073C88}" dt="2020-09-22T22:56:50.679" v="413" actId="1076"/>
+          <ac:picMkLst>
+            <pc:docMk/>
+            <pc:sldMk cId="2039355622" sldId="294"/>
+            <ac:picMk id="8" creationId="{20CA6BF8-3104-454F-9D04-6E81F17F2770}"/>
+          </ac:picMkLst>
+        </pc:picChg>
+      </pc:sldChg>
+      <pc:sldChg chg="modSp mod">
+        <pc:chgData name="Sahitya Reddy" userId="d42927dc3cd29030" providerId="LiveId" clId="{B23B04A7-37E4-4EC4-9392-3E333B073C88}" dt="2020-09-22T22:54:25.698" v="391" actId="20577"/>
         <pc:sldMkLst>
           <pc:docMk/>
           <pc:sldMk cId="63282394" sldId="295"/>
         </pc:sldMkLst>
         <pc:spChg chg="mod">
-          <ac:chgData name="Sahitya Reddy" userId="d42927dc3cd29030" providerId="LiveId" clId="{B23B04A7-37E4-4EC4-9392-3E333B073C88}" dt="2020-09-16T22:57:09.568" v="69" actId="20577"/>
+          <ac:chgData name="Sahitya Reddy" userId="d42927dc3cd29030" providerId="LiveId" clId="{B23B04A7-37E4-4EC4-9392-3E333B073C88}" dt="2020-09-22T22:54:25.698" v="391" actId="20577"/>
           <ac:spMkLst>
             <pc:docMk/>
             <pc:sldMk cId="63282394" sldId="295"/>
             <ac:spMk id="27" creationId="{9D17518C-3529-482A-8EC7-614353B7147D}"/>
+          </ac:spMkLst>
+        </pc:spChg>
+      </pc:sldChg>
+      <pc:sldChg chg="modSp mod">
+        <pc:chgData name="Sahitya Reddy" userId="d42927dc3cd29030" providerId="LiveId" clId="{B23B04A7-37E4-4EC4-9392-3E333B073C88}" dt="2020-09-22T22:57:15.417" v="432" actId="20577"/>
+        <pc:sldMkLst>
+          <pc:docMk/>
+          <pc:sldMk cId="3562095059" sldId="297"/>
+        </pc:sldMkLst>
+        <pc:spChg chg="mod">
+          <ac:chgData name="Sahitya Reddy" userId="d42927dc3cd29030" providerId="LiveId" clId="{B23B04A7-37E4-4EC4-9392-3E333B073C88}" dt="2020-09-22T22:57:15.417" v="432" actId="20577"/>
+          <ac:spMkLst>
+            <pc:docMk/>
+            <pc:sldMk cId="3562095059" sldId="297"/>
+            <ac:spMk id="15" creationId="{00000000-0000-0000-0000-000000000000}"/>
+          </ac:spMkLst>
+        </pc:spChg>
+        <pc:spChg chg="mod">
+          <ac:chgData name="Sahitya Reddy" userId="d42927dc3cd29030" providerId="LiveId" clId="{B23B04A7-37E4-4EC4-9392-3E333B073C88}" dt="2020-09-22T12:29:35.858" v="297" actId="20577"/>
+          <ac:spMkLst>
+            <pc:docMk/>
+            <pc:sldMk cId="3562095059" sldId="297"/>
+            <ac:spMk id="21" creationId="{214E0FFF-3AEE-4D7C-93B3-2A0F69A7BE30}"/>
+          </ac:spMkLst>
+        </pc:spChg>
+      </pc:sldChg>
+      <pc:sldChg chg="delSp modSp mod">
+        <pc:chgData name="Sahitya Reddy" userId="d42927dc3cd29030" providerId="LiveId" clId="{B23B04A7-37E4-4EC4-9392-3E333B073C88}" dt="2020-09-22T12:32:49.188" v="344" actId="1076"/>
+        <pc:sldMkLst>
+          <pc:docMk/>
+          <pc:sldMk cId="2003819732" sldId="298"/>
+        </pc:sldMkLst>
+        <pc:spChg chg="del">
+          <ac:chgData name="Sahitya Reddy" userId="d42927dc3cd29030" providerId="LiveId" clId="{B23B04A7-37E4-4EC4-9392-3E333B073C88}" dt="2020-09-22T12:32:42.680" v="341" actId="478"/>
+          <ac:spMkLst>
+            <pc:docMk/>
+            <pc:sldMk cId="2003819732" sldId="298"/>
+            <ac:spMk id="12" creationId="{59CAC978-7C4B-420A-B877-BCBF0539F4F7}"/>
+          </ac:spMkLst>
+        </pc:spChg>
+        <pc:spChg chg="del">
+          <ac:chgData name="Sahitya Reddy" userId="d42927dc3cd29030" providerId="LiveId" clId="{B23B04A7-37E4-4EC4-9392-3E333B073C88}" dt="2020-09-22T12:32:44.030" v="342" actId="478"/>
+          <ac:spMkLst>
+            <pc:docMk/>
+            <pc:sldMk cId="2003819732" sldId="298"/>
+            <ac:spMk id="13" creationId="{6C5F6A55-C611-4B3B-8A2B-73963FA308E2}"/>
+          </ac:spMkLst>
+        </pc:spChg>
+        <pc:spChg chg="mod">
+          <ac:chgData name="Sahitya Reddy" userId="d42927dc3cd29030" providerId="LiveId" clId="{B23B04A7-37E4-4EC4-9392-3E333B073C88}" dt="2020-09-22T12:30:55.471" v="324" actId="20577"/>
+          <ac:spMkLst>
+            <pc:docMk/>
+            <pc:sldMk cId="2003819732" sldId="298"/>
+            <ac:spMk id="15" creationId="{00000000-0000-0000-0000-000000000000}"/>
+          </ac:spMkLst>
+        </pc:spChg>
+        <pc:spChg chg="mod">
+          <ac:chgData name="Sahitya Reddy" userId="d42927dc3cd29030" providerId="LiveId" clId="{B23B04A7-37E4-4EC4-9392-3E333B073C88}" dt="2020-09-22T12:32:47.692" v="343" actId="1076"/>
+          <ac:spMkLst>
+            <pc:docMk/>
+            <pc:sldMk cId="2003819732" sldId="298"/>
+            <ac:spMk id="21" creationId="{214E0FFF-3AEE-4D7C-93B3-2A0F69A7BE30}"/>
+          </ac:spMkLst>
+        </pc:spChg>
+        <pc:spChg chg="mod">
+          <ac:chgData name="Sahitya Reddy" userId="d42927dc3cd29030" providerId="LiveId" clId="{B23B04A7-37E4-4EC4-9392-3E333B073C88}" dt="2020-09-22T12:32:49.188" v="344" actId="1076"/>
+          <ac:spMkLst>
+            <pc:docMk/>
+            <pc:sldMk cId="2003819732" sldId="298"/>
+            <ac:spMk id="22" creationId="{473CD944-EC04-4A6A-B477-27A29551A4E3}"/>
+          </ac:spMkLst>
+        </pc:spChg>
+      </pc:sldChg>
+      <pc:sldChg chg="modSp mod ord">
+        <pc:chgData name="Sahitya Reddy" userId="d42927dc3cd29030" providerId="LiveId" clId="{B23B04A7-37E4-4EC4-9392-3E333B073C88}" dt="2020-09-22T12:41:05.777" v="356"/>
+        <pc:sldMkLst>
+          <pc:docMk/>
+          <pc:sldMk cId="556472157" sldId="302"/>
+        </pc:sldMkLst>
+        <pc:spChg chg="mod">
+          <ac:chgData name="Sahitya Reddy" userId="d42927dc3cd29030" providerId="LiveId" clId="{B23B04A7-37E4-4EC4-9392-3E333B073C88}" dt="2020-09-22T12:38:12.083" v="354" actId="14100"/>
+          <ac:spMkLst>
+            <pc:docMk/>
+            <pc:sldMk cId="556472157" sldId="302"/>
+            <ac:spMk id="16" creationId="{83D27CC6-1D62-4716-A87D-21283A72FBC7}"/>
           </ac:spMkLst>
         </pc:spChg>
       </pc:sldChg>
@@ -395,6 +612,53 @@
             <pc:docMk/>
             <pc:sldMk cId="2090183520" sldId="303"/>
             <ac:picMk id="2" creationId="{F0CF8281-E556-4F91-99F0-D33B24216358}"/>
+          </ac:picMkLst>
+        </pc:picChg>
+      </pc:sldChg>
+      <pc:sldChg chg="addSp modSp mod">
+        <pc:chgData name="Sahitya Reddy" userId="d42927dc3cd29030" providerId="LiveId" clId="{B23B04A7-37E4-4EC4-9392-3E333B073C88}" dt="2020-09-22T13:58:20.444" v="361" actId="14100"/>
+        <pc:sldMkLst>
+          <pc:docMk/>
+          <pc:sldMk cId="1029998946" sldId="306"/>
+        </pc:sldMkLst>
+        <pc:spChg chg="mod">
+          <ac:chgData name="Sahitya Reddy" userId="d42927dc3cd29030" providerId="LiveId" clId="{B23B04A7-37E4-4EC4-9392-3E333B073C88}" dt="2020-09-21T20:21:30.961" v="219" actId="1076"/>
+          <ac:spMkLst>
+            <pc:docMk/>
+            <pc:sldMk cId="1029998946" sldId="306"/>
+            <ac:spMk id="9" creationId="{92948D32-533D-4F3F-9020-8ED977A715E3}"/>
+          </ac:spMkLst>
+        </pc:spChg>
+        <pc:spChg chg="mod">
+          <ac:chgData name="Sahitya Reddy" userId="d42927dc3cd29030" providerId="LiveId" clId="{B23B04A7-37E4-4EC4-9392-3E333B073C88}" dt="2020-09-21T20:21:20.082" v="214" actId="1076"/>
+          <ac:spMkLst>
+            <pc:docMk/>
+            <pc:sldMk cId="1029998946" sldId="306"/>
+            <ac:spMk id="15" creationId="{00000000-0000-0000-0000-000000000000}"/>
+          </ac:spMkLst>
+        </pc:spChg>
+        <pc:spChg chg="mod">
+          <ac:chgData name="Sahitya Reddy" userId="d42927dc3cd29030" providerId="LiveId" clId="{B23B04A7-37E4-4EC4-9392-3E333B073C88}" dt="2020-09-21T20:21:18.294" v="213" actId="1076"/>
+          <ac:spMkLst>
+            <pc:docMk/>
+            <pc:sldMk cId="1029998946" sldId="306"/>
+            <ac:spMk id="16" creationId="{83D27CC6-1D62-4716-A87D-21283A72FBC7}"/>
+          </ac:spMkLst>
+        </pc:spChg>
+        <pc:picChg chg="add mod">
+          <ac:chgData name="Sahitya Reddy" userId="d42927dc3cd29030" providerId="LiveId" clId="{B23B04A7-37E4-4EC4-9392-3E333B073C88}" dt="2020-09-22T13:58:20.444" v="361" actId="14100"/>
+          <ac:picMkLst>
+            <pc:docMk/>
+            <pc:sldMk cId="1029998946" sldId="306"/>
+            <ac:picMk id="3" creationId="{C1415BEE-E48B-4BF4-A2DF-5B4A0AB654BC}"/>
+          </ac:picMkLst>
+        </pc:picChg>
+        <pc:picChg chg="mod">
+          <ac:chgData name="Sahitya Reddy" userId="d42927dc3cd29030" providerId="LiveId" clId="{B23B04A7-37E4-4EC4-9392-3E333B073C88}" dt="2020-09-21T20:21:14.452" v="211" actId="14100"/>
+          <ac:picMkLst>
+            <pc:docMk/>
+            <pc:sldMk cId="1029998946" sldId="306"/>
+            <ac:picMk id="5122" creationId="{9E463A83-E8B2-4EDB-9E84-789DF6F8A50D}"/>
           </ac:picMkLst>
         </pc:picChg>
       </pc:sldChg>
@@ -421,6 +685,29 @@
           </ac:picMkLst>
         </pc:picChg>
       </pc:sldChg>
+      <pc:sldChg chg="modSp mod ord">
+        <pc:chgData name="Sahitya Reddy" userId="d42927dc3cd29030" providerId="LiveId" clId="{B23B04A7-37E4-4EC4-9392-3E333B073C88}" dt="2020-09-22T22:28:38.054" v="385" actId="20577"/>
+        <pc:sldMkLst>
+          <pc:docMk/>
+          <pc:sldMk cId="3132995556" sldId="312"/>
+        </pc:sldMkLst>
+        <pc:spChg chg="mod">
+          <ac:chgData name="Sahitya Reddy" userId="d42927dc3cd29030" providerId="LiveId" clId="{B23B04A7-37E4-4EC4-9392-3E333B073C88}" dt="2020-09-22T21:07:38.453" v="367" actId="20577"/>
+          <ac:spMkLst>
+            <pc:docMk/>
+            <pc:sldMk cId="3132995556" sldId="312"/>
+            <ac:spMk id="34" creationId="{78847232-C456-4AAC-BF2A-9D42002997BD}"/>
+          </ac:spMkLst>
+        </pc:spChg>
+        <pc:spChg chg="mod">
+          <ac:chgData name="Sahitya Reddy" userId="d42927dc3cd29030" providerId="LiveId" clId="{B23B04A7-37E4-4EC4-9392-3E333B073C88}" dt="2020-09-22T22:28:38.054" v="385" actId="20577"/>
+          <ac:spMkLst>
+            <pc:docMk/>
+            <pc:sldMk cId="3132995556" sldId="312"/>
+            <ac:spMk id="46" creationId="{9C3A321A-3DB9-4B76-AEE9-C41634ACDC35}"/>
+          </ac:spMkLst>
+        </pc:spChg>
+      </pc:sldChg>
       <pc:sldChg chg="modSp mod">
         <pc:chgData name="Sahitya Reddy" userId="d42927dc3cd29030" providerId="LiveId" clId="{B23B04A7-37E4-4EC4-9392-3E333B073C88}" dt="2020-09-16T21:49:19.779" v="43" actId="1076"/>
         <pc:sldMkLst>
@@ -437,11 +724,27 @@
         </pc:spChg>
       </pc:sldChg>
       <pc:sldChg chg="modSp mod">
-        <pc:chgData name="Sahitya Reddy" userId="d42927dc3cd29030" providerId="LiveId" clId="{B23B04A7-37E4-4EC4-9392-3E333B073C88}" dt="2020-09-16T21:49:35.259" v="46" actId="14100"/>
+        <pc:chgData name="Sahitya Reddy" userId="d42927dc3cd29030" providerId="LiveId" clId="{B23B04A7-37E4-4EC4-9392-3E333B073C88}" dt="2020-09-22T22:28:31.720" v="383" actId="20577"/>
         <pc:sldMkLst>
           <pc:docMk/>
           <pc:sldMk cId="1743231866" sldId="315"/>
         </pc:sldMkLst>
+        <pc:spChg chg="mod">
+          <ac:chgData name="Sahitya Reddy" userId="d42927dc3cd29030" providerId="LiveId" clId="{B23B04A7-37E4-4EC4-9392-3E333B073C88}" dt="2020-09-22T21:07:47.662" v="369" actId="20577"/>
+          <ac:spMkLst>
+            <pc:docMk/>
+            <pc:sldMk cId="1743231866" sldId="315"/>
+            <ac:spMk id="34" creationId="{78847232-C456-4AAC-BF2A-9D42002997BD}"/>
+          </ac:spMkLst>
+        </pc:spChg>
+        <pc:spChg chg="mod">
+          <ac:chgData name="Sahitya Reddy" userId="d42927dc3cd29030" providerId="LiveId" clId="{B23B04A7-37E4-4EC4-9392-3E333B073C88}" dt="2020-09-22T22:28:31.720" v="383" actId="20577"/>
+          <ac:spMkLst>
+            <pc:docMk/>
+            <pc:sldMk cId="1743231866" sldId="315"/>
+            <ac:spMk id="46" creationId="{9C3A321A-3DB9-4B76-AEE9-C41634ACDC35}"/>
+          </ac:spMkLst>
+        </pc:spChg>
         <pc:grpChg chg="mod">
           <ac:chgData name="Sahitya Reddy" userId="d42927dc3cd29030" providerId="LiveId" clId="{B23B04A7-37E4-4EC4-9392-3E333B073C88}" dt="2020-09-16T21:49:35.259" v="46" actId="14100"/>
           <ac:grpSpMkLst>
@@ -451,8 +754,8 @@
           </ac:grpSpMkLst>
         </pc:grpChg>
       </pc:sldChg>
-      <pc:sldChg chg="modSp mod">
-        <pc:chgData name="Sahitya Reddy" userId="d42927dc3cd29030" providerId="LiveId" clId="{B23B04A7-37E4-4EC4-9392-3E333B073C88}" dt="2020-09-16T22:33:05.137" v="63" actId="20577"/>
+      <pc:sldChg chg="modSp mod ord">
+        <pc:chgData name="Sahitya Reddy" userId="d42927dc3cd29030" providerId="LiveId" clId="{B23B04A7-37E4-4EC4-9392-3E333B073C88}" dt="2020-09-22T22:59:14.912" v="434"/>
         <pc:sldMkLst>
           <pc:docMk/>
           <pc:sldMk cId="908279321" sldId="316"/>
@@ -465,9 +768,17 @@
             <ac:spMk id="18" creationId="{D493888B-7763-4C5B-8E2E-15B078E09DB0}"/>
           </ac:spMkLst>
         </pc:spChg>
+        <pc:spChg chg="mod">
+          <ac:chgData name="Sahitya Reddy" userId="d42927dc3cd29030" providerId="LiveId" clId="{B23B04A7-37E4-4EC4-9392-3E333B073C88}" dt="2020-09-22T22:28:49.451" v="387" actId="20577"/>
+          <ac:spMkLst>
+            <pc:docMk/>
+            <pc:sldMk cId="908279321" sldId="316"/>
+            <ac:spMk id="46" creationId="{9C3A321A-3DB9-4B76-AEE9-C41634ACDC35}"/>
+          </ac:spMkLst>
+        </pc:spChg>
       </pc:sldChg>
       <pc:sldChg chg="modSp mod">
-        <pc:chgData name="Sahitya Reddy" userId="d42927dc3cd29030" providerId="LiveId" clId="{B23B04A7-37E4-4EC4-9392-3E333B073C88}" dt="2020-09-16T22:32:59.646" v="61" actId="20577"/>
+        <pc:chgData name="Sahitya Reddy" userId="d42927dc3cd29030" providerId="LiveId" clId="{B23B04A7-37E4-4EC4-9392-3E333B073C88}" dt="2020-09-22T22:28:56.002" v="389" actId="20577"/>
         <pc:sldMkLst>
           <pc:docMk/>
           <pc:sldMk cId="1650806021" sldId="317"/>
@@ -489,6 +800,22 @@
           </ac:spMkLst>
         </pc:spChg>
         <pc:spChg chg="mod">
+          <ac:chgData name="Sahitya Reddy" userId="d42927dc3cd29030" providerId="LiveId" clId="{B23B04A7-37E4-4EC4-9392-3E333B073C88}" dt="2020-09-22T20:22:41.531" v="365" actId="20577"/>
+          <ac:spMkLst>
+            <pc:docMk/>
+            <pc:sldMk cId="1650806021" sldId="317"/>
+            <ac:spMk id="34" creationId="{78847232-C456-4AAC-BF2A-9D42002997BD}"/>
+          </ac:spMkLst>
+        </pc:spChg>
+        <pc:spChg chg="mod">
+          <ac:chgData name="Sahitya Reddy" userId="d42927dc3cd29030" providerId="LiveId" clId="{B23B04A7-37E4-4EC4-9392-3E333B073C88}" dt="2020-09-22T22:28:56.002" v="389" actId="20577"/>
+          <ac:spMkLst>
+            <pc:docMk/>
+            <pc:sldMk cId="1650806021" sldId="317"/>
+            <ac:spMk id="46" creationId="{9C3A321A-3DB9-4B76-AEE9-C41634ACDC35}"/>
+          </ac:spMkLst>
+        </pc:spChg>
+        <pc:spChg chg="mod">
           <ac:chgData name="Sahitya Reddy" userId="d42927dc3cd29030" providerId="LiveId" clId="{B23B04A7-37E4-4EC4-9392-3E333B073C88}" dt="2020-09-16T22:32:16.767" v="57" actId="14100"/>
           <ac:spMkLst>
             <pc:docMk/>
@@ -506,13 +833,13 @@
         </pc:grpChg>
       </pc:sldChg>
       <pc:sldChg chg="modSp mod">
-        <pc:chgData name="Sahitya Reddy" userId="d42927dc3cd29030" providerId="LiveId" clId="{B23B04A7-37E4-4EC4-9392-3E333B073C88}" dt="2020-09-16T23:04:42.612" v="71" actId="20577"/>
+        <pc:chgData name="Sahitya Reddy" userId="d42927dc3cd29030" providerId="LiveId" clId="{B23B04A7-37E4-4EC4-9392-3E333B073C88}" dt="2020-09-21T20:24:00.854" v="235" actId="20577"/>
         <pc:sldMkLst>
           <pc:docMk/>
           <pc:sldMk cId="707605537" sldId="320"/>
         </pc:sldMkLst>
         <pc:spChg chg="mod">
-          <ac:chgData name="Sahitya Reddy" userId="d42927dc3cd29030" providerId="LiveId" clId="{B23B04A7-37E4-4EC4-9392-3E333B073C88}" dt="2020-09-16T23:04:42.612" v="71" actId="20577"/>
+          <ac:chgData name="Sahitya Reddy" userId="d42927dc3cd29030" providerId="LiveId" clId="{B23B04A7-37E4-4EC4-9392-3E333B073C88}" dt="2020-09-21T20:24:00.854" v="235" actId="20577"/>
           <ac:spMkLst>
             <pc:docMk/>
             <pc:sldMk cId="707605537" sldId="320"/>
@@ -551,19 +878,96 @@
           </ac:picMkLst>
         </pc:picChg>
       </pc:sldChg>
-      <pc:sldChg chg="ord">
-        <pc:chgData name="Sahitya Reddy" userId="d42927dc3cd29030" providerId="LiveId" clId="{B23B04A7-37E4-4EC4-9392-3E333B073C88}" dt="2020-09-16T16:04:46.580" v="1"/>
+      <pc:sldChg chg="modSp mod">
+        <pc:chgData name="Sahitya Reddy" userId="d42927dc3cd29030" providerId="LiveId" clId="{B23B04A7-37E4-4EC4-9392-3E333B073C88}" dt="2020-09-22T23:25:33.160" v="510" actId="113"/>
+        <pc:sldMkLst>
+          <pc:docMk/>
+          <pc:sldMk cId="1063174316" sldId="324"/>
+        </pc:sldMkLst>
+        <pc:spChg chg="mod">
+          <ac:chgData name="Sahitya Reddy" userId="d42927dc3cd29030" providerId="LiveId" clId="{B23B04A7-37E4-4EC4-9392-3E333B073C88}" dt="2020-09-22T23:25:33.160" v="510" actId="113"/>
+          <ac:spMkLst>
+            <pc:docMk/>
+            <pc:sldMk cId="1063174316" sldId="324"/>
+            <ac:spMk id="8" creationId="{288A7F07-DAA9-40D8-A2AC-5D0112D7C469}"/>
+          </ac:spMkLst>
+        </pc:spChg>
+      </pc:sldChg>
+      <pc:sldChg chg="modSp mod ord">
+        <pc:chgData name="Sahitya Reddy" userId="d42927dc3cd29030" providerId="LiveId" clId="{B23B04A7-37E4-4EC4-9392-3E333B073C88}" dt="2020-09-22T23:14:16.099" v="485"/>
         <pc:sldMkLst>
           <pc:docMk/>
           <pc:sldMk cId="1485797756" sldId="325"/>
         </pc:sldMkLst>
+        <pc:spChg chg="mod">
+          <ac:chgData name="Sahitya Reddy" userId="d42927dc3cd29030" providerId="LiveId" clId="{B23B04A7-37E4-4EC4-9392-3E333B073C88}" dt="2020-09-20T12:06:17.468" v="111" actId="20577"/>
+          <ac:spMkLst>
+            <pc:docMk/>
+            <pc:sldMk cId="1485797756" sldId="325"/>
+            <ac:spMk id="6" creationId="{B3990B11-A89B-4B21-9E8C-87069B23E0EC}"/>
+          </ac:spMkLst>
+        </pc:spChg>
       </pc:sldChg>
-      <pc:sldChg chg="ord">
-        <pc:chgData name="Sahitya Reddy" userId="d42927dc3cd29030" providerId="LiveId" clId="{B23B04A7-37E4-4EC4-9392-3E333B073C88}" dt="2020-09-16T21:49:50.537" v="48"/>
+      <pc:sldChg chg="modSp mod ord">
+        <pc:chgData name="Sahitya Reddy" userId="d42927dc3cd29030" providerId="LiveId" clId="{B23B04A7-37E4-4EC4-9392-3E333B073C88}" dt="2020-09-22T23:13:59.263" v="483" actId="20577"/>
         <pc:sldMkLst>
           <pc:docMk/>
           <pc:sldMk cId="2710230112" sldId="326"/>
         </pc:sldMkLst>
+        <pc:spChg chg="mod">
+          <ac:chgData name="Sahitya Reddy" userId="d42927dc3cd29030" providerId="LiveId" clId="{B23B04A7-37E4-4EC4-9392-3E333B073C88}" dt="2020-09-22T23:08:33.415" v="436" actId="113"/>
+          <ac:spMkLst>
+            <pc:docMk/>
+            <pc:sldMk cId="2710230112" sldId="326"/>
+            <ac:spMk id="6" creationId="{16981A2C-E9ED-4AB0-81A1-580F16A2AFFD}"/>
+          </ac:spMkLst>
+        </pc:spChg>
+        <pc:spChg chg="mod">
+          <ac:chgData name="Sahitya Reddy" userId="d42927dc3cd29030" providerId="LiveId" clId="{B23B04A7-37E4-4EC4-9392-3E333B073C88}" dt="2020-09-22T23:13:59.263" v="483" actId="20577"/>
+          <ac:spMkLst>
+            <pc:docMk/>
+            <pc:sldMk cId="2710230112" sldId="326"/>
+            <ac:spMk id="14" creationId="{BD6F70E0-714D-4F43-ABB8-7418B4638320}"/>
+          </ac:spMkLst>
+        </pc:spChg>
+      </pc:sldChg>
+      <pc:sldChg chg="ord">
+        <pc:chgData name="Sahitya Reddy" userId="d42927dc3cd29030" providerId="LiveId" clId="{B23B04A7-37E4-4EC4-9392-3E333B073C88}" dt="2020-09-22T23:14:41.401" v="487"/>
+        <pc:sldMkLst>
+          <pc:docMk/>
+          <pc:sldMk cId="989105065" sldId="327"/>
+        </pc:sldMkLst>
+      </pc:sldChg>
+      <pc:sldChg chg="addSp delSp modSp new mod ord">
+        <pc:chgData name="Sahitya Reddy" userId="d42927dc3cd29030" providerId="LiveId" clId="{B23B04A7-37E4-4EC4-9392-3E333B073C88}" dt="2020-09-22T23:28:23.776" v="513" actId="20577"/>
+        <pc:sldMkLst>
+          <pc:docMk/>
+          <pc:sldMk cId="253816553" sldId="328"/>
+        </pc:sldMkLst>
+        <pc:spChg chg="del">
+          <ac:chgData name="Sahitya Reddy" userId="d42927dc3cd29030" providerId="LiveId" clId="{B23B04A7-37E4-4EC4-9392-3E333B073C88}" dt="2020-09-21T12:46:37.625" v="113" actId="478"/>
+          <ac:spMkLst>
+            <pc:docMk/>
+            <pc:sldMk cId="253816553" sldId="328"/>
+            <ac:spMk id="2" creationId="{5770B328-A8E2-4B64-8E4C-15F9608AFD54}"/>
+          </ac:spMkLst>
+        </pc:spChg>
+        <pc:spChg chg="add mod">
+          <ac:chgData name="Sahitya Reddy" userId="d42927dc3cd29030" providerId="LiveId" clId="{B23B04A7-37E4-4EC4-9392-3E333B073C88}" dt="2020-09-21T12:46:50.831" v="128" actId="255"/>
+          <ac:spMkLst>
+            <pc:docMk/>
+            <pc:sldMk cId="253816553" sldId="328"/>
+            <ac:spMk id="4" creationId="{401AE29A-707A-473C-9024-D27A585F0518}"/>
+          </ac:spMkLst>
+        </pc:spChg>
+        <pc:spChg chg="add mod">
+          <ac:chgData name="Sahitya Reddy" userId="d42927dc3cd29030" providerId="LiveId" clId="{B23B04A7-37E4-4EC4-9392-3E333B073C88}" dt="2020-09-22T23:28:23.776" v="513" actId="20577"/>
+          <ac:spMkLst>
+            <pc:docMk/>
+            <pc:sldMk cId="253816553" sldId="328"/>
+            <ac:spMk id="6" creationId="{7FFDD311-9A32-4778-A0B2-EFE317C43ED4}"/>
+          </ac:spMkLst>
+        </pc:spChg>
       </pc:sldChg>
     </pc:docChg>
   </pc:docChgLst>
@@ -751,7 +1155,7 @@
           <a:p>
             <a:fld id="{6C61033C-F149-496A-ACF2-5AC48A3C7E84}" type="datetimeFigureOut">
               <a:rPr lang="ar-LY" smtClean="0"/>
-              <a:t>29/01/1442</a:t>
+              <a:t>05/02/1442</a:t>
             </a:fld>
             <a:endParaRPr lang="ar-LY"/>
           </a:p>
@@ -921,7 +1325,7 @@
           <a:p>
             <a:fld id="{6C61033C-F149-496A-ACF2-5AC48A3C7E84}" type="datetimeFigureOut">
               <a:rPr lang="ar-LY" smtClean="0"/>
-              <a:t>29/01/1442</a:t>
+              <a:t>05/02/1442</a:t>
             </a:fld>
             <a:endParaRPr lang="ar-LY"/>
           </a:p>
@@ -1101,7 +1505,7 @@
           <a:p>
             <a:fld id="{6C61033C-F149-496A-ACF2-5AC48A3C7E84}" type="datetimeFigureOut">
               <a:rPr lang="ar-LY" smtClean="0"/>
-              <a:t>29/01/1442</a:t>
+              <a:t>05/02/1442</a:t>
             </a:fld>
             <a:endParaRPr lang="ar-LY"/>
           </a:p>
@@ -1467,7 +1871,7 @@
           <a:p>
             <a:fld id="{6C61033C-F149-496A-ACF2-5AC48A3C7E84}" type="datetimeFigureOut">
               <a:rPr lang="ar-LY" smtClean="0"/>
-              <a:t>29/01/1442</a:t>
+              <a:t>05/02/1442</a:t>
             </a:fld>
             <a:endParaRPr lang="ar-LY"/>
           </a:p>
@@ -1713,7 +2117,7 @@
           <a:p>
             <a:fld id="{6C61033C-F149-496A-ACF2-5AC48A3C7E84}" type="datetimeFigureOut">
               <a:rPr lang="ar-LY" smtClean="0"/>
-              <a:t>29/01/1442</a:t>
+              <a:t>05/02/1442</a:t>
             </a:fld>
             <a:endParaRPr lang="ar-LY"/>
           </a:p>
@@ -2001,7 +2405,7 @@
           <a:p>
             <a:fld id="{6C61033C-F149-496A-ACF2-5AC48A3C7E84}" type="datetimeFigureOut">
               <a:rPr lang="ar-LY" smtClean="0"/>
-              <a:t>29/01/1442</a:t>
+              <a:t>05/02/1442</a:t>
             </a:fld>
             <a:endParaRPr lang="ar-LY"/>
           </a:p>
@@ -2423,7 +2827,7 @@
           <a:p>
             <a:fld id="{6C61033C-F149-496A-ACF2-5AC48A3C7E84}" type="datetimeFigureOut">
               <a:rPr lang="ar-LY" smtClean="0"/>
-              <a:t>29/01/1442</a:t>
+              <a:t>05/02/1442</a:t>
             </a:fld>
             <a:endParaRPr lang="ar-LY"/>
           </a:p>
@@ -2541,7 +2945,7 @@
           <a:p>
             <a:fld id="{6C61033C-F149-496A-ACF2-5AC48A3C7E84}" type="datetimeFigureOut">
               <a:rPr lang="ar-LY" smtClean="0"/>
-              <a:t>29/01/1442</a:t>
+              <a:t>05/02/1442</a:t>
             </a:fld>
             <a:endParaRPr lang="ar-LY"/>
           </a:p>
@@ -2636,7 +3040,7 @@
           <a:p>
             <a:fld id="{6C61033C-F149-496A-ACF2-5AC48A3C7E84}" type="datetimeFigureOut">
               <a:rPr lang="ar-LY" smtClean="0"/>
-              <a:t>29/01/1442</a:t>
+              <a:t>05/02/1442</a:t>
             </a:fld>
             <a:endParaRPr lang="ar-LY"/>
           </a:p>
@@ -2913,7 +3317,7 @@
           <a:p>
             <a:fld id="{6C61033C-F149-496A-ACF2-5AC48A3C7E84}" type="datetimeFigureOut">
               <a:rPr lang="ar-LY" smtClean="0"/>
-              <a:t>29/01/1442</a:t>
+              <a:t>05/02/1442</a:t>
             </a:fld>
             <a:endParaRPr lang="ar-LY"/>
           </a:p>
@@ -3166,7 +3570,7 @@
           <a:p>
             <a:fld id="{6C61033C-F149-496A-ACF2-5AC48A3C7E84}" type="datetimeFigureOut">
               <a:rPr lang="ar-LY" smtClean="0"/>
-              <a:t>29/01/1442</a:t>
+              <a:t>05/02/1442</a:t>
             </a:fld>
             <a:endParaRPr lang="ar-LY"/>
           </a:p>
@@ -3379,7 +3783,7 @@
           <a:p>
             <a:fld id="{6C61033C-F149-496A-ACF2-5AC48A3C7E84}" type="datetimeFigureOut">
               <a:rPr lang="ar-LY" smtClean="0"/>
-              <a:t>29/01/1442</a:t>
+              <a:t>05/02/1442</a:t>
             </a:fld>
             <a:endParaRPr lang="ar-LY"/>
           </a:p>
@@ -6356,7 +6760,7 @@
                     </a:schemeClr>
                   </a:solidFill>
                 </a:rPr>
-                <a:t>Mointoring</a:t>
+                <a:t>Miontoring</a:t>
               </a:r>
               <a:endParaRPr lang="ar-SA" dirty="0">
                 <a:solidFill>
@@ -6794,7 +7198,27 @@
                     </a:schemeClr>
                   </a:solidFill>
                 </a:rPr>
-                <a:t>Docker Swam         internet 192.168.200.0/24</a:t>
+                <a:t>Docker Swam         </a:t>
+              </a:r>
+              <a:r>
+                <a:rPr lang="en-US" dirty="0" err="1">
+                  <a:solidFill>
+                    <a:schemeClr val="bg1">
+                      <a:lumMod val="85000"/>
+                    </a:schemeClr>
+                  </a:solidFill>
+                </a:rPr>
+                <a:t>intnet</a:t>
+              </a:r>
+              <a:r>
+                <a:rPr lang="en-US" dirty="0">
+                  <a:solidFill>
+                    <a:schemeClr val="bg1">
+                      <a:lumMod val="85000"/>
+                    </a:schemeClr>
+                  </a:solidFill>
+                </a:rPr>
+                <a:t> 192.168.200.0/24</a:t>
               </a:r>
               <a:endParaRPr lang="ar-SA" dirty="0">
                 <a:solidFill>
@@ -7945,8 +8369,8 @@
         </p:nvSpPr>
         <p:spPr>
           <a:xfrm>
-            <a:off x="3111137" y="4883981"/>
-            <a:ext cx="4505902" cy="555388"/>
+            <a:off x="3111137" y="4883980"/>
+            <a:ext cx="4505902" cy="705259"/>
           </a:xfrm>
           <a:prstGeom prst="rect">
             <a:avLst/>
@@ -9954,7 +10378,7 @@
               <a:rPr lang="en-US" sz="1800" u="none" strike="noStrike" dirty="0">
                 <a:effectLst/>
               </a:rPr>
-              <a:t>ping 192.168.75.11</a:t>
+              <a:t>ping 192.168.75.12</a:t>
             </a:r>
             <a:endParaRPr lang="ar-SA" dirty="0"/>
           </a:p>
@@ -11683,14 +12107,14 @@
             <a:p>
               <a:pPr algn="ctr"/>
               <a:r>
-                <a:rPr lang="en-US" dirty="0" err="1">
+                <a:rPr lang="en-US" dirty="0">
                   <a:solidFill>
                     <a:schemeClr val="bg1">
                       <a:lumMod val="85000"/>
                     </a:schemeClr>
                   </a:solidFill>
                 </a:rPr>
-                <a:t>Mointoring</a:t>
+                <a:t>Monitoring</a:t>
               </a:r>
               <a:endParaRPr lang="ar-SA" dirty="0">
                 <a:solidFill>
@@ -12107,7 +12531,7 @@
           <p:spPr>
             <a:xfrm>
               <a:off x="3224925" y="4005064"/>
-              <a:ext cx="5445102" cy="369332"/>
+              <a:ext cx="5445102" cy="355128"/>
             </a:xfrm>
             <a:prstGeom prst="rect">
               <a:avLst/>
@@ -12128,7 +12552,27 @@
                     </a:schemeClr>
                   </a:solidFill>
                 </a:rPr>
-                <a:t>Docker Swam         internet 192.168.200.0/24</a:t>
+                <a:t>Docker Swam         </a:t>
+              </a:r>
+              <a:r>
+                <a:rPr lang="en-US" dirty="0" err="1">
+                  <a:solidFill>
+                    <a:schemeClr val="bg1">
+                      <a:lumMod val="85000"/>
+                    </a:schemeClr>
+                  </a:solidFill>
+                </a:rPr>
+                <a:t>intnet</a:t>
+              </a:r>
+              <a:r>
+                <a:rPr lang="en-US" dirty="0">
+                  <a:solidFill>
+                    <a:schemeClr val="bg1">
+                      <a:lumMod val="85000"/>
+                    </a:schemeClr>
+                  </a:solidFill>
+                </a:rPr>
+                <a:t> 192.168.200.0/24</a:t>
               </a:r>
               <a:endParaRPr lang="ar-SA" dirty="0">
                 <a:solidFill>
@@ -14060,7 +14504,7 @@
         </p:nvSpPr>
         <p:spPr>
           <a:xfrm>
-            <a:off x="6142976" y="2636924"/>
+            <a:off x="6188692" y="2656242"/>
             <a:ext cx="3001024" cy="1180323"/>
           </a:xfrm>
           <a:prstGeom prst="rect">
@@ -14151,17 +14595,12 @@
             </a:r>
           </a:p>
           <a:p>
-            <a:pPr marL="0" lvl="1" indent="0">
-              <a:buNone/>
-            </a:pPr>
-            <a:r>
-              <a:rPr lang="en-US" sz="1400" b="0" i="0" dirty="0">
-                <a:solidFill>
-                  <a:schemeClr val="tx1"/>
-                </a:solidFill>
-              </a:rPr>
-              <a:t>VMware GlusterFS</a:t>
-            </a:r>
+            <a:endParaRPr lang="en-US" sz="1400" i="0" dirty="0">
+              <a:solidFill>
+                <a:schemeClr val="tx1"/>
+              </a:solidFill>
+              <a:latin typeface="+mn-lt"/>
+            </a:endParaRPr>
           </a:p>
           <a:p>
             <a:r>
@@ -16936,7 +17375,7 @@
                 <a:ea typeface="SF UI Display Thin" charset="0"/>
                 <a:cs typeface="SF UI Display Thin" charset="0"/>
               </a:rPr>
-              <a:t> file on the VMs  for mount the bricks</a:t>
+              <a:t> file on the VMs  to mount the bricks</a:t>
             </a:r>
           </a:p>
           <a:p>
@@ -17335,10 +17774,16 @@
               </a:tabLst>
             </a:pPr>
             <a:r>
+              <a:rPr lang="en-US" sz="4000" dirty="0" err="1">
+                <a:latin typeface="+mn-lt"/>
+              </a:rPr>
+              <a:t>Gluster</a:t>
+            </a:r>
+            <a:r>
               <a:rPr lang="en-US" sz="4000" dirty="0">
                 <a:latin typeface="+mn-lt"/>
               </a:rPr>
-              <a:t>Gluster FS - volumes replicated</a:t>
+              <a:t> FS-Replicated Volumes</a:t>
             </a:r>
           </a:p>
         </p:txBody>
@@ -17448,7 +17893,7 @@
               <a:rPr lang="en-GB" sz="1400" u="none" strike="noStrike" dirty="0">
                 <a:effectLst/>
               </a:rPr>
-              <a:t>/bricks/1/brick \</a:t>
+              <a:t>/bricks/1/brick \	</a:t>
             </a:r>
             <a:endParaRPr lang="en-GB" sz="1400" dirty="0">
               <a:effectLst/>
@@ -18040,7 +18485,7 @@
         </p:blipFill>
         <p:spPr>
           <a:xfrm>
-            <a:off x="4282169" y="3267096"/>
+            <a:off x="4282169" y="2825015"/>
             <a:ext cx="4362450" cy="2657475"/>
           </a:xfrm>
           <a:prstGeom prst="rect">
@@ -18161,12 +18606,10 @@
                   </a:schemeClr>
                 </a:solidFill>
               </a:rPr>
-              <a:t>To build a distributed architecture consisting of 3 Virtual Machines (Ubuntu Server 16.04).  The three machines will be placed in a Docker Swarm and will share a file system thanks to GlusterFS technology. </a:t>
-            </a:r>
-          </a:p>
-          <a:p>
-            <a:r>
-              <a:rPr lang="en-US" sz="2400" dirty="0">
+              <a:t>To build a distributed architecture consisting of 3 Virtual Machines (Ubuntu Server 16.04).  The three machines will be placed in a Docker Swarm and will share a file system with </a:t>
+            </a:r>
+            <a:r>
+              <a:rPr lang="en-US" sz="2400" dirty="0" err="1">
                 <a:solidFill>
                   <a:schemeClr val="tx1">
                     <a:lumMod val="75000"/>
@@ -18174,10 +18617,8 @@
                   </a:schemeClr>
                 </a:solidFill>
               </a:rPr>
-              <a:t>The Swarm will house the following containers:</a:t>
-            </a:r>
-          </a:p>
-          <a:p>
+              <a:t>GlusterFS</a:t>
+            </a:r>
             <a:r>
               <a:rPr lang="en-US" sz="2400" dirty="0">
                 <a:solidFill>
@@ -18187,7 +18628,33 @@
                   </a:schemeClr>
                 </a:solidFill>
               </a:rPr>
-              <a:t> Træfik, Joomla, Prometheus, MariaDB, Grafana</a:t>
+              <a:t> technology. </a:t>
+            </a:r>
+          </a:p>
+          <a:p>
+            <a:r>
+              <a:rPr lang="en-US" sz="2400" dirty="0">
+                <a:solidFill>
+                  <a:schemeClr val="tx1">
+                    <a:lumMod val="75000"/>
+                    <a:lumOff val="25000"/>
+                  </a:schemeClr>
+                </a:solidFill>
+              </a:rPr>
+              <a:t>The Swarm will house the following containers:</a:t>
+            </a:r>
+          </a:p>
+          <a:p>
+            <a:r>
+              <a:rPr lang="en-US" sz="2400" dirty="0">
+                <a:solidFill>
+                  <a:schemeClr val="tx1">
+                    <a:lumMod val="75000"/>
+                    <a:lumOff val="25000"/>
+                  </a:schemeClr>
+                </a:solidFill>
+              </a:rPr>
+              <a:t> Træfik, Joomla, MariaDB, Prometheus, Grafana</a:t>
             </a:r>
             <a:endParaRPr lang="en-IN" sz="2400" dirty="0">
               <a:solidFill>
@@ -18281,7 +18748,7 @@
               <a:rPr lang="en-US" sz="4000" dirty="0">
                 <a:latin typeface="+mn-lt"/>
               </a:rPr>
-              <a:t>Gluster FS - volumes replicated</a:t>
+              <a:t>Gluster FS – Replicated Volumes</a:t>
             </a:r>
           </a:p>
         </p:txBody>
@@ -18328,7 +18795,7 @@
               <a:rPr lang="en-GB" sz="1400" u="none" strike="noStrike" dirty="0">
                 <a:effectLst/>
               </a:rPr>
-              <a:t>Three VM to connect to gfs on each node</a:t>
+              <a:t>Connecting to GFS on the three nodes</a:t>
             </a:r>
           </a:p>
           <a:p>
@@ -18591,7 +19058,19 @@
               <a:rPr lang="en-US" sz="4000" dirty="0">
                 <a:latin typeface="+mn-lt"/>
               </a:rPr>
-              <a:t>Gluster FS – Mount volumes</a:t>
+              <a:t>Mounting </a:t>
+            </a:r>
+            <a:r>
+              <a:rPr lang="en-US" sz="4000" dirty="0" err="1">
+                <a:latin typeface="+mn-lt"/>
+              </a:rPr>
+              <a:t>GlusterFs</a:t>
+            </a:r>
+            <a:r>
+              <a:rPr lang="en-US" sz="4000" dirty="0">
+                <a:latin typeface="+mn-lt"/>
+              </a:rPr>
+              <a:t> Volume</a:t>
             </a:r>
           </a:p>
         </p:txBody>
@@ -18610,7 +19089,7 @@
         </p:nvSpPr>
         <p:spPr>
           <a:xfrm>
-            <a:off x="937625" y="2122509"/>
+            <a:off x="1115616" y="2492896"/>
             <a:ext cx="8206375" cy="1600438"/>
           </a:xfrm>
           <a:prstGeom prst="rect">
@@ -18636,7 +19115,7 @@
               <a:rPr lang="en-US" sz="1400" u="none" strike="noStrike" dirty="0">
                 <a:effectLst/>
               </a:rPr>
-              <a:t>Mount the volume </a:t>
+              <a:t>On each node, mount the volume </a:t>
             </a:r>
           </a:p>
           <a:p>
@@ -18810,7 +19289,7 @@
         </p:nvSpPr>
         <p:spPr bwMode="auto">
           <a:xfrm>
-            <a:off x="285495" y="2191729"/>
+            <a:off x="311699" y="2638475"/>
             <a:ext cx="680605" cy="1309279"/>
           </a:xfrm>
           <a:prstGeom prst="roundRect">
@@ -18839,340 +19318,6 @@
               <a:solidFill>
                 <a:srgbClr val="FEFFFF"/>
               </a:solidFill>
-            </a:endParaRPr>
-          </a:p>
-        </p:txBody>
-      </p:sp>
-      <p:sp>
-        <p:nvSpPr>
-          <p:cNvPr id="12" name="Oval 12">
-            <a:extLst>
-              <a:ext uri="{FF2B5EF4-FFF2-40B4-BE49-F238E27FC236}">
-                <a16:creationId xmlns:a16="http://schemas.microsoft.com/office/drawing/2014/main" id="{59CAC978-7C4B-420A-B877-BCBF0539F4F7}"/>
-              </a:ext>
-            </a:extLst>
-          </p:cNvPr>
-          <p:cNvSpPr>
-            <a:spLocks noChangeArrowheads="1"/>
-          </p:cNvSpPr>
-          <p:nvPr/>
-        </p:nvSpPr>
-        <p:spPr bwMode="auto">
-          <a:xfrm>
-            <a:off x="317229" y="3981535"/>
-            <a:ext cx="651021" cy="859703"/>
-          </a:xfrm>
-          <a:prstGeom prst="roundRect">
-            <a:avLst>
-              <a:gd name="adj" fmla="val 16667"/>
-            </a:avLst>
-          </a:prstGeom>
-          <a:solidFill>
-            <a:schemeClr val="accent2"/>
-          </a:solidFill>
-          <a:ln w="9525">
-            <a:noFill/>
-            <a:round/>
-            <a:headEnd/>
-            <a:tailEnd/>
-          </a:ln>
-        </p:spPr>
-        <p:txBody>
-          <a:bodyPr vert="horz" wrap="square" lIns="91440" tIns="45720" rIns="91440" bIns="45720" numCol="1" anchor="ctr" anchorCtr="0" compatLnSpc="1">
-            <a:prstTxWarp prst="textNoShape">
-              <a:avLst/>
-            </a:prstTxWarp>
-          </a:bodyPr>
-          <a:lstStyle/>
-          <a:p>
-            <a:pPr algn="ctr"/>
-            <a:endParaRPr lang="en-US" sz="2400" dirty="0">
-              <a:solidFill>
-                <a:srgbClr val="FEFFFF"/>
-              </a:solidFill>
-            </a:endParaRPr>
-          </a:p>
-        </p:txBody>
-      </p:sp>
-      <p:sp>
-        <p:nvSpPr>
-          <p:cNvPr id="13" name="Text Placeholder 2">
-            <a:extLst>
-              <a:ext uri="{FF2B5EF4-FFF2-40B4-BE49-F238E27FC236}">
-                <a16:creationId xmlns:a16="http://schemas.microsoft.com/office/drawing/2014/main" id="{6C5F6A55-C611-4B3B-8A2B-73963FA308E2}"/>
-              </a:ext>
-            </a:extLst>
-          </p:cNvPr>
-          <p:cNvSpPr txBox="1">
-            <a:spLocks/>
-          </p:cNvSpPr>
-          <p:nvPr/>
-        </p:nvSpPr>
-        <p:spPr>
-          <a:xfrm>
-            <a:off x="955703" y="3933056"/>
-            <a:ext cx="8094399" cy="718688"/>
-          </a:xfrm>
-          <a:prstGeom prst="rect">
-            <a:avLst/>
-          </a:prstGeom>
-        </p:spPr>
-        <p:txBody>
-          <a:bodyPr/>
-          <a:lstStyle>
-            <a:lvl1pPr marL="0" indent="0" algn="ctr" defTabSz="914400" rtl="0" eaLnBrk="1" latinLnBrk="0" hangingPunct="1">
-              <a:lnSpc>
-                <a:spcPct val="60000"/>
-              </a:lnSpc>
-              <a:spcBef>
-                <a:spcPts val="1000"/>
-              </a:spcBef>
-              <a:buFont typeface="Arial" panose="020B0604020202020204" pitchFamily="34" charset="0"/>
-              <a:buNone/>
-              <a:defRPr sz="1800" b="0" i="0" kern="1200">
-                <a:solidFill>
-                  <a:schemeClr val="tx1"/>
-                </a:solidFill>
-                <a:latin typeface="SF UI Display Thin" charset="0"/>
-                <a:ea typeface="SF UI Display Thin" charset="0"/>
-                <a:cs typeface="SF UI Display Thin" charset="0"/>
-              </a:defRPr>
-            </a:lvl1pPr>
-            <a:lvl2pPr marL="685800" indent="-228600" algn="l" defTabSz="914400" rtl="0" eaLnBrk="1" latinLnBrk="0" hangingPunct="1">
-              <a:lnSpc>
-                <a:spcPct val="90000"/>
-              </a:lnSpc>
-              <a:spcBef>
-                <a:spcPts val="500"/>
-              </a:spcBef>
-              <a:buFont typeface="Arial" panose="020B0604020202020204" pitchFamily="34" charset="0"/>
-              <a:buChar char="•"/>
-              <a:defRPr sz="2400" kern="1200">
-                <a:solidFill>
-                  <a:schemeClr val="tx1"/>
-                </a:solidFill>
-                <a:latin typeface="+mn-lt"/>
-                <a:ea typeface="+mn-ea"/>
-                <a:cs typeface="+mn-cs"/>
-              </a:defRPr>
-            </a:lvl2pPr>
-            <a:lvl3pPr marL="1143000" indent="-228600" algn="l" defTabSz="914400" rtl="0" eaLnBrk="1" latinLnBrk="0" hangingPunct="1">
-              <a:lnSpc>
-                <a:spcPct val="90000"/>
-              </a:lnSpc>
-              <a:spcBef>
-                <a:spcPts val="500"/>
-              </a:spcBef>
-              <a:buFont typeface="Arial" panose="020B0604020202020204" pitchFamily="34" charset="0"/>
-              <a:buChar char="•"/>
-              <a:defRPr sz="2000" kern="1200">
-                <a:solidFill>
-                  <a:schemeClr val="tx1"/>
-                </a:solidFill>
-                <a:latin typeface="+mn-lt"/>
-                <a:ea typeface="+mn-ea"/>
-                <a:cs typeface="+mn-cs"/>
-              </a:defRPr>
-            </a:lvl3pPr>
-            <a:lvl4pPr marL="1600200" indent="-228600" algn="l" defTabSz="914400" rtl="0" eaLnBrk="1" latinLnBrk="0" hangingPunct="1">
-              <a:lnSpc>
-                <a:spcPct val="90000"/>
-              </a:lnSpc>
-              <a:spcBef>
-                <a:spcPts val="500"/>
-              </a:spcBef>
-              <a:buFont typeface="Arial" panose="020B0604020202020204" pitchFamily="34" charset="0"/>
-              <a:buChar char="•"/>
-              <a:defRPr sz="1800" kern="1200">
-                <a:solidFill>
-                  <a:schemeClr val="tx1"/>
-                </a:solidFill>
-                <a:latin typeface="+mn-lt"/>
-                <a:ea typeface="+mn-ea"/>
-                <a:cs typeface="+mn-cs"/>
-              </a:defRPr>
-            </a:lvl4pPr>
-            <a:lvl5pPr marL="2057400" indent="-228600" algn="l" defTabSz="914400" rtl="0" eaLnBrk="1" latinLnBrk="0" hangingPunct="1">
-              <a:lnSpc>
-                <a:spcPct val="90000"/>
-              </a:lnSpc>
-              <a:spcBef>
-                <a:spcPts val="500"/>
-              </a:spcBef>
-              <a:buFont typeface="Arial" panose="020B0604020202020204" pitchFamily="34" charset="0"/>
-              <a:buChar char="•"/>
-              <a:defRPr sz="1800" kern="1200">
-                <a:solidFill>
-                  <a:schemeClr val="tx1"/>
-                </a:solidFill>
-                <a:latin typeface="+mn-lt"/>
-                <a:ea typeface="+mn-ea"/>
-                <a:cs typeface="+mn-cs"/>
-              </a:defRPr>
-            </a:lvl5pPr>
-            <a:lvl6pPr marL="2514600" indent="-228600" algn="l" defTabSz="914400" rtl="0" eaLnBrk="1" latinLnBrk="0" hangingPunct="1">
-              <a:lnSpc>
-                <a:spcPct val="90000"/>
-              </a:lnSpc>
-              <a:spcBef>
-                <a:spcPts val="500"/>
-              </a:spcBef>
-              <a:buFont typeface="Arial" panose="020B0604020202020204" pitchFamily="34" charset="0"/>
-              <a:buChar char="•"/>
-              <a:defRPr sz="1800" kern="1200">
-                <a:solidFill>
-                  <a:schemeClr val="tx1"/>
-                </a:solidFill>
-                <a:latin typeface="+mn-lt"/>
-                <a:ea typeface="+mn-ea"/>
-                <a:cs typeface="+mn-cs"/>
-              </a:defRPr>
-            </a:lvl6pPr>
-            <a:lvl7pPr marL="2971800" indent="-228600" algn="l" defTabSz="914400" rtl="0" eaLnBrk="1" latinLnBrk="0" hangingPunct="1">
-              <a:lnSpc>
-                <a:spcPct val="90000"/>
-              </a:lnSpc>
-              <a:spcBef>
-                <a:spcPts val="500"/>
-              </a:spcBef>
-              <a:buFont typeface="Arial" panose="020B0604020202020204" pitchFamily="34" charset="0"/>
-              <a:buChar char="•"/>
-              <a:defRPr sz="1800" kern="1200">
-                <a:solidFill>
-                  <a:schemeClr val="tx1"/>
-                </a:solidFill>
-                <a:latin typeface="+mn-lt"/>
-                <a:ea typeface="+mn-ea"/>
-                <a:cs typeface="+mn-cs"/>
-              </a:defRPr>
-            </a:lvl7pPr>
-            <a:lvl8pPr marL="3429000" indent="-228600" algn="l" defTabSz="914400" rtl="0" eaLnBrk="1" latinLnBrk="0" hangingPunct="1">
-              <a:lnSpc>
-                <a:spcPct val="90000"/>
-              </a:lnSpc>
-              <a:spcBef>
-                <a:spcPts val="500"/>
-              </a:spcBef>
-              <a:buFont typeface="Arial" panose="020B0604020202020204" pitchFamily="34" charset="0"/>
-              <a:buChar char="•"/>
-              <a:defRPr sz="1800" kern="1200">
-                <a:solidFill>
-                  <a:schemeClr val="tx1"/>
-                </a:solidFill>
-                <a:latin typeface="+mn-lt"/>
-                <a:ea typeface="+mn-ea"/>
-                <a:cs typeface="+mn-cs"/>
-              </a:defRPr>
-            </a:lvl8pPr>
-            <a:lvl9pPr marL="3886200" indent="-228600" algn="l" defTabSz="914400" rtl="0" eaLnBrk="1" latinLnBrk="0" hangingPunct="1">
-              <a:lnSpc>
-                <a:spcPct val="90000"/>
-              </a:lnSpc>
-              <a:spcBef>
-                <a:spcPts val="500"/>
-              </a:spcBef>
-              <a:buFont typeface="Arial" panose="020B0604020202020204" pitchFamily="34" charset="0"/>
-              <a:buChar char="•"/>
-              <a:defRPr sz="1800" kern="1200">
-                <a:solidFill>
-                  <a:schemeClr val="tx1"/>
-                </a:solidFill>
-                <a:latin typeface="+mn-lt"/>
-                <a:ea typeface="+mn-ea"/>
-                <a:cs typeface="+mn-cs"/>
-              </a:defRPr>
-            </a:lvl9pPr>
-          </a:lstStyle>
-          <a:p>
-            <a:pPr marL="0" lvl="1" indent="0" defTabSz="266700">
-              <a:spcBef>
-                <a:spcPct val="0"/>
-              </a:spcBef>
-              <a:spcAft>
-                <a:spcPct val="15000"/>
-              </a:spcAft>
-              <a:buNone/>
-            </a:pPr>
-            <a:r>
-              <a:rPr lang="en-GB" sz="1400" dirty="0">
-                <a:latin typeface="+mj-lt"/>
-                <a:ea typeface="SF UI Display Thin" charset="0"/>
-                <a:cs typeface="SF UI Display Thin" charset="0"/>
-              </a:rPr>
-              <a:t>Set current user as owner to /gfs</a:t>
-            </a:r>
-          </a:p>
-          <a:p>
-            <a:pPr algn="l"/>
-            <a:r>
-              <a:rPr lang="en-US" sz="1400" dirty="0" err="1">
-                <a:latin typeface="+mj-lt"/>
-                <a:ea typeface="+mn-ea"/>
-                <a:cs typeface="+mn-cs"/>
-              </a:rPr>
-              <a:t>sudo</a:t>
-            </a:r>
-            <a:r>
-              <a:rPr lang="en-US" sz="1400" dirty="0">
-                <a:latin typeface="+mj-lt"/>
-                <a:ea typeface="+mn-ea"/>
-                <a:cs typeface="+mn-cs"/>
-              </a:rPr>
-              <a:t> </a:t>
-            </a:r>
-            <a:r>
-              <a:rPr lang="en-US" sz="1400" dirty="0" err="1">
-                <a:latin typeface="+mj-lt"/>
-                <a:ea typeface="+mn-ea"/>
-                <a:cs typeface="+mn-cs"/>
-              </a:rPr>
-              <a:t>su</a:t>
-            </a:r>
-            <a:endParaRPr lang="en-US" sz="1400" dirty="0">
-              <a:latin typeface="+mj-lt"/>
-              <a:ea typeface="+mn-ea"/>
-              <a:cs typeface="+mn-cs"/>
-            </a:endParaRPr>
-          </a:p>
-          <a:p>
-            <a:pPr algn="l"/>
-            <a:br>
-              <a:rPr lang="en-US" sz="1400" dirty="0">
-                <a:latin typeface="+mj-lt"/>
-                <a:ea typeface="+mn-ea"/>
-                <a:cs typeface="+mn-cs"/>
-              </a:rPr>
-            </a:br>
-            <a:r>
-              <a:rPr lang="en-US" sz="1400" dirty="0" err="1">
-                <a:latin typeface="+mj-lt"/>
-                <a:ea typeface="+mn-ea"/>
-                <a:cs typeface="+mn-cs"/>
-              </a:rPr>
-              <a:t>chown</a:t>
-            </a:r>
-            <a:r>
-              <a:rPr lang="en-US" sz="1400" dirty="0">
-                <a:latin typeface="+mj-lt"/>
-                <a:ea typeface="+mn-ea"/>
-                <a:cs typeface="+mn-cs"/>
-              </a:rPr>
-              <a:t> -R sahitya : sahitya /gfs/</a:t>
-            </a:r>
-          </a:p>
-          <a:p>
-            <a:pPr algn="l"/>
-            <a:br>
-              <a:rPr lang="en-US" sz="1400" dirty="0">
-                <a:latin typeface="+mj-lt"/>
-                <a:ea typeface="+mn-ea"/>
-                <a:cs typeface="+mn-cs"/>
-              </a:rPr>
-            </a:br>
-            <a:endParaRPr lang="en-GB" sz="1400" dirty="0">
-              <a:latin typeface="+mj-lt"/>
-              <a:ea typeface="+mn-ea"/>
-              <a:cs typeface="+mn-cs"/>
             </a:endParaRPr>
           </a:p>
         </p:txBody>
@@ -20648,3510 +20793,6 @@
 </file>
 
 <file path=ppt/slides/slide24.xml><?xml version="1.0" encoding="utf-8"?>
-<p:sld xmlns:a="http://schemas.openxmlformats.org/drawingml/2006/main" xmlns:r="http://schemas.openxmlformats.org/officeDocument/2006/relationships" xmlns:p="http://schemas.openxmlformats.org/presentationml/2006/main">
-  <p:cSld>
-    <p:spTree>
-      <p:nvGrpSpPr>
-        <p:cNvPr id="1" name=""/>
-        <p:cNvGrpSpPr/>
-        <p:nvPr/>
-      </p:nvGrpSpPr>
-      <p:grpSpPr>
-        <a:xfrm>
-          <a:off x="0" y="0"/>
-          <a:ext cx="0" cy="0"/>
-          <a:chOff x="0" y="0"/>
-          <a:chExt cx="0" cy="0"/>
-        </a:xfrm>
-      </p:grpSpPr>
-      <p:sp>
-        <p:nvSpPr>
-          <p:cNvPr id="15" name="Title 1"/>
-          <p:cNvSpPr txBox="1">
-            <a:spLocks/>
-          </p:cNvSpPr>
-          <p:nvPr/>
-        </p:nvSpPr>
-        <p:spPr>
-          <a:xfrm>
-            <a:off x="526675" y="322074"/>
-            <a:ext cx="8090650" cy="582526"/>
-          </a:xfrm>
-          <a:prstGeom prst="rect">
-            <a:avLst/>
-          </a:prstGeom>
-        </p:spPr>
-        <p:txBody>
-          <a:bodyPr/>
-          <a:lstStyle>
-            <a:lvl1pPr algn="ctr" defTabSz="914400" rtl="0" eaLnBrk="1" latinLnBrk="0" hangingPunct="1">
-              <a:lnSpc>
-                <a:spcPct val="90000"/>
-              </a:lnSpc>
-              <a:spcBef>
-                <a:spcPct val="0"/>
-              </a:spcBef>
-              <a:buNone/>
-              <a:defRPr sz="4800" b="0" i="0" kern="1200">
-                <a:solidFill>
-                  <a:schemeClr val="tx1"/>
-                </a:solidFill>
-                <a:latin typeface="SF UI Display Thin" charset="0"/>
-                <a:ea typeface="SF UI Display Thin" charset="0"/>
-                <a:cs typeface="SF UI Display Thin" charset="0"/>
-              </a:defRPr>
-            </a:lvl1pPr>
-          </a:lstStyle>
-          <a:p>
-            <a:pPr>
-              <a:lnSpc>
-                <a:spcPct val="100000"/>
-              </a:lnSpc>
-              <a:tabLst>
-                <a:tab pos="4394200" algn="l"/>
-              </a:tabLst>
-            </a:pPr>
-            <a:r>
-              <a:rPr lang="en-US" dirty="0">
-                <a:latin typeface="+mn-lt"/>
-              </a:rPr>
-              <a:t>Host File</a:t>
-            </a:r>
-          </a:p>
-        </p:txBody>
-      </p:sp>
-      <p:sp>
-        <p:nvSpPr>
-          <p:cNvPr id="16" name="TextBox 15">
-            <a:extLst>
-              <a:ext uri="{FF2B5EF4-FFF2-40B4-BE49-F238E27FC236}">
-                <a16:creationId xmlns:a16="http://schemas.microsoft.com/office/drawing/2014/main" id="{83D27CC6-1D62-4716-A87D-21283A72FBC7}"/>
-              </a:ext>
-            </a:extLst>
-          </p:cNvPr>
-          <p:cNvSpPr txBox="1"/>
-          <p:nvPr/>
-        </p:nvSpPr>
-        <p:spPr>
-          <a:xfrm>
-            <a:off x="1475656" y="1305341"/>
-            <a:ext cx="4599294" cy="4247317"/>
-          </a:xfrm>
-          <a:prstGeom prst="rect">
-            <a:avLst/>
-          </a:prstGeom>
-          <a:noFill/>
-        </p:spPr>
-        <p:txBody>
-          <a:bodyPr wrap="square">
-            <a:spAutoFit/>
-          </a:bodyPr>
-          <a:lstStyle/>
-          <a:p>
-            <a:pPr marL="285750" indent="-285750" algn="l" rtl="0">
-              <a:buFont typeface="Century Gothic" panose="020B0502020202020204" pitchFamily="34" charset="0"/>
-              <a:buChar char="►"/>
-            </a:pPr>
-            <a:r>
-              <a:rPr lang="en-US" i="0" dirty="0">
-                <a:solidFill>
-                  <a:schemeClr val="tx1"/>
-                </a:solidFill>
-              </a:rPr>
-              <a:t>VMware </a:t>
-            </a:r>
-          </a:p>
-          <a:p>
-            <a:pPr marL="285750" indent="-285750" algn="l" rtl="0">
-              <a:buFont typeface="Arial" panose="020B0604020202020204" pitchFamily="34" charset="0"/>
-              <a:buChar char="•"/>
-            </a:pPr>
-            <a:r>
-              <a:rPr lang="en-US" i="0" dirty="0">
-                <a:solidFill>
-                  <a:schemeClr val="tx1"/>
-                </a:solidFill>
-              </a:rPr>
-              <a:t>192.168.75.11 vm1</a:t>
-            </a:r>
-          </a:p>
-          <a:p>
-            <a:pPr marL="285750" indent="-285750" algn="l" rtl="0">
-              <a:buFont typeface="Arial" panose="020B0604020202020204" pitchFamily="34" charset="0"/>
-              <a:buChar char="•"/>
-            </a:pPr>
-            <a:r>
-              <a:rPr lang="en-US" i="0" dirty="0">
-                <a:solidFill>
-                  <a:schemeClr val="tx1"/>
-                </a:solidFill>
-              </a:rPr>
-              <a:t>192.168.75.12 vm2</a:t>
-            </a:r>
-          </a:p>
-          <a:p>
-            <a:pPr marL="285750" indent="-285750" algn="l" rtl="0">
-              <a:buFont typeface="Arial" panose="020B0604020202020204" pitchFamily="34" charset="0"/>
-              <a:buChar char="•"/>
-            </a:pPr>
-            <a:r>
-              <a:rPr lang="en-US" i="0" dirty="0">
-                <a:solidFill>
-                  <a:schemeClr val="tx1"/>
-                </a:solidFill>
-              </a:rPr>
-              <a:t>192.168.75.13 vm3</a:t>
-            </a:r>
-          </a:p>
-          <a:p>
-            <a:pPr marL="285750" indent="-285750" algn="l" rtl="0">
-              <a:buFont typeface="Century Gothic" panose="020B0502020202020204" pitchFamily="34" charset="0"/>
-              <a:buChar char="►"/>
-            </a:pPr>
-            <a:r>
-              <a:rPr lang="en-US" i="0" dirty="0">
-                <a:solidFill>
-                  <a:schemeClr val="tx1"/>
-                </a:solidFill>
-              </a:rPr>
-              <a:t>VMware GlusterFS</a:t>
-            </a:r>
-          </a:p>
-          <a:p>
-            <a:pPr marL="285750" indent="-285750" algn="l" rtl="0">
-              <a:buFont typeface="Arial" panose="020B0604020202020204" pitchFamily="34" charset="0"/>
-              <a:buChar char="•"/>
-            </a:pPr>
-            <a:r>
-              <a:rPr lang="en-US" i="0" dirty="0">
-                <a:solidFill>
-                  <a:schemeClr val="tx1"/>
-                </a:solidFill>
-              </a:rPr>
-              <a:t>10.0.0.11 vm1g</a:t>
-            </a:r>
-          </a:p>
-          <a:p>
-            <a:pPr marL="285750" indent="-285750" algn="l" rtl="0">
-              <a:buFont typeface="Arial" panose="020B0604020202020204" pitchFamily="34" charset="0"/>
-              <a:buChar char="•"/>
-            </a:pPr>
-            <a:r>
-              <a:rPr lang="en-US" i="0" dirty="0">
-                <a:solidFill>
-                  <a:schemeClr val="tx1"/>
-                </a:solidFill>
-              </a:rPr>
-              <a:t>10.0.0.12 vm2g</a:t>
-            </a:r>
-          </a:p>
-          <a:p>
-            <a:pPr marL="285750" indent="-285750" algn="l" rtl="0">
-              <a:buFont typeface="Arial" panose="020B0604020202020204" pitchFamily="34" charset="0"/>
-              <a:buChar char="•"/>
-            </a:pPr>
-            <a:r>
-              <a:rPr lang="en-US" i="0" dirty="0">
-                <a:solidFill>
-                  <a:schemeClr val="tx1"/>
-                </a:solidFill>
-              </a:rPr>
-              <a:t>10.0.0.13 vm3g</a:t>
-            </a:r>
-          </a:p>
-          <a:p>
-            <a:pPr marL="285750" indent="-285750" algn="l" rtl="0">
-              <a:buFont typeface="Century Gothic" panose="020B0502020202020204" pitchFamily="34" charset="0"/>
-              <a:buChar char="►"/>
-            </a:pPr>
-            <a:r>
-              <a:rPr lang="en-US" dirty="0"/>
-              <a:t>services</a:t>
-            </a:r>
-            <a:endParaRPr lang="en-US" i="0" dirty="0">
-              <a:solidFill>
-                <a:schemeClr val="tx1"/>
-              </a:solidFill>
-            </a:endParaRPr>
-          </a:p>
-          <a:p>
-            <a:pPr marL="285750" indent="-285750" algn="l" rtl="0">
-              <a:buFont typeface="Arial" panose="020B0604020202020204" pitchFamily="34" charset="0"/>
-              <a:buChar char="•"/>
-            </a:pPr>
-            <a:r>
-              <a:rPr lang="en-US" i="0" dirty="0">
-                <a:solidFill>
-                  <a:schemeClr val="tx1"/>
-                </a:solidFill>
-              </a:rPr>
-              <a:t>192.168.75.11 vm1 </a:t>
-            </a:r>
-            <a:r>
-              <a:rPr lang="en-US" i="0" dirty="0" err="1">
-                <a:solidFill>
-                  <a:schemeClr val="tx1"/>
-                </a:solidFill>
-              </a:rPr>
-              <a:t>joom</a:t>
-            </a:r>
-            <a:r>
-              <a:rPr lang="en-US" dirty="0" err="1"/>
-              <a:t>la.local</a:t>
-            </a:r>
-            <a:endParaRPr lang="en-US" i="0" dirty="0">
-              <a:solidFill>
-                <a:schemeClr val="tx1"/>
-              </a:solidFill>
-            </a:endParaRPr>
-          </a:p>
-          <a:p>
-            <a:pPr marL="285750" indent="-285750" algn="l" rtl="0">
-              <a:buFont typeface="Arial" panose="020B0604020202020204" pitchFamily="34" charset="0"/>
-              <a:buChar char="•"/>
-            </a:pPr>
-            <a:r>
-              <a:rPr lang="en-US" i="0" dirty="0">
-                <a:solidFill>
-                  <a:schemeClr val="tx1"/>
-                </a:solidFill>
-              </a:rPr>
-              <a:t>192.168.75.11 vm1 </a:t>
-            </a:r>
-            <a:r>
-              <a:rPr lang="en-US" i="0" dirty="0" err="1">
-                <a:solidFill>
-                  <a:schemeClr val="tx1"/>
-                </a:solidFill>
-              </a:rPr>
-              <a:t>managedb.joomla.local</a:t>
-            </a:r>
-            <a:endParaRPr lang="en-US" i="0" dirty="0">
-              <a:solidFill>
-                <a:schemeClr val="tx1"/>
-              </a:solidFill>
-            </a:endParaRPr>
-          </a:p>
-          <a:p>
-            <a:pPr marL="285750" indent="-285750" algn="l" rtl="0">
-              <a:buFont typeface="Arial" panose="020B0604020202020204" pitchFamily="34" charset="0"/>
-              <a:buChar char="•"/>
-            </a:pPr>
-            <a:r>
-              <a:rPr lang="en-US" i="0" dirty="0">
-                <a:solidFill>
-                  <a:schemeClr val="tx1"/>
-                </a:solidFill>
-              </a:rPr>
-              <a:t>192.168.75.11 vm1 </a:t>
-            </a:r>
-            <a:r>
-              <a:rPr lang="en-US" dirty="0" err="1"/>
-              <a:t>p</a:t>
-            </a:r>
-            <a:r>
-              <a:rPr lang="en-US" i="0" dirty="0" err="1">
-                <a:solidFill>
-                  <a:schemeClr val="tx1"/>
-                </a:solidFill>
-              </a:rPr>
-              <a:t>rometheus.joomla.local</a:t>
-            </a:r>
-            <a:endParaRPr lang="en-US" i="0" dirty="0">
-              <a:solidFill>
-                <a:schemeClr val="tx1"/>
-              </a:solidFill>
-            </a:endParaRPr>
-          </a:p>
-          <a:p>
-            <a:pPr marL="285750" indent="-285750" algn="l" rtl="0">
-              <a:buFont typeface="Arial" panose="020B0604020202020204" pitchFamily="34" charset="0"/>
-              <a:buChar char="•"/>
-            </a:pPr>
-            <a:r>
-              <a:rPr lang="en-US" i="0" dirty="0">
-                <a:solidFill>
-                  <a:schemeClr val="tx1"/>
-                </a:solidFill>
-              </a:rPr>
-              <a:t>192.168.75.11 vm1 </a:t>
-            </a:r>
-            <a:r>
-              <a:rPr lang="en-US" i="0" dirty="0" err="1">
-                <a:solidFill>
-                  <a:schemeClr val="tx1"/>
-                </a:solidFill>
-              </a:rPr>
-              <a:t>monitor.joomla.local</a:t>
-            </a:r>
-            <a:endParaRPr lang="en-US" i="0" dirty="0">
-              <a:solidFill>
-                <a:schemeClr val="tx1"/>
-              </a:solidFill>
-            </a:endParaRPr>
-          </a:p>
-          <a:p>
-            <a:pPr marL="285750" indent="-285750" algn="l" rtl="0">
-              <a:buFont typeface="Arial" panose="020B0604020202020204" pitchFamily="34" charset="0"/>
-              <a:buChar char="•"/>
-            </a:pPr>
-            <a:r>
-              <a:rPr lang="en-US" i="0" dirty="0">
-                <a:solidFill>
-                  <a:schemeClr val="tx1"/>
-                </a:solidFill>
-              </a:rPr>
-              <a:t>192.168.75.11 vm1 </a:t>
-            </a:r>
-            <a:r>
-              <a:rPr lang="en-US" i="0" dirty="0" err="1">
-                <a:solidFill>
-                  <a:schemeClr val="tx1"/>
-                </a:solidFill>
-              </a:rPr>
-              <a:t>map.joomla.local</a:t>
-            </a:r>
-            <a:endParaRPr lang="en-US" i="0" dirty="0">
-              <a:solidFill>
-                <a:schemeClr val="tx1"/>
-              </a:solidFill>
-            </a:endParaRPr>
-          </a:p>
-        </p:txBody>
-      </p:sp>
-      <p:pic>
-        <p:nvPicPr>
-          <p:cNvPr id="7180" name="Picture 12" descr="Windows 10 Icon Png #86524 - Free Icons Library">
-            <a:extLst>
-              <a:ext uri="{FF2B5EF4-FFF2-40B4-BE49-F238E27FC236}">
-                <a16:creationId xmlns:a16="http://schemas.microsoft.com/office/drawing/2014/main" id="{47A67049-1C97-4F23-AE9F-0B5FD2FC80B7}"/>
-              </a:ext>
-            </a:extLst>
-          </p:cNvPr>
-          <p:cNvPicPr>
-            <a:picLocks noChangeAspect="1" noChangeArrowheads="1"/>
-          </p:cNvPicPr>
-          <p:nvPr/>
-        </p:nvPicPr>
-        <p:blipFill>
-          <a:blip r:embed="rId2" cstate="print">
-            <a:extLst>
-              <a:ext uri="{28A0092B-C50C-407E-A947-70E740481C1C}">
-                <a14:useLocalDpi xmlns:a14="http://schemas.microsoft.com/office/drawing/2010/main" val="0"/>
-              </a:ext>
-            </a:extLst>
-          </a:blip>
-          <a:srcRect/>
-          <a:stretch>
-            <a:fillRect/>
-          </a:stretch>
-        </p:blipFill>
-        <p:spPr bwMode="auto">
-          <a:xfrm>
-            <a:off x="7956376" y="5552658"/>
-            <a:ext cx="1124744" cy="1124744"/>
-          </a:xfrm>
-          <a:prstGeom prst="rect">
-            <a:avLst/>
-          </a:prstGeom>
-          <a:noFill/>
-          <a:extLst>
-            <a:ext uri="{909E8E84-426E-40DD-AFC4-6F175D3DCCD1}">
-              <a14:hiddenFill xmlns:a14="http://schemas.microsoft.com/office/drawing/2010/main">
-                <a:solidFill>
-                  <a:srgbClr val="FFFFFF"/>
-                </a:solidFill>
-              </a14:hiddenFill>
-            </a:ext>
-          </a:extLst>
-        </p:spPr>
-      </p:pic>
-    </p:spTree>
-    <p:extLst>
-      <p:ext uri="{BB962C8B-B14F-4D97-AF65-F5344CB8AC3E}">
-        <p14:creationId xmlns:p14="http://schemas.microsoft.com/office/powerpoint/2010/main" val="556472157"/>
-      </p:ext>
-    </p:extLst>
-  </p:cSld>
-  <p:clrMapOvr>
-    <a:masterClrMapping/>
-  </p:clrMapOvr>
-  <mc:AlternateContent xmlns:mc="http://schemas.openxmlformats.org/markup-compatibility/2006" xmlns:p14="http://schemas.microsoft.com/office/powerpoint/2010/main">
-    <mc:Choice Requires="p14">
-      <p:transition spd="med" p14:dur="700">
-        <p:fade/>
-      </p:transition>
-    </mc:Choice>
-    <mc:Fallback xmlns="">
-      <p:transition spd="med">
-        <p:fade/>
-      </p:transition>
-    </mc:Fallback>
-  </mc:AlternateContent>
-</p:sld>
-</file>
-
-<file path=ppt/slides/slide25.xml><?xml version="1.0" encoding="utf-8"?>
-<p:sld xmlns:a="http://schemas.openxmlformats.org/drawingml/2006/main" xmlns:r="http://schemas.openxmlformats.org/officeDocument/2006/relationships" xmlns:p="http://schemas.openxmlformats.org/presentationml/2006/main">
-  <p:cSld>
-    <p:spTree>
-      <p:nvGrpSpPr>
-        <p:cNvPr id="1" name=""/>
-        <p:cNvGrpSpPr/>
-        <p:nvPr/>
-      </p:nvGrpSpPr>
-      <p:grpSpPr>
-        <a:xfrm>
-          <a:off x="0" y="0"/>
-          <a:ext cx="0" cy="0"/>
-          <a:chOff x="0" y="0"/>
-          <a:chExt cx="0" cy="0"/>
-        </a:xfrm>
-      </p:grpSpPr>
-      <p:grpSp>
-        <p:nvGrpSpPr>
-          <p:cNvPr id="36" name="Group 35">
-            <a:extLst>
-              <a:ext uri="{FF2B5EF4-FFF2-40B4-BE49-F238E27FC236}">
-                <a16:creationId xmlns:a16="http://schemas.microsoft.com/office/drawing/2014/main" id="{0BFBE852-63FA-4A5D-B09E-DA767F23E8BA}"/>
-              </a:ext>
-            </a:extLst>
-          </p:cNvPr>
-          <p:cNvGrpSpPr/>
-          <p:nvPr/>
-        </p:nvGrpSpPr>
-        <p:grpSpPr>
-          <a:xfrm>
-            <a:off x="-180528" y="456544"/>
-            <a:ext cx="9145481" cy="5944912"/>
-            <a:chOff x="-180528" y="456544"/>
-            <a:chExt cx="9145481" cy="5944912"/>
-          </a:xfrm>
-        </p:grpSpPr>
-        <p:sp>
-          <p:nvSpPr>
-            <p:cNvPr id="2" name="Flowchart: Magnetic Disk 1">
-              <a:extLst>
-                <a:ext uri="{FF2B5EF4-FFF2-40B4-BE49-F238E27FC236}">
-                  <a16:creationId xmlns:a16="http://schemas.microsoft.com/office/drawing/2014/main" id="{A12444DE-535B-4F0A-8DF8-D5430EAA09D5}"/>
-                </a:ext>
-              </a:extLst>
-            </p:cNvPr>
-            <p:cNvSpPr/>
-            <p:nvPr/>
-          </p:nvSpPr>
-          <p:spPr>
-            <a:xfrm>
-              <a:off x="7403555" y="2734891"/>
-              <a:ext cx="664847" cy="432048"/>
-            </a:xfrm>
-            <a:prstGeom prst="flowChartMagneticDisk">
-              <a:avLst/>
-            </a:prstGeom>
-            <a:noFill/>
-            <a:ln>
-              <a:solidFill>
-                <a:schemeClr val="bg1">
-                  <a:lumMod val="85000"/>
-                </a:schemeClr>
-              </a:solidFill>
-            </a:ln>
-          </p:spPr>
-          <p:style>
-            <a:lnRef idx="2">
-              <a:schemeClr val="accent1">
-                <a:shade val="50000"/>
-              </a:schemeClr>
-            </a:lnRef>
-            <a:fillRef idx="1">
-              <a:schemeClr val="accent1"/>
-            </a:fillRef>
-            <a:effectRef idx="0">
-              <a:schemeClr val="accent1"/>
-            </a:effectRef>
-            <a:fontRef idx="minor">
-              <a:schemeClr val="lt1"/>
-            </a:fontRef>
-          </p:style>
-          <p:txBody>
-            <a:bodyPr rtlCol="1" anchor="ctr"/>
-            <a:lstStyle/>
-            <a:p>
-              <a:pPr algn="ctr"/>
-              <a:r>
-                <a:rPr lang="en-US" dirty="0">
-                  <a:solidFill>
-                    <a:schemeClr val="bg1">
-                      <a:lumMod val="85000"/>
-                    </a:schemeClr>
-                  </a:solidFill>
-                </a:rPr>
-                <a:t>/gfs</a:t>
-              </a:r>
-              <a:endParaRPr lang="ar-SA" dirty="0">
-                <a:solidFill>
-                  <a:schemeClr val="bg1">
-                    <a:lumMod val="85000"/>
-                  </a:schemeClr>
-                </a:solidFill>
-              </a:endParaRPr>
-            </a:p>
-          </p:txBody>
-        </p:sp>
-        <p:sp>
-          <p:nvSpPr>
-            <p:cNvPr id="3" name="Flowchart: Magnetic Disk 2">
-              <a:extLst>
-                <a:ext uri="{FF2B5EF4-FFF2-40B4-BE49-F238E27FC236}">
-                  <a16:creationId xmlns:a16="http://schemas.microsoft.com/office/drawing/2014/main" id="{B50D735A-81E1-4293-A41F-5A948BABC1E5}"/>
-                </a:ext>
-              </a:extLst>
-            </p:cNvPr>
-            <p:cNvSpPr/>
-            <p:nvPr/>
-          </p:nvSpPr>
-          <p:spPr>
-            <a:xfrm>
-              <a:off x="3778216" y="2726122"/>
-              <a:ext cx="664847" cy="432048"/>
-            </a:xfrm>
-            <a:prstGeom prst="flowChartMagneticDisk">
-              <a:avLst/>
-            </a:prstGeom>
-            <a:noFill/>
-            <a:ln>
-              <a:solidFill>
-                <a:schemeClr val="bg1">
-                  <a:lumMod val="85000"/>
-                </a:schemeClr>
-              </a:solidFill>
-            </a:ln>
-          </p:spPr>
-          <p:style>
-            <a:lnRef idx="2">
-              <a:schemeClr val="accent1">
-                <a:shade val="50000"/>
-              </a:schemeClr>
-            </a:lnRef>
-            <a:fillRef idx="1">
-              <a:schemeClr val="accent1"/>
-            </a:fillRef>
-            <a:effectRef idx="0">
-              <a:schemeClr val="accent1"/>
-            </a:effectRef>
-            <a:fontRef idx="minor">
-              <a:schemeClr val="lt1"/>
-            </a:fontRef>
-          </p:style>
-          <p:txBody>
-            <a:bodyPr rtlCol="1" anchor="ctr"/>
-            <a:lstStyle/>
-            <a:p>
-              <a:pPr algn="ctr"/>
-              <a:r>
-                <a:rPr lang="en-US" dirty="0">
-                  <a:solidFill>
-                    <a:schemeClr val="bg1">
-                      <a:lumMod val="85000"/>
-                    </a:schemeClr>
-                  </a:solidFill>
-                </a:rPr>
-                <a:t>/gfs</a:t>
-              </a:r>
-              <a:endParaRPr lang="ar-SA" dirty="0">
-                <a:solidFill>
-                  <a:schemeClr val="bg1">
-                    <a:lumMod val="85000"/>
-                  </a:schemeClr>
-                </a:solidFill>
-              </a:endParaRPr>
-            </a:p>
-          </p:txBody>
-        </p:sp>
-        <p:sp>
-          <p:nvSpPr>
-            <p:cNvPr id="4" name="Flowchart: Magnetic Disk 3">
-              <a:extLst>
-                <a:ext uri="{FF2B5EF4-FFF2-40B4-BE49-F238E27FC236}">
-                  <a16:creationId xmlns:a16="http://schemas.microsoft.com/office/drawing/2014/main" id="{EB5D2B85-B11A-4DA4-B4B1-060C9C09B190}"/>
-                </a:ext>
-              </a:extLst>
-            </p:cNvPr>
-            <p:cNvSpPr/>
-            <p:nvPr/>
-          </p:nvSpPr>
-          <p:spPr>
-            <a:xfrm>
-              <a:off x="5620130" y="2734891"/>
-              <a:ext cx="664847" cy="432048"/>
-            </a:xfrm>
-            <a:prstGeom prst="flowChartMagneticDisk">
-              <a:avLst/>
-            </a:prstGeom>
-            <a:noFill/>
-            <a:ln>
-              <a:solidFill>
-                <a:schemeClr val="bg1">
-                  <a:lumMod val="85000"/>
-                </a:schemeClr>
-              </a:solidFill>
-            </a:ln>
-          </p:spPr>
-          <p:style>
-            <a:lnRef idx="2">
-              <a:schemeClr val="accent1">
-                <a:shade val="50000"/>
-              </a:schemeClr>
-            </a:lnRef>
-            <a:fillRef idx="1">
-              <a:schemeClr val="accent1"/>
-            </a:fillRef>
-            <a:effectRef idx="0">
-              <a:schemeClr val="accent1"/>
-            </a:effectRef>
-            <a:fontRef idx="minor">
-              <a:schemeClr val="lt1"/>
-            </a:fontRef>
-          </p:style>
-          <p:txBody>
-            <a:bodyPr rtlCol="1" anchor="ctr"/>
-            <a:lstStyle/>
-            <a:p>
-              <a:pPr algn="ctr"/>
-              <a:r>
-                <a:rPr lang="en-US" dirty="0">
-                  <a:solidFill>
-                    <a:schemeClr val="bg1">
-                      <a:lumMod val="85000"/>
-                    </a:schemeClr>
-                  </a:solidFill>
-                </a:rPr>
-                <a:t>/gfs</a:t>
-              </a:r>
-              <a:endParaRPr lang="ar-SA" dirty="0">
-                <a:solidFill>
-                  <a:schemeClr val="bg1">
-                    <a:lumMod val="85000"/>
-                  </a:schemeClr>
-                </a:solidFill>
-              </a:endParaRPr>
-            </a:p>
-          </p:txBody>
-        </p:sp>
-        <p:grpSp>
-          <p:nvGrpSpPr>
-            <p:cNvPr id="5" name="Group 4">
-              <a:extLst>
-                <a:ext uri="{FF2B5EF4-FFF2-40B4-BE49-F238E27FC236}">
-                  <a16:creationId xmlns:a16="http://schemas.microsoft.com/office/drawing/2014/main" id="{647C9E64-9CD5-4E04-B7FE-43F074CABDA4}"/>
-                </a:ext>
-              </a:extLst>
-            </p:cNvPr>
-            <p:cNvGrpSpPr/>
-            <p:nvPr/>
-          </p:nvGrpSpPr>
-          <p:grpSpPr>
-            <a:xfrm>
-              <a:off x="2655333" y="2162982"/>
-              <a:ext cx="1224136" cy="1510906"/>
-              <a:chOff x="3047363" y="2924944"/>
-              <a:chExt cx="1224136" cy="1510906"/>
-            </a:xfrm>
-          </p:grpSpPr>
-          <p:pic>
-            <p:nvPicPr>
-              <p:cNvPr id="6" name="Picture 5" descr="A screenshot of a computer&#10;&#10;Description automatically generated">
-                <a:extLst>
-                  <a:ext uri="{FF2B5EF4-FFF2-40B4-BE49-F238E27FC236}">
-                    <a16:creationId xmlns:a16="http://schemas.microsoft.com/office/drawing/2014/main" id="{1B23DB5E-A56E-41F9-89CC-0BD6132F487D}"/>
-                  </a:ext>
-                </a:extLst>
-              </p:cNvPr>
-              <p:cNvPicPr>
-                <a:picLocks noChangeAspect="1"/>
-              </p:cNvPicPr>
-              <p:nvPr/>
-            </p:nvPicPr>
-            <p:blipFill>
-              <a:blip r:embed="rId2">
-                <a:extLst>
-                  <a:ext uri="{28A0092B-C50C-407E-A947-70E740481C1C}">
-                    <a14:useLocalDpi xmlns:a14="http://schemas.microsoft.com/office/drawing/2010/main" val="0"/>
-                  </a:ext>
-                </a:extLst>
-              </a:blip>
-              <a:stretch>
-                <a:fillRect/>
-              </a:stretch>
-            </p:blipFill>
-            <p:spPr>
-              <a:xfrm>
-                <a:off x="3131840" y="2924944"/>
-                <a:ext cx="1008112" cy="1008112"/>
-              </a:xfrm>
-              <a:prstGeom prst="rect">
-                <a:avLst/>
-              </a:prstGeom>
-            </p:spPr>
-          </p:pic>
-          <p:sp>
-            <p:nvSpPr>
-              <p:cNvPr id="7" name="TextBox 6">
-                <a:extLst>
-                  <a:ext uri="{FF2B5EF4-FFF2-40B4-BE49-F238E27FC236}">
-                    <a16:creationId xmlns:a16="http://schemas.microsoft.com/office/drawing/2014/main" id="{9F53AA33-DF13-4313-BCC6-05E399563D1D}"/>
-                  </a:ext>
-                </a:extLst>
-              </p:cNvPr>
-              <p:cNvSpPr txBox="1"/>
-              <p:nvPr/>
-            </p:nvSpPr>
-            <p:spPr>
-              <a:xfrm>
-                <a:off x="3047363" y="3789519"/>
-                <a:ext cx="1224136" cy="646331"/>
-              </a:xfrm>
-              <a:prstGeom prst="rect">
-                <a:avLst/>
-              </a:prstGeom>
-              <a:noFill/>
-            </p:spPr>
-            <p:txBody>
-              <a:bodyPr wrap="square" rtlCol="1">
-                <a:spAutoFit/>
-              </a:bodyPr>
-              <a:lstStyle/>
-              <a:p>
-                <a:pPr algn="ctr"/>
-                <a:r>
-                  <a:rPr lang="en-US" dirty="0"/>
-                  <a:t>VM1</a:t>
-                </a:r>
-              </a:p>
-              <a:p>
-                <a:pPr algn="ctr"/>
-                <a:r>
-                  <a:rPr lang="en-US" dirty="0">
-                    <a:solidFill>
-                      <a:schemeClr val="bg1">
-                        <a:lumMod val="85000"/>
-                      </a:schemeClr>
-                    </a:solidFill>
-                  </a:rPr>
-                  <a:t>Manger</a:t>
-                </a:r>
-                <a:endParaRPr lang="ar-SA" dirty="0">
-                  <a:solidFill>
-                    <a:schemeClr val="bg1">
-                      <a:lumMod val="85000"/>
-                    </a:schemeClr>
-                  </a:solidFill>
-                </a:endParaRPr>
-              </a:p>
-            </p:txBody>
-          </p:sp>
-        </p:grpSp>
-        <p:grpSp>
-          <p:nvGrpSpPr>
-            <p:cNvPr id="8" name="Group 7">
-              <a:extLst>
-                <a:ext uri="{FF2B5EF4-FFF2-40B4-BE49-F238E27FC236}">
-                  <a16:creationId xmlns:a16="http://schemas.microsoft.com/office/drawing/2014/main" id="{4D3F10B1-B2D3-407F-9A57-6DC5AF34083F}"/>
-                </a:ext>
-              </a:extLst>
-            </p:cNvPr>
-            <p:cNvGrpSpPr/>
-            <p:nvPr/>
-          </p:nvGrpSpPr>
-          <p:grpSpPr>
-            <a:xfrm>
-              <a:off x="4431998" y="2162982"/>
-              <a:ext cx="1224136" cy="1513494"/>
-              <a:chOff x="4824028" y="2924944"/>
-              <a:chExt cx="1224136" cy="1513494"/>
-            </a:xfrm>
-          </p:grpSpPr>
-          <p:pic>
-            <p:nvPicPr>
-              <p:cNvPr id="9" name="Picture 8" descr="A screenshot of a computer&#10;&#10;Description automatically generated">
-                <a:extLst>
-                  <a:ext uri="{FF2B5EF4-FFF2-40B4-BE49-F238E27FC236}">
-                    <a16:creationId xmlns:a16="http://schemas.microsoft.com/office/drawing/2014/main" id="{8123B1D8-1CF9-4F87-9DC0-DBA844E8496B}"/>
-                  </a:ext>
-                </a:extLst>
-              </p:cNvPr>
-              <p:cNvPicPr>
-                <a:picLocks noChangeAspect="1"/>
-              </p:cNvPicPr>
-              <p:nvPr/>
-            </p:nvPicPr>
-            <p:blipFill>
-              <a:blip r:embed="rId2">
-                <a:extLst>
-                  <a:ext uri="{28A0092B-C50C-407E-A947-70E740481C1C}">
-                    <a14:useLocalDpi xmlns:a14="http://schemas.microsoft.com/office/drawing/2010/main" val="0"/>
-                  </a:ext>
-                </a:extLst>
-              </a:blip>
-              <a:stretch>
-                <a:fillRect/>
-              </a:stretch>
-            </p:blipFill>
-            <p:spPr>
-              <a:xfrm>
-                <a:off x="4932040" y="2924944"/>
-                <a:ext cx="1008112" cy="1008112"/>
-              </a:xfrm>
-              <a:prstGeom prst="rect">
-                <a:avLst/>
-              </a:prstGeom>
-            </p:spPr>
-          </p:pic>
-          <p:sp>
-            <p:nvSpPr>
-              <p:cNvPr id="10" name="TextBox 9">
-                <a:extLst>
-                  <a:ext uri="{FF2B5EF4-FFF2-40B4-BE49-F238E27FC236}">
-                    <a16:creationId xmlns:a16="http://schemas.microsoft.com/office/drawing/2014/main" id="{A858D316-3482-48ED-B3A6-3BF536D1922A}"/>
-                  </a:ext>
-                </a:extLst>
-              </p:cNvPr>
-              <p:cNvSpPr txBox="1"/>
-              <p:nvPr/>
-            </p:nvSpPr>
-            <p:spPr>
-              <a:xfrm>
-                <a:off x="4824028" y="3792107"/>
-                <a:ext cx="1224136" cy="646331"/>
-              </a:xfrm>
-              <a:prstGeom prst="rect">
-                <a:avLst/>
-              </a:prstGeom>
-              <a:noFill/>
-            </p:spPr>
-            <p:txBody>
-              <a:bodyPr wrap="square" rtlCol="1">
-                <a:spAutoFit/>
-              </a:bodyPr>
-              <a:lstStyle/>
-              <a:p>
-                <a:pPr algn="ctr"/>
-                <a:r>
-                  <a:rPr lang="en-US" dirty="0"/>
-                  <a:t>VM2</a:t>
-                </a:r>
-                <a:endParaRPr lang="ar-SA" dirty="0"/>
-              </a:p>
-              <a:p>
-                <a:pPr algn="ctr"/>
-                <a:r>
-                  <a:rPr lang="en-US" dirty="0">
-                    <a:solidFill>
-                      <a:schemeClr val="bg1">
-                        <a:lumMod val="85000"/>
-                      </a:schemeClr>
-                    </a:solidFill>
-                  </a:rPr>
-                  <a:t>Worker</a:t>
-                </a:r>
-                <a:endParaRPr lang="ar-SA" dirty="0">
-                  <a:solidFill>
-                    <a:schemeClr val="bg1">
-                      <a:lumMod val="85000"/>
-                    </a:schemeClr>
-                  </a:solidFill>
-                </a:endParaRPr>
-              </a:p>
-            </p:txBody>
-          </p:sp>
-        </p:grpSp>
-        <p:grpSp>
-          <p:nvGrpSpPr>
-            <p:cNvPr id="11" name="Group 10">
-              <a:extLst>
-                <a:ext uri="{FF2B5EF4-FFF2-40B4-BE49-F238E27FC236}">
-                  <a16:creationId xmlns:a16="http://schemas.microsoft.com/office/drawing/2014/main" id="{AEC41298-70CE-4CA2-9B6B-A25175F065B7}"/>
-                </a:ext>
-              </a:extLst>
-            </p:cNvPr>
-            <p:cNvGrpSpPr/>
-            <p:nvPr/>
-          </p:nvGrpSpPr>
-          <p:grpSpPr>
-            <a:xfrm>
-              <a:off x="6289657" y="2162982"/>
-              <a:ext cx="1224136" cy="1513494"/>
-              <a:chOff x="6681687" y="2924944"/>
-              <a:chExt cx="1224136" cy="1513494"/>
-            </a:xfrm>
-          </p:grpSpPr>
-          <p:pic>
-            <p:nvPicPr>
-              <p:cNvPr id="12" name="Picture 11" descr="A screenshot of a computer&#10;&#10;Description automatically generated">
-                <a:extLst>
-                  <a:ext uri="{FF2B5EF4-FFF2-40B4-BE49-F238E27FC236}">
-                    <a16:creationId xmlns:a16="http://schemas.microsoft.com/office/drawing/2014/main" id="{4FF17B1E-DEC1-49BD-B895-A73D39615FB9}"/>
-                  </a:ext>
-                </a:extLst>
-              </p:cNvPr>
-              <p:cNvPicPr>
-                <a:picLocks noChangeAspect="1"/>
-              </p:cNvPicPr>
-              <p:nvPr/>
-            </p:nvPicPr>
-            <p:blipFill>
-              <a:blip r:embed="rId2">
-                <a:extLst>
-                  <a:ext uri="{28A0092B-C50C-407E-A947-70E740481C1C}">
-                    <a14:useLocalDpi xmlns:a14="http://schemas.microsoft.com/office/drawing/2010/main" val="0"/>
-                  </a:ext>
-                </a:extLst>
-              </a:blip>
-              <a:stretch>
-                <a:fillRect/>
-              </a:stretch>
-            </p:blipFill>
-            <p:spPr>
-              <a:xfrm>
-                <a:off x="6732240" y="2924944"/>
-                <a:ext cx="1008112" cy="1008112"/>
-              </a:xfrm>
-              <a:prstGeom prst="rect">
-                <a:avLst/>
-              </a:prstGeom>
-              <a:ln>
-                <a:noFill/>
-              </a:ln>
-            </p:spPr>
-          </p:pic>
-          <p:sp>
-            <p:nvSpPr>
-              <p:cNvPr id="13" name="TextBox 12">
-                <a:extLst>
-                  <a:ext uri="{FF2B5EF4-FFF2-40B4-BE49-F238E27FC236}">
-                    <a16:creationId xmlns:a16="http://schemas.microsoft.com/office/drawing/2014/main" id="{8D4C1E7E-B2D3-4E0A-9AD0-638E97FC9BD9}"/>
-                  </a:ext>
-                </a:extLst>
-              </p:cNvPr>
-              <p:cNvSpPr txBox="1"/>
-              <p:nvPr/>
-            </p:nvSpPr>
-            <p:spPr>
-              <a:xfrm>
-                <a:off x="6681687" y="3792107"/>
-                <a:ext cx="1224136" cy="646331"/>
-              </a:xfrm>
-              <a:prstGeom prst="rect">
-                <a:avLst/>
-              </a:prstGeom>
-              <a:noFill/>
-              <a:ln>
-                <a:noFill/>
-              </a:ln>
-            </p:spPr>
-            <p:txBody>
-              <a:bodyPr wrap="square" rtlCol="1">
-                <a:spAutoFit/>
-              </a:bodyPr>
-              <a:lstStyle/>
-              <a:p>
-                <a:pPr algn="ctr"/>
-                <a:r>
-                  <a:rPr lang="en-US" dirty="0"/>
-                  <a:t>VM3</a:t>
-                </a:r>
-              </a:p>
-              <a:p>
-                <a:pPr algn="ctr"/>
-                <a:r>
-                  <a:rPr lang="en-US" dirty="0">
-                    <a:solidFill>
-                      <a:schemeClr val="bg1">
-                        <a:lumMod val="85000"/>
-                      </a:schemeClr>
-                    </a:solidFill>
-                  </a:rPr>
-                  <a:t>Worker</a:t>
-                </a:r>
-                <a:endParaRPr lang="ar-SA" dirty="0">
-                  <a:solidFill>
-                    <a:schemeClr val="bg1">
-                      <a:lumMod val="85000"/>
-                    </a:schemeClr>
-                  </a:solidFill>
-                </a:endParaRPr>
-              </a:p>
-            </p:txBody>
-          </p:sp>
-        </p:grpSp>
-        <p:cxnSp>
-          <p:nvCxnSpPr>
-            <p:cNvPr id="14" name="Straight Connector 13">
-              <a:extLst>
-                <a:ext uri="{FF2B5EF4-FFF2-40B4-BE49-F238E27FC236}">
-                  <a16:creationId xmlns:a16="http://schemas.microsoft.com/office/drawing/2014/main" id="{79F713C6-9449-4AC7-907C-75D9E006585C}"/>
-                </a:ext>
-              </a:extLst>
-            </p:cNvPr>
-            <p:cNvCxnSpPr/>
-            <p:nvPr/>
-          </p:nvCxnSpPr>
-          <p:spPr>
-            <a:xfrm>
-              <a:off x="2739810" y="2018966"/>
-              <a:ext cx="5328592" cy="0"/>
-            </a:xfrm>
-            <a:prstGeom prst="line">
-              <a:avLst/>
-            </a:prstGeom>
-            <a:ln>
-              <a:solidFill>
-                <a:schemeClr val="bg1">
-                  <a:lumMod val="85000"/>
-                </a:schemeClr>
-              </a:solidFill>
-            </a:ln>
-          </p:spPr>
-          <p:style>
-            <a:lnRef idx="1">
-              <a:schemeClr val="accent1"/>
-            </a:lnRef>
-            <a:fillRef idx="0">
-              <a:schemeClr val="accent1"/>
-            </a:fillRef>
-            <a:effectRef idx="0">
-              <a:schemeClr val="accent1"/>
-            </a:effectRef>
-            <a:fontRef idx="minor">
-              <a:schemeClr val="tx1"/>
-            </a:fontRef>
-          </p:style>
-        </p:cxnSp>
-        <p:cxnSp>
-          <p:nvCxnSpPr>
-            <p:cNvPr id="15" name="Straight Connector 14">
-              <a:extLst>
-                <a:ext uri="{FF2B5EF4-FFF2-40B4-BE49-F238E27FC236}">
-                  <a16:creationId xmlns:a16="http://schemas.microsoft.com/office/drawing/2014/main" id="{DF5B888C-DA76-4FDF-87DF-E3451C8A573C}"/>
-                </a:ext>
-              </a:extLst>
-            </p:cNvPr>
-            <p:cNvCxnSpPr>
-              <a:cxnSpLocks/>
-            </p:cNvCxnSpPr>
-            <p:nvPr/>
-          </p:nvCxnSpPr>
-          <p:spPr>
-            <a:xfrm>
-              <a:off x="4107961" y="2018966"/>
-              <a:ext cx="1" cy="707156"/>
-            </a:xfrm>
-            <a:prstGeom prst="line">
-              <a:avLst/>
-            </a:prstGeom>
-            <a:ln>
-              <a:solidFill>
-                <a:schemeClr val="bg1">
-                  <a:lumMod val="85000"/>
-                </a:schemeClr>
-              </a:solidFill>
-            </a:ln>
-          </p:spPr>
-          <p:style>
-            <a:lnRef idx="1">
-              <a:schemeClr val="accent1"/>
-            </a:lnRef>
-            <a:fillRef idx="0">
-              <a:schemeClr val="accent1"/>
-            </a:fillRef>
-            <a:effectRef idx="0">
-              <a:schemeClr val="accent1"/>
-            </a:effectRef>
-            <a:fontRef idx="minor">
-              <a:schemeClr val="tx1"/>
-            </a:fontRef>
-          </p:style>
-        </p:cxnSp>
-        <p:cxnSp>
-          <p:nvCxnSpPr>
-            <p:cNvPr id="16" name="Straight Connector 15">
-              <a:extLst>
-                <a:ext uri="{FF2B5EF4-FFF2-40B4-BE49-F238E27FC236}">
-                  <a16:creationId xmlns:a16="http://schemas.microsoft.com/office/drawing/2014/main" id="{831A9A9E-2D31-4A93-A555-F6B4D428F647}"/>
-                </a:ext>
-              </a:extLst>
-            </p:cNvPr>
-            <p:cNvCxnSpPr>
-              <a:cxnSpLocks/>
-            </p:cNvCxnSpPr>
-            <p:nvPr/>
-          </p:nvCxnSpPr>
-          <p:spPr>
-            <a:xfrm>
-              <a:off x="5908162" y="2018966"/>
-              <a:ext cx="1" cy="707156"/>
-            </a:xfrm>
-            <a:prstGeom prst="line">
-              <a:avLst/>
-            </a:prstGeom>
-            <a:ln>
-              <a:solidFill>
-                <a:schemeClr val="bg1">
-                  <a:lumMod val="85000"/>
-                </a:schemeClr>
-              </a:solidFill>
-            </a:ln>
-          </p:spPr>
-          <p:style>
-            <a:lnRef idx="1">
-              <a:schemeClr val="accent1"/>
-            </a:lnRef>
-            <a:fillRef idx="0">
-              <a:schemeClr val="accent1"/>
-            </a:fillRef>
-            <a:effectRef idx="0">
-              <a:schemeClr val="accent1"/>
-            </a:effectRef>
-            <a:fontRef idx="minor">
-              <a:schemeClr val="tx1"/>
-            </a:fontRef>
-          </p:style>
-        </p:cxnSp>
-        <p:cxnSp>
-          <p:nvCxnSpPr>
-            <p:cNvPr id="17" name="Straight Connector 16">
-              <a:extLst>
-                <a:ext uri="{FF2B5EF4-FFF2-40B4-BE49-F238E27FC236}">
-                  <a16:creationId xmlns:a16="http://schemas.microsoft.com/office/drawing/2014/main" id="{04A3C6D3-0C53-4C81-991E-D296BF85A0D7}"/>
-                </a:ext>
-              </a:extLst>
-            </p:cNvPr>
-            <p:cNvCxnSpPr>
-              <a:cxnSpLocks/>
-            </p:cNvCxnSpPr>
-            <p:nvPr/>
-          </p:nvCxnSpPr>
-          <p:spPr>
-            <a:xfrm>
-              <a:off x="7708362" y="2018966"/>
-              <a:ext cx="1" cy="707156"/>
-            </a:xfrm>
-            <a:prstGeom prst="line">
-              <a:avLst/>
-            </a:prstGeom>
-            <a:ln>
-              <a:solidFill>
-                <a:schemeClr val="bg1">
-                  <a:lumMod val="85000"/>
-                </a:schemeClr>
-              </a:solidFill>
-            </a:ln>
-          </p:spPr>
-          <p:style>
-            <a:lnRef idx="1">
-              <a:schemeClr val="accent1"/>
-            </a:lnRef>
-            <a:fillRef idx="0">
-              <a:schemeClr val="accent1"/>
-            </a:fillRef>
-            <a:effectRef idx="0">
-              <a:schemeClr val="accent1"/>
-            </a:effectRef>
-            <a:fontRef idx="minor">
-              <a:schemeClr val="tx1"/>
-            </a:fontRef>
-          </p:style>
-        </p:cxnSp>
-        <p:sp>
-          <p:nvSpPr>
-            <p:cNvPr id="18" name="TextBox 17">
-              <a:extLst>
-                <a:ext uri="{FF2B5EF4-FFF2-40B4-BE49-F238E27FC236}">
-                  <a16:creationId xmlns:a16="http://schemas.microsoft.com/office/drawing/2014/main" id="{D493888B-7763-4C5B-8E2E-15B078E09DB0}"/>
-                </a:ext>
-              </a:extLst>
-            </p:cNvPr>
-            <p:cNvSpPr txBox="1"/>
-            <p:nvPr/>
-          </p:nvSpPr>
-          <p:spPr>
-            <a:xfrm>
-              <a:off x="3924568" y="1682289"/>
-              <a:ext cx="2160237" cy="369332"/>
-            </a:xfrm>
-            <a:prstGeom prst="rect">
-              <a:avLst/>
-            </a:prstGeom>
-            <a:noFill/>
-            <a:ln>
-              <a:noFill/>
-            </a:ln>
-          </p:spPr>
-          <p:txBody>
-            <a:bodyPr wrap="square" rtlCol="1">
-              <a:spAutoFit/>
-            </a:bodyPr>
-            <a:lstStyle/>
-            <a:p>
-              <a:r>
-                <a:rPr lang="en-US" dirty="0" err="1">
-                  <a:solidFill>
-                    <a:schemeClr val="bg1">
-                      <a:lumMod val="85000"/>
-                    </a:schemeClr>
-                  </a:solidFill>
-                </a:rPr>
-                <a:t>Gluster</a:t>
-              </a:r>
-              <a:r>
-                <a:rPr lang="en-US" dirty="0">
-                  <a:solidFill>
-                    <a:schemeClr val="bg1">
-                      <a:lumMod val="85000"/>
-                    </a:schemeClr>
-                  </a:solidFill>
-                </a:rPr>
-                <a:t> Volume gfs</a:t>
-              </a:r>
-              <a:endParaRPr lang="ar-SA" dirty="0">
-                <a:solidFill>
-                  <a:schemeClr val="bg1">
-                    <a:lumMod val="85000"/>
-                  </a:schemeClr>
-                </a:solidFill>
-              </a:endParaRPr>
-            </a:p>
-          </p:txBody>
-        </p:sp>
-        <p:cxnSp>
-          <p:nvCxnSpPr>
-            <p:cNvPr id="19" name="Straight Connector 18">
-              <a:extLst>
-                <a:ext uri="{FF2B5EF4-FFF2-40B4-BE49-F238E27FC236}">
-                  <a16:creationId xmlns:a16="http://schemas.microsoft.com/office/drawing/2014/main" id="{99599565-3B25-43DF-9A59-55123F948A36}"/>
-                </a:ext>
-              </a:extLst>
-            </p:cNvPr>
-            <p:cNvCxnSpPr/>
-            <p:nvPr/>
-          </p:nvCxnSpPr>
-          <p:spPr>
-            <a:xfrm>
-              <a:off x="2739810" y="1730934"/>
-              <a:ext cx="5328592" cy="0"/>
-            </a:xfrm>
-            <a:prstGeom prst="line">
-              <a:avLst/>
-            </a:prstGeom>
-            <a:ln>
-              <a:solidFill>
-                <a:schemeClr val="bg1">
-                  <a:lumMod val="85000"/>
-                </a:schemeClr>
-              </a:solidFill>
-            </a:ln>
-          </p:spPr>
-          <p:style>
-            <a:lnRef idx="1">
-              <a:schemeClr val="accent1"/>
-            </a:lnRef>
-            <a:fillRef idx="0">
-              <a:schemeClr val="accent1"/>
-            </a:fillRef>
-            <a:effectRef idx="0">
-              <a:schemeClr val="accent1"/>
-            </a:effectRef>
-            <a:fontRef idx="minor">
-              <a:schemeClr val="tx1"/>
-            </a:fontRef>
-          </p:style>
-        </p:cxnSp>
-        <p:cxnSp>
-          <p:nvCxnSpPr>
-            <p:cNvPr id="20" name="Straight Connector 19">
-              <a:extLst>
-                <a:ext uri="{FF2B5EF4-FFF2-40B4-BE49-F238E27FC236}">
-                  <a16:creationId xmlns:a16="http://schemas.microsoft.com/office/drawing/2014/main" id="{FDEBAA83-7F7F-42FB-85E2-F73DE3A78DD9}"/>
-                </a:ext>
-              </a:extLst>
-            </p:cNvPr>
-            <p:cNvCxnSpPr>
-              <a:cxnSpLocks/>
-            </p:cNvCxnSpPr>
-            <p:nvPr/>
-          </p:nvCxnSpPr>
-          <p:spPr>
-            <a:xfrm>
-              <a:off x="7740352" y="838025"/>
-              <a:ext cx="0" cy="892829"/>
-            </a:xfrm>
-            <a:prstGeom prst="line">
-              <a:avLst/>
-            </a:prstGeom>
-            <a:ln>
-              <a:solidFill>
-                <a:schemeClr val="bg1">
-                  <a:lumMod val="85000"/>
-                </a:schemeClr>
-              </a:solidFill>
-            </a:ln>
-          </p:spPr>
-          <p:style>
-            <a:lnRef idx="1">
-              <a:schemeClr val="accent1"/>
-            </a:lnRef>
-            <a:fillRef idx="0">
-              <a:schemeClr val="accent1"/>
-            </a:fillRef>
-            <a:effectRef idx="0">
-              <a:schemeClr val="accent1"/>
-            </a:effectRef>
-            <a:fontRef idx="minor">
-              <a:schemeClr val="tx1"/>
-            </a:fontRef>
-          </p:style>
-        </p:cxnSp>
-        <p:sp>
-          <p:nvSpPr>
-            <p:cNvPr id="21" name="TextBox 20">
-              <a:extLst>
-                <a:ext uri="{FF2B5EF4-FFF2-40B4-BE49-F238E27FC236}">
-                  <a16:creationId xmlns:a16="http://schemas.microsoft.com/office/drawing/2014/main" id="{418C6C06-0C2A-40AE-86AC-D2822BAA3CB7}"/>
-                </a:ext>
-              </a:extLst>
-            </p:cNvPr>
-            <p:cNvSpPr txBox="1"/>
-            <p:nvPr/>
-          </p:nvSpPr>
-          <p:spPr>
-            <a:xfrm>
-              <a:off x="2901163" y="853159"/>
-              <a:ext cx="1152127" cy="923330"/>
-            </a:xfrm>
-            <a:prstGeom prst="rect">
-              <a:avLst/>
-            </a:prstGeom>
-            <a:noFill/>
-            <a:ln>
-              <a:noFill/>
-            </a:ln>
-          </p:spPr>
-          <p:txBody>
-            <a:bodyPr wrap="square" rtlCol="1">
-              <a:spAutoFit/>
-            </a:bodyPr>
-            <a:lstStyle/>
-            <a:p>
-              <a:pPr algn="r"/>
-              <a:r>
-                <a:rPr lang="en-US" dirty="0">
-                  <a:solidFill>
-                    <a:schemeClr val="bg1">
-                      <a:lumMod val="85000"/>
-                    </a:schemeClr>
-                  </a:solidFill>
-                </a:rPr>
-                <a:t>vm1g</a:t>
-              </a:r>
-            </a:p>
-            <a:p>
-              <a:pPr algn="r"/>
-              <a:r>
-                <a:rPr lang="en-US" dirty="0">
-                  <a:solidFill>
-                    <a:schemeClr val="bg1">
-                      <a:lumMod val="85000"/>
-                    </a:schemeClr>
-                  </a:solidFill>
-                </a:rPr>
-                <a:t>ens38</a:t>
-              </a:r>
-            </a:p>
-            <a:p>
-              <a:pPr algn="r"/>
-              <a:r>
-                <a:rPr lang="en-US" dirty="0">
-                  <a:solidFill>
-                    <a:schemeClr val="bg1">
-                      <a:lumMod val="85000"/>
-                    </a:schemeClr>
-                  </a:solidFill>
-                </a:rPr>
-                <a:t>10.0.0.11</a:t>
-              </a:r>
-            </a:p>
-          </p:txBody>
-        </p:sp>
-        <p:sp>
-          <p:nvSpPr>
-            <p:cNvPr id="22" name="TextBox 21">
-              <a:extLst>
-                <a:ext uri="{FF2B5EF4-FFF2-40B4-BE49-F238E27FC236}">
-                  <a16:creationId xmlns:a16="http://schemas.microsoft.com/office/drawing/2014/main" id="{F13E1989-B07B-4639-86F4-03734FA8EE5B}"/>
-                </a:ext>
-              </a:extLst>
-            </p:cNvPr>
-            <p:cNvSpPr txBox="1"/>
-            <p:nvPr/>
-          </p:nvSpPr>
-          <p:spPr>
-            <a:xfrm>
-              <a:off x="4770595" y="819487"/>
-              <a:ext cx="1152127" cy="923330"/>
-            </a:xfrm>
-            <a:prstGeom prst="rect">
-              <a:avLst/>
-            </a:prstGeom>
-            <a:noFill/>
-          </p:spPr>
-          <p:txBody>
-            <a:bodyPr wrap="square" rtlCol="1">
-              <a:spAutoFit/>
-            </a:bodyPr>
-            <a:lstStyle/>
-            <a:p>
-              <a:pPr algn="r"/>
-              <a:r>
-                <a:rPr lang="en-US" dirty="0">
-                  <a:solidFill>
-                    <a:schemeClr val="bg1">
-                      <a:lumMod val="85000"/>
-                    </a:schemeClr>
-                  </a:solidFill>
-                </a:rPr>
-                <a:t>vm2g</a:t>
-              </a:r>
-            </a:p>
-            <a:p>
-              <a:pPr algn="r"/>
-              <a:r>
-                <a:rPr lang="en-US" dirty="0">
-                  <a:solidFill>
-                    <a:schemeClr val="bg1">
-                      <a:lumMod val="85000"/>
-                    </a:schemeClr>
-                  </a:solidFill>
-                </a:rPr>
-                <a:t>ens38</a:t>
-              </a:r>
-            </a:p>
-            <a:p>
-              <a:pPr algn="r"/>
-              <a:r>
-                <a:rPr lang="en-US" dirty="0">
-                  <a:solidFill>
-                    <a:schemeClr val="bg1">
-                      <a:lumMod val="85000"/>
-                    </a:schemeClr>
-                  </a:solidFill>
-                </a:rPr>
-                <a:t>10.0.0.12</a:t>
-              </a:r>
-            </a:p>
-          </p:txBody>
-        </p:sp>
-        <p:sp>
-          <p:nvSpPr>
-            <p:cNvPr id="23" name="TextBox 22">
-              <a:extLst>
-                <a:ext uri="{FF2B5EF4-FFF2-40B4-BE49-F238E27FC236}">
-                  <a16:creationId xmlns:a16="http://schemas.microsoft.com/office/drawing/2014/main" id="{8828310E-26D2-476A-88ED-501DA1BDD866}"/>
-                </a:ext>
-              </a:extLst>
-            </p:cNvPr>
-            <p:cNvSpPr txBox="1"/>
-            <p:nvPr/>
-          </p:nvSpPr>
-          <p:spPr>
-            <a:xfrm>
-              <a:off x="6578076" y="825029"/>
-              <a:ext cx="1074750" cy="923330"/>
-            </a:xfrm>
-            <a:prstGeom prst="rect">
-              <a:avLst/>
-            </a:prstGeom>
-            <a:noFill/>
-          </p:spPr>
-          <p:txBody>
-            <a:bodyPr wrap="square" rtlCol="1">
-              <a:spAutoFit/>
-            </a:bodyPr>
-            <a:lstStyle/>
-            <a:p>
-              <a:pPr algn="r"/>
-              <a:r>
-                <a:rPr lang="en-US" dirty="0">
-                  <a:solidFill>
-                    <a:schemeClr val="bg1">
-                      <a:lumMod val="85000"/>
-                    </a:schemeClr>
-                  </a:solidFill>
-                </a:rPr>
-                <a:t>vm3g</a:t>
-              </a:r>
-            </a:p>
-            <a:p>
-              <a:pPr algn="r"/>
-              <a:r>
-                <a:rPr lang="en-US" dirty="0">
-                  <a:solidFill>
-                    <a:schemeClr val="bg1">
-                      <a:lumMod val="85000"/>
-                    </a:schemeClr>
-                  </a:solidFill>
-                </a:rPr>
-                <a:t>ens38</a:t>
-              </a:r>
-            </a:p>
-            <a:p>
-              <a:pPr algn="r"/>
-              <a:r>
-                <a:rPr lang="en-US" dirty="0">
-                  <a:solidFill>
-                    <a:schemeClr val="bg1">
-                      <a:lumMod val="85000"/>
-                    </a:schemeClr>
-                  </a:solidFill>
-                </a:rPr>
-                <a:t>10.0.0.13</a:t>
-              </a:r>
-            </a:p>
-          </p:txBody>
-        </p:sp>
-        <p:cxnSp>
-          <p:nvCxnSpPr>
-            <p:cNvPr id="24" name="Straight Connector 23">
-              <a:extLst>
-                <a:ext uri="{FF2B5EF4-FFF2-40B4-BE49-F238E27FC236}">
-                  <a16:creationId xmlns:a16="http://schemas.microsoft.com/office/drawing/2014/main" id="{7EE76992-D471-4B28-9581-9B7CD9D6DD91}"/>
-                </a:ext>
-              </a:extLst>
-            </p:cNvPr>
-            <p:cNvCxnSpPr/>
-            <p:nvPr/>
-          </p:nvCxnSpPr>
-          <p:spPr>
-            <a:xfrm>
-              <a:off x="2016905" y="838025"/>
-              <a:ext cx="5724000" cy="0"/>
-            </a:xfrm>
-            <a:prstGeom prst="line">
-              <a:avLst/>
-            </a:prstGeom>
-            <a:ln>
-              <a:solidFill>
-                <a:schemeClr val="bg1">
-                  <a:lumMod val="85000"/>
-                </a:schemeClr>
-              </a:solidFill>
-            </a:ln>
-          </p:spPr>
-          <p:style>
-            <a:lnRef idx="1">
-              <a:schemeClr val="accent1"/>
-            </a:lnRef>
-            <a:fillRef idx="0">
-              <a:schemeClr val="accent1"/>
-            </a:fillRef>
-            <a:effectRef idx="0">
-              <a:schemeClr val="accent1"/>
-            </a:effectRef>
-            <a:fontRef idx="minor">
-              <a:schemeClr val="tx1"/>
-            </a:fontRef>
-          </p:style>
-        </p:cxnSp>
-        <p:cxnSp>
-          <p:nvCxnSpPr>
-            <p:cNvPr id="25" name="Straight Connector 24">
-              <a:extLst>
-                <a:ext uri="{FF2B5EF4-FFF2-40B4-BE49-F238E27FC236}">
-                  <a16:creationId xmlns:a16="http://schemas.microsoft.com/office/drawing/2014/main" id="{89D7771A-BA2B-4939-B559-C2423135A956}"/>
-                </a:ext>
-              </a:extLst>
-            </p:cNvPr>
-            <p:cNvCxnSpPr>
-              <a:cxnSpLocks/>
-            </p:cNvCxnSpPr>
-            <p:nvPr/>
-          </p:nvCxnSpPr>
-          <p:spPr>
-            <a:xfrm>
-              <a:off x="5908161" y="838025"/>
-              <a:ext cx="0" cy="892829"/>
-            </a:xfrm>
-            <a:prstGeom prst="line">
-              <a:avLst/>
-            </a:prstGeom>
-            <a:ln>
-              <a:solidFill>
-                <a:schemeClr val="bg1">
-                  <a:lumMod val="85000"/>
-                </a:schemeClr>
-              </a:solidFill>
-            </a:ln>
-          </p:spPr>
-          <p:style>
-            <a:lnRef idx="1">
-              <a:schemeClr val="accent1"/>
-            </a:lnRef>
-            <a:fillRef idx="0">
-              <a:schemeClr val="accent1"/>
-            </a:fillRef>
-            <a:effectRef idx="0">
-              <a:schemeClr val="accent1"/>
-            </a:effectRef>
-            <a:fontRef idx="minor">
-              <a:schemeClr val="tx1"/>
-            </a:fontRef>
-          </p:style>
-        </p:cxnSp>
-        <p:cxnSp>
-          <p:nvCxnSpPr>
-            <p:cNvPr id="26" name="Straight Connector 25">
-              <a:extLst>
-                <a:ext uri="{FF2B5EF4-FFF2-40B4-BE49-F238E27FC236}">
-                  <a16:creationId xmlns:a16="http://schemas.microsoft.com/office/drawing/2014/main" id="{6B31F74F-1DAE-427C-B3CC-41B2B8EADB08}"/>
-                </a:ext>
-              </a:extLst>
-            </p:cNvPr>
-            <p:cNvCxnSpPr>
-              <a:cxnSpLocks/>
-            </p:cNvCxnSpPr>
-            <p:nvPr/>
-          </p:nvCxnSpPr>
-          <p:spPr>
-            <a:xfrm>
-              <a:off x="4107961" y="838025"/>
-              <a:ext cx="0" cy="892829"/>
-            </a:xfrm>
-            <a:prstGeom prst="line">
-              <a:avLst/>
-            </a:prstGeom>
-            <a:ln>
-              <a:solidFill>
-                <a:schemeClr val="bg1">
-                  <a:lumMod val="85000"/>
-                </a:schemeClr>
-              </a:solidFill>
-            </a:ln>
-          </p:spPr>
-          <p:style>
-            <a:lnRef idx="1">
-              <a:schemeClr val="accent1"/>
-            </a:lnRef>
-            <a:fillRef idx="0">
-              <a:schemeClr val="accent1"/>
-            </a:fillRef>
-            <a:effectRef idx="0">
-              <a:schemeClr val="accent1"/>
-            </a:effectRef>
-            <a:fontRef idx="minor">
-              <a:schemeClr val="tx1"/>
-            </a:fontRef>
-          </p:style>
-        </p:cxnSp>
-        <p:sp>
-          <p:nvSpPr>
-            <p:cNvPr id="27" name="TextBox 26">
-              <a:extLst>
-                <a:ext uri="{FF2B5EF4-FFF2-40B4-BE49-F238E27FC236}">
-                  <a16:creationId xmlns:a16="http://schemas.microsoft.com/office/drawing/2014/main" id="{4193EBF3-AF51-43E5-AE1E-AF734435BE57}"/>
-                </a:ext>
-              </a:extLst>
-            </p:cNvPr>
-            <p:cNvSpPr txBox="1"/>
-            <p:nvPr/>
-          </p:nvSpPr>
-          <p:spPr>
-            <a:xfrm>
-              <a:off x="3528393" y="456544"/>
-              <a:ext cx="2160237" cy="369332"/>
-            </a:xfrm>
-            <a:prstGeom prst="rect">
-              <a:avLst/>
-            </a:prstGeom>
-            <a:noFill/>
-            <a:ln>
-              <a:noFill/>
-            </a:ln>
-          </p:spPr>
-          <p:txBody>
-            <a:bodyPr wrap="square" rtlCol="1">
-              <a:spAutoFit/>
-            </a:bodyPr>
-            <a:lstStyle/>
-            <a:p>
-              <a:r>
-                <a:rPr lang="en-US" dirty="0" err="1">
-                  <a:solidFill>
-                    <a:schemeClr val="bg1">
-                      <a:lumMod val="85000"/>
-                    </a:schemeClr>
-                  </a:solidFill>
-                </a:rPr>
-                <a:t>ClusterFs</a:t>
-              </a:r>
-              <a:r>
-                <a:rPr lang="en-US" dirty="0">
-                  <a:solidFill>
-                    <a:schemeClr val="bg1">
-                      <a:lumMod val="85000"/>
-                    </a:schemeClr>
-                  </a:solidFill>
-                </a:rPr>
-                <a:t> net</a:t>
-              </a:r>
-              <a:endParaRPr lang="ar-SA" dirty="0">
-                <a:solidFill>
-                  <a:schemeClr val="bg1">
-                    <a:lumMod val="85000"/>
-                  </a:schemeClr>
-                </a:solidFill>
-              </a:endParaRPr>
-            </a:p>
-          </p:txBody>
-        </p:sp>
-        <p:cxnSp>
-          <p:nvCxnSpPr>
-            <p:cNvPr id="28" name="Straight Connector 27">
-              <a:extLst>
-                <a:ext uri="{FF2B5EF4-FFF2-40B4-BE49-F238E27FC236}">
-                  <a16:creationId xmlns:a16="http://schemas.microsoft.com/office/drawing/2014/main" id="{D5DA1055-8816-45FA-AB63-BB2031602C01}"/>
-                </a:ext>
-              </a:extLst>
-            </p:cNvPr>
-            <p:cNvCxnSpPr>
-              <a:cxnSpLocks/>
-            </p:cNvCxnSpPr>
-            <p:nvPr/>
-          </p:nvCxnSpPr>
-          <p:spPr>
-            <a:xfrm>
-              <a:off x="6901725" y="3649723"/>
-              <a:ext cx="1" cy="360000"/>
-            </a:xfrm>
-            <a:prstGeom prst="line">
-              <a:avLst/>
-            </a:prstGeom>
-          </p:spPr>
-          <p:style>
-            <a:lnRef idx="2">
-              <a:schemeClr val="accent1"/>
-            </a:lnRef>
-            <a:fillRef idx="1">
-              <a:schemeClr val="lt1"/>
-            </a:fillRef>
-            <a:effectRef idx="0">
-              <a:schemeClr val="accent1"/>
-            </a:effectRef>
-            <a:fontRef idx="minor">
-              <a:schemeClr val="dk1"/>
-            </a:fontRef>
-          </p:style>
-        </p:cxnSp>
-        <p:cxnSp>
-          <p:nvCxnSpPr>
-            <p:cNvPr id="29" name="Straight Connector 28">
-              <a:extLst>
-                <a:ext uri="{FF2B5EF4-FFF2-40B4-BE49-F238E27FC236}">
-                  <a16:creationId xmlns:a16="http://schemas.microsoft.com/office/drawing/2014/main" id="{4F7436E8-3DA8-4CEF-8A2E-440809428F93}"/>
-                </a:ext>
-              </a:extLst>
-            </p:cNvPr>
-            <p:cNvCxnSpPr>
-              <a:cxnSpLocks/>
-            </p:cNvCxnSpPr>
-            <p:nvPr/>
-          </p:nvCxnSpPr>
-          <p:spPr>
-            <a:xfrm>
-              <a:off x="5088197" y="3649723"/>
-              <a:ext cx="1" cy="360000"/>
-            </a:xfrm>
-            <a:prstGeom prst="line">
-              <a:avLst/>
-            </a:prstGeom>
-          </p:spPr>
-          <p:style>
-            <a:lnRef idx="2">
-              <a:schemeClr val="accent1"/>
-            </a:lnRef>
-            <a:fillRef idx="1">
-              <a:schemeClr val="lt1"/>
-            </a:fillRef>
-            <a:effectRef idx="0">
-              <a:schemeClr val="accent1"/>
-            </a:effectRef>
-            <a:fontRef idx="minor">
-              <a:schemeClr val="dk1"/>
-            </a:fontRef>
-          </p:style>
-        </p:cxnSp>
-        <p:cxnSp>
-          <p:nvCxnSpPr>
-            <p:cNvPr id="30" name="Straight Connector 29">
-              <a:extLst>
-                <a:ext uri="{FF2B5EF4-FFF2-40B4-BE49-F238E27FC236}">
-                  <a16:creationId xmlns:a16="http://schemas.microsoft.com/office/drawing/2014/main" id="{A6D44913-FED7-426B-928E-FD942FC669FF}"/>
-                </a:ext>
-              </a:extLst>
-            </p:cNvPr>
-            <p:cNvCxnSpPr>
-              <a:cxnSpLocks/>
-            </p:cNvCxnSpPr>
-            <p:nvPr/>
-          </p:nvCxnSpPr>
-          <p:spPr>
-            <a:xfrm>
-              <a:off x="3243866" y="3649723"/>
-              <a:ext cx="1" cy="360000"/>
-            </a:xfrm>
-            <a:prstGeom prst="line">
-              <a:avLst/>
-            </a:prstGeom>
-          </p:spPr>
-          <p:style>
-            <a:lnRef idx="2">
-              <a:schemeClr val="accent1"/>
-            </a:lnRef>
-            <a:fillRef idx="1">
-              <a:schemeClr val="lt1"/>
-            </a:fillRef>
-            <a:effectRef idx="0">
-              <a:schemeClr val="accent1"/>
-            </a:effectRef>
-            <a:fontRef idx="minor">
-              <a:schemeClr val="dk1"/>
-            </a:fontRef>
-          </p:style>
-        </p:cxnSp>
-        <p:cxnSp>
-          <p:nvCxnSpPr>
-            <p:cNvPr id="31" name="Straight Connector 30">
-              <a:extLst>
-                <a:ext uri="{FF2B5EF4-FFF2-40B4-BE49-F238E27FC236}">
-                  <a16:creationId xmlns:a16="http://schemas.microsoft.com/office/drawing/2014/main" id="{FD295725-51CD-42FA-B750-DDAFD2A8DC68}"/>
-                </a:ext>
-              </a:extLst>
-            </p:cNvPr>
-            <p:cNvCxnSpPr/>
-            <p:nvPr/>
-          </p:nvCxnSpPr>
-          <p:spPr>
-            <a:xfrm>
-              <a:off x="2448953" y="4009723"/>
-              <a:ext cx="6516000" cy="0"/>
-            </a:xfrm>
-            <a:prstGeom prst="line">
-              <a:avLst/>
-            </a:prstGeom>
-          </p:spPr>
-          <p:style>
-            <a:lnRef idx="2">
-              <a:schemeClr val="accent1"/>
-            </a:lnRef>
-            <a:fillRef idx="1">
-              <a:schemeClr val="lt1"/>
-            </a:fillRef>
-            <a:effectRef idx="0">
-              <a:schemeClr val="accent1"/>
-            </a:effectRef>
-            <a:fontRef idx="minor">
-              <a:schemeClr val="dk1"/>
-            </a:fontRef>
-          </p:style>
-        </p:cxnSp>
-        <p:sp>
-          <p:nvSpPr>
-            <p:cNvPr id="32" name="Rectangle 31">
-              <a:extLst>
-                <a:ext uri="{FF2B5EF4-FFF2-40B4-BE49-F238E27FC236}">
-                  <a16:creationId xmlns:a16="http://schemas.microsoft.com/office/drawing/2014/main" id="{763C797F-E1D3-40A6-AE70-90F0A70A194E}"/>
-                </a:ext>
-              </a:extLst>
-            </p:cNvPr>
-            <p:cNvSpPr/>
-            <p:nvPr/>
-          </p:nvSpPr>
-          <p:spPr>
-            <a:xfrm>
-              <a:off x="2397107" y="4741345"/>
-              <a:ext cx="846759" cy="432047"/>
-            </a:xfrm>
-            <a:prstGeom prst="rect">
-              <a:avLst/>
-            </a:prstGeom>
-            <a:ln/>
-          </p:spPr>
-          <p:style>
-            <a:lnRef idx="2">
-              <a:schemeClr val="accent1"/>
-            </a:lnRef>
-            <a:fillRef idx="1">
-              <a:schemeClr val="lt1"/>
-            </a:fillRef>
-            <a:effectRef idx="0">
-              <a:schemeClr val="accent1"/>
-            </a:effectRef>
-            <a:fontRef idx="minor">
-              <a:schemeClr val="dk1"/>
-            </a:fontRef>
-          </p:style>
-          <p:txBody>
-            <a:bodyPr rtlCol="1" anchor="ctr"/>
-            <a:lstStyle/>
-            <a:p>
-              <a:pPr algn="ctr"/>
-              <a:r>
-                <a:rPr lang="en-US" dirty="0">
-                  <a:solidFill>
-                    <a:schemeClr val="tx1"/>
-                  </a:solidFill>
-                </a:rPr>
-                <a:t>Joomla</a:t>
-              </a:r>
-              <a:endParaRPr lang="ar-SA" dirty="0">
-                <a:solidFill>
-                  <a:schemeClr val="tx1"/>
-                </a:solidFill>
-              </a:endParaRPr>
-            </a:p>
-          </p:txBody>
-        </p:sp>
-        <p:sp>
-          <p:nvSpPr>
-            <p:cNvPr id="33" name="Rectangle 32">
-              <a:extLst>
-                <a:ext uri="{FF2B5EF4-FFF2-40B4-BE49-F238E27FC236}">
-                  <a16:creationId xmlns:a16="http://schemas.microsoft.com/office/drawing/2014/main" id="{7CB35F2F-DE2A-47B7-9301-96CCADC237FB}"/>
-                </a:ext>
-              </a:extLst>
-            </p:cNvPr>
-            <p:cNvSpPr/>
-            <p:nvPr/>
-          </p:nvSpPr>
-          <p:spPr>
-            <a:xfrm>
-              <a:off x="4296110" y="4769986"/>
-              <a:ext cx="1706470" cy="432047"/>
-            </a:xfrm>
-            <a:prstGeom prst="rect">
-              <a:avLst/>
-            </a:prstGeom>
-            <a:ln/>
-          </p:spPr>
-          <p:style>
-            <a:lnRef idx="2">
-              <a:schemeClr val="accent1"/>
-            </a:lnRef>
-            <a:fillRef idx="1">
-              <a:schemeClr val="lt1"/>
-            </a:fillRef>
-            <a:effectRef idx="0">
-              <a:schemeClr val="accent1"/>
-            </a:effectRef>
-            <a:fontRef idx="minor">
-              <a:schemeClr val="dk1"/>
-            </a:fontRef>
-          </p:style>
-          <p:txBody>
-            <a:bodyPr rtlCol="1" anchor="ctr"/>
-            <a:lstStyle/>
-            <a:p>
-              <a:pPr algn="ctr"/>
-              <a:r>
-                <a:rPr lang="en-US" dirty="0" err="1">
-                  <a:solidFill>
-                    <a:schemeClr val="tx1"/>
-                  </a:solidFill>
-                </a:rPr>
-                <a:t>PHPmyadmin</a:t>
-              </a:r>
-              <a:endParaRPr lang="ar-SA" dirty="0">
-                <a:solidFill>
-                  <a:schemeClr val="tx1"/>
-                </a:solidFill>
-              </a:endParaRPr>
-            </a:p>
-          </p:txBody>
-        </p:sp>
-        <p:sp>
-          <p:nvSpPr>
-            <p:cNvPr id="34" name="Rectangle 33">
-              <a:extLst>
-                <a:ext uri="{FF2B5EF4-FFF2-40B4-BE49-F238E27FC236}">
-                  <a16:creationId xmlns:a16="http://schemas.microsoft.com/office/drawing/2014/main" id="{78847232-C456-4AAC-BF2A-9D42002997BD}"/>
-                </a:ext>
-              </a:extLst>
-            </p:cNvPr>
-            <p:cNvSpPr/>
-            <p:nvPr/>
-          </p:nvSpPr>
-          <p:spPr>
-            <a:xfrm>
-              <a:off x="6240326" y="4741345"/>
-              <a:ext cx="1258338" cy="432047"/>
-            </a:xfrm>
-            <a:prstGeom prst="rect">
-              <a:avLst/>
-            </a:prstGeom>
-            <a:ln/>
-          </p:spPr>
-          <p:style>
-            <a:lnRef idx="2">
-              <a:schemeClr val="accent1"/>
-            </a:lnRef>
-            <a:fillRef idx="1">
-              <a:schemeClr val="lt1"/>
-            </a:fillRef>
-            <a:effectRef idx="0">
-              <a:schemeClr val="accent1"/>
-            </a:effectRef>
-            <a:fontRef idx="minor">
-              <a:schemeClr val="dk1"/>
-            </a:fontRef>
-          </p:style>
-          <p:txBody>
-            <a:bodyPr rtlCol="1" anchor="ctr"/>
-            <a:lstStyle/>
-            <a:p>
-              <a:pPr algn="ctr"/>
-              <a:r>
-                <a:rPr lang="en-US" dirty="0">
-                  <a:solidFill>
-                    <a:schemeClr val="tx1"/>
-                  </a:solidFill>
-                </a:rPr>
-                <a:t>Monitoring</a:t>
-              </a:r>
-              <a:endParaRPr lang="ar-SA" dirty="0">
-                <a:solidFill>
-                  <a:schemeClr val="tx1"/>
-                </a:solidFill>
-              </a:endParaRPr>
-            </a:p>
-          </p:txBody>
-        </p:sp>
-        <p:sp>
-          <p:nvSpPr>
-            <p:cNvPr id="35" name="Rectangle 34">
-              <a:extLst>
-                <a:ext uri="{FF2B5EF4-FFF2-40B4-BE49-F238E27FC236}">
-                  <a16:creationId xmlns:a16="http://schemas.microsoft.com/office/drawing/2014/main" id="{5240D8DB-7F8B-4C97-A770-F9B8FF72D63F}"/>
-                </a:ext>
-              </a:extLst>
-            </p:cNvPr>
-            <p:cNvSpPr/>
-            <p:nvPr/>
-          </p:nvSpPr>
-          <p:spPr>
-            <a:xfrm>
-              <a:off x="7680486" y="4741346"/>
-              <a:ext cx="1250932" cy="432047"/>
-            </a:xfrm>
-            <a:prstGeom prst="rect">
-              <a:avLst/>
-            </a:prstGeom>
-            <a:ln/>
-          </p:spPr>
-          <p:style>
-            <a:lnRef idx="2">
-              <a:schemeClr val="accent1"/>
-            </a:lnRef>
-            <a:fillRef idx="1">
-              <a:schemeClr val="lt1"/>
-            </a:fillRef>
-            <a:effectRef idx="0">
-              <a:schemeClr val="accent1"/>
-            </a:effectRef>
-            <a:fontRef idx="minor">
-              <a:schemeClr val="dk1"/>
-            </a:fontRef>
-          </p:style>
-          <p:txBody>
-            <a:bodyPr rtlCol="1" anchor="ctr"/>
-            <a:lstStyle/>
-            <a:p>
-              <a:pPr algn="ctr"/>
-              <a:r>
-                <a:rPr lang="en-US" dirty="0">
-                  <a:solidFill>
-                    <a:schemeClr val="tx1"/>
-                  </a:solidFill>
-                </a:rPr>
-                <a:t>Grafana</a:t>
-              </a:r>
-              <a:endParaRPr lang="ar-SA" dirty="0">
-                <a:solidFill>
-                  <a:schemeClr val="tx1"/>
-                </a:solidFill>
-              </a:endParaRPr>
-            </a:p>
-          </p:txBody>
-        </p:sp>
-        <p:sp>
-          <p:nvSpPr>
-            <p:cNvPr id="38" name="TextBox 37">
-              <a:extLst>
-                <a:ext uri="{FF2B5EF4-FFF2-40B4-BE49-F238E27FC236}">
-                  <a16:creationId xmlns:a16="http://schemas.microsoft.com/office/drawing/2014/main" id="{9893741C-F2A8-44F4-951C-1E6A934ABB3F}"/>
-                </a:ext>
-              </a:extLst>
-            </p:cNvPr>
-            <p:cNvSpPr txBox="1"/>
-            <p:nvPr/>
-          </p:nvSpPr>
-          <p:spPr>
-            <a:xfrm>
-              <a:off x="3117186" y="5127772"/>
-              <a:ext cx="1250932" cy="369332"/>
-            </a:xfrm>
-            <a:prstGeom prst="rect">
-              <a:avLst/>
-            </a:prstGeom>
-            <a:ln/>
-          </p:spPr>
-          <p:style>
-            <a:lnRef idx="2">
-              <a:schemeClr val="accent1"/>
-            </a:lnRef>
-            <a:fillRef idx="1">
-              <a:schemeClr val="lt1"/>
-            </a:fillRef>
-            <a:effectRef idx="0">
-              <a:schemeClr val="accent1"/>
-            </a:effectRef>
-            <a:fontRef idx="minor">
-              <a:schemeClr val="dk1"/>
-            </a:fontRef>
-          </p:style>
-          <p:txBody>
-            <a:bodyPr wrap="square" rtlCol="1">
-              <a:spAutoFit/>
-            </a:bodyPr>
-            <a:lstStyle/>
-            <a:p>
-              <a:r>
-                <a:rPr lang="en-US" sz="1800" i="0" dirty="0" err="1"/>
-                <a:t>managedb</a:t>
-              </a:r>
-              <a:endParaRPr lang="ar-SA" dirty="0"/>
-            </a:p>
-          </p:txBody>
-        </p:sp>
-        <p:cxnSp>
-          <p:nvCxnSpPr>
-            <p:cNvPr id="39" name="Straight Connector 38">
-              <a:extLst>
-                <a:ext uri="{FF2B5EF4-FFF2-40B4-BE49-F238E27FC236}">
-                  <a16:creationId xmlns:a16="http://schemas.microsoft.com/office/drawing/2014/main" id="{0BA459D9-D1BE-4C2D-BE38-D15C8C547F0A}"/>
-                </a:ext>
-              </a:extLst>
-            </p:cNvPr>
-            <p:cNvCxnSpPr/>
-            <p:nvPr/>
-          </p:nvCxnSpPr>
-          <p:spPr>
-            <a:xfrm>
-              <a:off x="2448273" y="4381305"/>
-              <a:ext cx="6516000" cy="0"/>
-            </a:xfrm>
-            <a:prstGeom prst="line">
-              <a:avLst/>
-            </a:prstGeom>
-            <a:ln/>
-          </p:spPr>
-          <p:style>
-            <a:lnRef idx="2">
-              <a:schemeClr val="accent1"/>
-            </a:lnRef>
-            <a:fillRef idx="1">
-              <a:schemeClr val="lt1"/>
-            </a:fillRef>
-            <a:effectRef idx="0">
-              <a:schemeClr val="accent1"/>
-            </a:effectRef>
-            <a:fontRef idx="minor">
-              <a:schemeClr val="dk1"/>
-            </a:fontRef>
-          </p:style>
-        </p:cxnSp>
-        <p:cxnSp>
-          <p:nvCxnSpPr>
-            <p:cNvPr id="40" name="Straight Connector 39">
-              <a:extLst>
-                <a:ext uri="{FF2B5EF4-FFF2-40B4-BE49-F238E27FC236}">
-                  <a16:creationId xmlns:a16="http://schemas.microsoft.com/office/drawing/2014/main" id="{DAB1DB81-A238-46DE-AF5D-06C2FB94D46E}"/>
-                </a:ext>
-              </a:extLst>
-            </p:cNvPr>
-            <p:cNvCxnSpPr>
-              <a:cxnSpLocks/>
-            </p:cNvCxnSpPr>
-            <p:nvPr/>
-          </p:nvCxnSpPr>
-          <p:spPr>
-            <a:xfrm>
-              <a:off x="2783942" y="4381305"/>
-              <a:ext cx="1" cy="360000"/>
-            </a:xfrm>
-            <a:prstGeom prst="line">
-              <a:avLst/>
-            </a:prstGeom>
-            <a:ln/>
-          </p:spPr>
-          <p:style>
-            <a:lnRef idx="2">
-              <a:schemeClr val="accent1"/>
-            </a:lnRef>
-            <a:fillRef idx="1">
-              <a:schemeClr val="lt1"/>
-            </a:fillRef>
-            <a:effectRef idx="0">
-              <a:schemeClr val="accent1"/>
-            </a:effectRef>
-            <a:fontRef idx="minor">
-              <a:schemeClr val="dk1"/>
-            </a:fontRef>
-          </p:style>
-        </p:cxnSp>
-        <p:cxnSp>
-          <p:nvCxnSpPr>
-            <p:cNvPr id="41" name="Straight Connector 40">
-              <a:extLst>
-                <a:ext uri="{FF2B5EF4-FFF2-40B4-BE49-F238E27FC236}">
-                  <a16:creationId xmlns:a16="http://schemas.microsoft.com/office/drawing/2014/main" id="{872EE167-0079-47B9-B3B6-C4C8E3F7555A}"/>
-                </a:ext>
-              </a:extLst>
-            </p:cNvPr>
-            <p:cNvCxnSpPr>
-              <a:cxnSpLocks/>
-            </p:cNvCxnSpPr>
-            <p:nvPr/>
-          </p:nvCxnSpPr>
-          <p:spPr>
-            <a:xfrm>
-              <a:off x="3720046" y="4381305"/>
-              <a:ext cx="1" cy="360000"/>
-            </a:xfrm>
-            <a:prstGeom prst="line">
-              <a:avLst/>
-            </a:prstGeom>
-            <a:ln/>
-          </p:spPr>
-          <p:style>
-            <a:lnRef idx="2">
-              <a:schemeClr val="accent1"/>
-            </a:lnRef>
-            <a:fillRef idx="1">
-              <a:schemeClr val="lt1"/>
-            </a:fillRef>
-            <a:effectRef idx="0">
-              <a:schemeClr val="accent1"/>
-            </a:effectRef>
-            <a:fontRef idx="minor">
-              <a:schemeClr val="dk1"/>
-            </a:fontRef>
-          </p:style>
-        </p:cxnSp>
-        <p:cxnSp>
-          <p:nvCxnSpPr>
-            <p:cNvPr id="42" name="Straight Connector 41">
-              <a:extLst>
-                <a:ext uri="{FF2B5EF4-FFF2-40B4-BE49-F238E27FC236}">
-                  <a16:creationId xmlns:a16="http://schemas.microsoft.com/office/drawing/2014/main" id="{D81A8E6B-ACEB-4849-A596-6433E08C55D0}"/>
-                </a:ext>
-              </a:extLst>
-            </p:cNvPr>
-            <p:cNvCxnSpPr>
-              <a:cxnSpLocks/>
-            </p:cNvCxnSpPr>
-            <p:nvPr/>
-          </p:nvCxnSpPr>
-          <p:spPr>
-            <a:xfrm>
-              <a:off x="5088197" y="4381305"/>
-              <a:ext cx="1" cy="360000"/>
-            </a:xfrm>
-            <a:prstGeom prst="line">
-              <a:avLst/>
-            </a:prstGeom>
-            <a:ln/>
-          </p:spPr>
-          <p:style>
-            <a:lnRef idx="2">
-              <a:schemeClr val="accent1"/>
-            </a:lnRef>
-            <a:fillRef idx="1">
-              <a:schemeClr val="lt1"/>
-            </a:fillRef>
-            <a:effectRef idx="0">
-              <a:schemeClr val="accent1"/>
-            </a:effectRef>
-            <a:fontRef idx="minor">
-              <a:schemeClr val="dk1"/>
-            </a:fontRef>
-          </p:style>
-        </p:cxnSp>
-        <p:cxnSp>
-          <p:nvCxnSpPr>
-            <p:cNvPr id="43" name="Straight Connector 42">
-              <a:extLst>
-                <a:ext uri="{FF2B5EF4-FFF2-40B4-BE49-F238E27FC236}">
-                  <a16:creationId xmlns:a16="http://schemas.microsoft.com/office/drawing/2014/main" id="{5EE2D3AC-CFA6-4F47-AE75-EF0E991A333D}"/>
-                </a:ext>
-              </a:extLst>
-            </p:cNvPr>
-            <p:cNvCxnSpPr>
-              <a:cxnSpLocks/>
-            </p:cNvCxnSpPr>
-            <p:nvPr/>
-          </p:nvCxnSpPr>
-          <p:spPr>
-            <a:xfrm>
-              <a:off x="6816390" y="4381305"/>
-              <a:ext cx="1" cy="360000"/>
-            </a:xfrm>
-            <a:prstGeom prst="line">
-              <a:avLst/>
-            </a:prstGeom>
-            <a:ln/>
-          </p:spPr>
-          <p:style>
-            <a:lnRef idx="2">
-              <a:schemeClr val="accent1"/>
-            </a:lnRef>
-            <a:fillRef idx="1">
-              <a:schemeClr val="lt1"/>
-            </a:fillRef>
-            <a:effectRef idx="0">
-              <a:schemeClr val="accent1"/>
-            </a:effectRef>
-            <a:fontRef idx="minor">
-              <a:schemeClr val="dk1"/>
-            </a:fontRef>
-          </p:style>
-        </p:cxnSp>
-        <p:cxnSp>
-          <p:nvCxnSpPr>
-            <p:cNvPr id="44" name="Straight Connector 43">
-              <a:extLst>
-                <a:ext uri="{FF2B5EF4-FFF2-40B4-BE49-F238E27FC236}">
-                  <a16:creationId xmlns:a16="http://schemas.microsoft.com/office/drawing/2014/main" id="{4F6712DB-ECB8-4FD0-850A-E1D6BB829127}"/>
-                </a:ext>
-              </a:extLst>
-            </p:cNvPr>
-            <p:cNvCxnSpPr>
-              <a:cxnSpLocks/>
-            </p:cNvCxnSpPr>
-            <p:nvPr/>
-          </p:nvCxnSpPr>
-          <p:spPr>
-            <a:xfrm>
-              <a:off x="8184541" y="4381305"/>
-              <a:ext cx="1" cy="360000"/>
-            </a:xfrm>
-            <a:prstGeom prst="line">
-              <a:avLst/>
-            </a:prstGeom>
-            <a:ln/>
-          </p:spPr>
-          <p:style>
-            <a:lnRef idx="2">
-              <a:schemeClr val="accent1"/>
-            </a:lnRef>
-            <a:fillRef idx="1">
-              <a:schemeClr val="lt1"/>
-            </a:fillRef>
-            <a:effectRef idx="0">
-              <a:schemeClr val="accent1"/>
-            </a:effectRef>
-            <a:fontRef idx="minor">
-              <a:schemeClr val="dk1"/>
-            </a:fontRef>
-          </p:style>
-        </p:cxnSp>
-        <p:sp>
-          <p:nvSpPr>
-            <p:cNvPr id="46" name="TextBox 45">
-              <a:extLst>
-                <a:ext uri="{FF2B5EF4-FFF2-40B4-BE49-F238E27FC236}">
-                  <a16:creationId xmlns:a16="http://schemas.microsoft.com/office/drawing/2014/main" id="{9C3A321A-3DB9-4B76-AEE9-C41634ACDC35}"/>
-                </a:ext>
-              </a:extLst>
-            </p:cNvPr>
-            <p:cNvSpPr txBox="1"/>
-            <p:nvPr/>
-          </p:nvSpPr>
-          <p:spPr>
-            <a:xfrm>
-              <a:off x="3059423" y="4005064"/>
-              <a:ext cx="5445102" cy="369332"/>
-            </a:xfrm>
-            <a:prstGeom prst="rect">
-              <a:avLst/>
-            </a:prstGeom>
-            <a:noFill/>
-            <a:ln>
-              <a:noFill/>
-            </a:ln>
-          </p:spPr>
-          <p:style>
-            <a:lnRef idx="2">
-              <a:schemeClr val="accent1"/>
-            </a:lnRef>
-            <a:fillRef idx="1">
-              <a:schemeClr val="lt1"/>
-            </a:fillRef>
-            <a:effectRef idx="0">
-              <a:schemeClr val="accent1"/>
-            </a:effectRef>
-            <a:fontRef idx="minor">
-              <a:schemeClr val="dk1"/>
-            </a:fontRef>
-          </p:style>
-          <p:txBody>
-            <a:bodyPr wrap="square" rtlCol="1">
-              <a:spAutoFit/>
-            </a:bodyPr>
-            <a:lstStyle/>
-            <a:p>
-              <a:r>
-                <a:rPr lang="en-US" dirty="0"/>
-                <a:t>Docker Swam         internet 192.168.200.0/24</a:t>
-              </a:r>
-              <a:endParaRPr lang="ar-SA" dirty="0"/>
-            </a:p>
-          </p:txBody>
-        </p:sp>
-        <p:cxnSp>
-          <p:nvCxnSpPr>
-            <p:cNvPr id="47" name="Straight Connector 46">
-              <a:extLst>
-                <a:ext uri="{FF2B5EF4-FFF2-40B4-BE49-F238E27FC236}">
-                  <a16:creationId xmlns:a16="http://schemas.microsoft.com/office/drawing/2014/main" id="{F79DB42D-3BC0-482A-84A9-927C6079EACA}"/>
-                </a:ext>
-              </a:extLst>
-            </p:cNvPr>
-            <p:cNvCxnSpPr/>
-            <p:nvPr/>
-          </p:nvCxnSpPr>
-          <p:spPr>
-            <a:xfrm>
-              <a:off x="756216" y="6401456"/>
-              <a:ext cx="6156000" cy="0"/>
-            </a:xfrm>
-            <a:prstGeom prst="line">
-              <a:avLst/>
-            </a:prstGeom>
-            <a:ln>
-              <a:solidFill>
-                <a:schemeClr val="bg1">
-                  <a:lumMod val="75000"/>
-                </a:schemeClr>
-              </a:solidFill>
-            </a:ln>
-          </p:spPr>
-          <p:style>
-            <a:lnRef idx="1">
-              <a:schemeClr val="accent1"/>
-            </a:lnRef>
-            <a:fillRef idx="0">
-              <a:schemeClr val="accent1"/>
-            </a:fillRef>
-            <a:effectRef idx="0">
-              <a:schemeClr val="accent1"/>
-            </a:effectRef>
-            <a:fontRef idx="minor">
-              <a:schemeClr val="tx1"/>
-            </a:fontRef>
-          </p:style>
-        </p:cxnSp>
-        <p:cxnSp>
-          <p:nvCxnSpPr>
-            <p:cNvPr id="48" name="Straight Connector 47">
-              <a:extLst>
-                <a:ext uri="{FF2B5EF4-FFF2-40B4-BE49-F238E27FC236}">
-                  <a16:creationId xmlns:a16="http://schemas.microsoft.com/office/drawing/2014/main" id="{761406B9-2351-41A9-9D6D-D67F8511E2ED}"/>
-                </a:ext>
-              </a:extLst>
-            </p:cNvPr>
-            <p:cNvCxnSpPr>
-              <a:cxnSpLocks/>
-            </p:cNvCxnSpPr>
-            <p:nvPr/>
-          </p:nvCxnSpPr>
-          <p:spPr>
-            <a:xfrm>
-              <a:off x="3240361" y="5641120"/>
-              <a:ext cx="0" cy="720000"/>
-            </a:xfrm>
-            <a:prstGeom prst="line">
-              <a:avLst/>
-            </a:prstGeom>
-            <a:ln>
-              <a:solidFill>
-                <a:schemeClr val="bg1">
-                  <a:lumMod val="75000"/>
-                </a:schemeClr>
-              </a:solidFill>
-            </a:ln>
-          </p:spPr>
-          <p:style>
-            <a:lnRef idx="1">
-              <a:schemeClr val="accent1"/>
-            </a:lnRef>
-            <a:fillRef idx="0">
-              <a:schemeClr val="accent1"/>
-            </a:fillRef>
-            <a:effectRef idx="0">
-              <a:schemeClr val="accent1"/>
-            </a:effectRef>
-            <a:fontRef idx="minor">
-              <a:schemeClr val="tx1"/>
-            </a:fontRef>
-          </p:style>
-        </p:cxnSp>
-        <p:cxnSp>
-          <p:nvCxnSpPr>
-            <p:cNvPr id="53" name="Straight Connector 52">
-              <a:extLst>
-                <a:ext uri="{FF2B5EF4-FFF2-40B4-BE49-F238E27FC236}">
-                  <a16:creationId xmlns:a16="http://schemas.microsoft.com/office/drawing/2014/main" id="{F8D17F65-4DB6-494A-AAD5-9A5EB5653A92}"/>
-                </a:ext>
-              </a:extLst>
-            </p:cNvPr>
-            <p:cNvCxnSpPr/>
-            <p:nvPr/>
-          </p:nvCxnSpPr>
-          <p:spPr>
-            <a:xfrm>
-              <a:off x="2520281" y="5641120"/>
-              <a:ext cx="6372000" cy="0"/>
-            </a:xfrm>
-            <a:prstGeom prst="line">
-              <a:avLst/>
-            </a:prstGeom>
-            <a:ln>
-              <a:solidFill>
-                <a:schemeClr val="bg1">
-                  <a:lumMod val="75000"/>
-                </a:schemeClr>
-              </a:solidFill>
-            </a:ln>
-          </p:spPr>
-          <p:style>
-            <a:lnRef idx="1">
-              <a:schemeClr val="accent1"/>
-            </a:lnRef>
-            <a:fillRef idx="0">
-              <a:schemeClr val="accent1"/>
-            </a:fillRef>
-            <a:effectRef idx="0">
-              <a:schemeClr val="accent1"/>
-            </a:effectRef>
-            <a:fontRef idx="minor">
-              <a:schemeClr val="tx1"/>
-            </a:fontRef>
-          </p:style>
-        </p:cxnSp>
-        <p:sp>
-          <p:nvSpPr>
-            <p:cNvPr id="55" name="TextBox 54">
-              <a:extLst>
-                <a:ext uri="{FF2B5EF4-FFF2-40B4-BE49-F238E27FC236}">
-                  <a16:creationId xmlns:a16="http://schemas.microsoft.com/office/drawing/2014/main" id="{9B63DCE6-16BF-48B5-83D6-B026DB41C9CC}"/>
-                </a:ext>
-              </a:extLst>
-            </p:cNvPr>
-            <p:cNvSpPr txBox="1"/>
-            <p:nvPr/>
-          </p:nvSpPr>
-          <p:spPr>
-            <a:xfrm>
-              <a:off x="1275744" y="5714789"/>
-              <a:ext cx="1841442" cy="646331"/>
-            </a:xfrm>
-            <a:prstGeom prst="rect">
-              <a:avLst/>
-            </a:prstGeom>
-            <a:noFill/>
-          </p:spPr>
-          <p:txBody>
-            <a:bodyPr wrap="square" rtlCol="1">
-              <a:spAutoFit/>
-            </a:bodyPr>
-            <a:lstStyle/>
-            <a:p>
-              <a:pPr algn="r"/>
-              <a:r>
-                <a:rPr lang="en-US" dirty="0">
-                  <a:solidFill>
-                    <a:schemeClr val="bg1">
-                      <a:lumMod val="75000"/>
-                    </a:schemeClr>
-                  </a:solidFill>
-                </a:rPr>
-                <a:t>ens33</a:t>
-              </a:r>
-            </a:p>
-            <a:p>
-              <a:pPr algn="r"/>
-              <a:r>
-                <a:rPr lang="en-US" dirty="0">
-                  <a:solidFill>
-                    <a:schemeClr val="bg1">
-                      <a:lumMod val="75000"/>
-                    </a:schemeClr>
-                  </a:solidFill>
-                </a:rPr>
-                <a:t>192.168.75.11</a:t>
-              </a:r>
-            </a:p>
-          </p:txBody>
-        </p:sp>
-        <p:cxnSp>
-          <p:nvCxnSpPr>
-            <p:cNvPr id="57" name="Straight Connector 56">
-              <a:extLst>
-                <a:ext uri="{FF2B5EF4-FFF2-40B4-BE49-F238E27FC236}">
-                  <a16:creationId xmlns:a16="http://schemas.microsoft.com/office/drawing/2014/main" id="{C4100D31-0C1D-40F0-A5EE-934AAF3F9753}"/>
-                </a:ext>
-              </a:extLst>
-            </p:cNvPr>
-            <p:cNvCxnSpPr>
-              <a:cxnSpLocks/>
-            </p:cNvCxnSpPr>
-            <p:nvPr/>
-          </p:nvCxnSpPr>
-          <p:spPr>
-            <a:xfrm>
-              <a:off x="5136672" y="5641120"/>
-              <a:ext cx="0" cy="720000"/>
-            </a:xfrm>
-            <a:prstGeom prst="line">
-              <a:avLst/>
-            </a:prstGeom>
-            <a:ln>
-              <a:solidFill>
-                <a:schemeClr val="bg1">
-                  <a:lumMod val="75000"/>
-                </a:schemeClr>
-              </a:solidFill>
-            </a:ln>
-          </p:spPr>
-          <p:style>
-            <a:lnRef idx="1">
-              <a:schemeClr val="accent1"/>
-            </a:lnRef>
-            <a:fillRef idx="0">
-              <a:schemeClr val="accent1"/>
-            </a:fillRef>
-            <a:effectRef idx="0">
-              <a:schemeClr val="accent1"/>
-            </a:effectRef>
-            <a:fontRef idx="minor">
-              <a:schemeClr val="tx1"/>
-            </a:fontRef>
-          </p:style>
-        </p:cxnSp>
-        <p:cxnSp>
-          <p:nvCxnSpPr>
-            <p:cNvPr id="58" name="Straight Connector 57">
-              <a:extLst>
-                <a:ext uri="{FF2B5EF4-FFF2-40B4-BE49-F238E27FC236}">
-                  <a16:creationId xmlns:a16="http://schemas.microsoft.com/office/drawing/2014/main" id="{9CA70A74-62CF-462E-97A7-B1244A8E625D}"/>
-                </a:ext>
-              </a:extLst>
-            </p:cNvPr>
-            <p:cNvCxnSpPr>
-              <a:cxnSpLocks/>
-            </p:cNvCxnSpPr>
-            <p:nvPr/>
-          </p:nvCxnSpPr>
-          <p:spPr>
-            <a:xfrm>
-              <a:off x="6917059" y="5641200"/>
-              <a:ext cx="0" cy="756000"/>
-            </a:xfrm>
-            <a:prstGeom prst="line">
-              <a:avLst/>
-            </a:prstGeom>
-            <a:ln>
-              <a:solidFill>
-                <a:schemeClr val="bg1">
-                  <a:lumMod val="75000"/>
-                </a:schemeClr>
-              </a:solidFill>
-            </a:ln>
-          </p:spPr>
-          <p:style>
-            <a:lnRef idx="1">
-              <a:schemeClr val="accent1"/>
-            </a:lnRef>
-            <a:fillRef idx="0">
-              <a:schemeClr val="accent1"/>
-            </a:fillRef>
-            <a:effectRef idx="0">
-              <a:schemeClr val="accent1"/>
-            </a:effectRef>
-            <a:fontRef idx="minor">
-              <a:schemeClr val="tx1"/>
-            </a:fontRef>
-          </p:style>
-        </p:cxnSp>
-        <p:sp>
-          <p:nvSpPr>
-            <p:cNvPr id="60" name="TextBox 59">
-              <a:extLst>
-                <a:ext uri="{FF2B5EF4-FFF2-40B4-BE49-F238E27FC236}">
-                  <a16:creationId xmlns:a16="http://schemas.microsoft.com/office/drawing/2014/main" id="{5EF453A0-8D31-4837-B3C5-6DDCD29C0116}"/>
-                </a:ext>
-              </a:extLst>
-            </p:cNvPr>
-            <p:cNvSpPr txBox="1"/>
-            <p:nvPr/>
-          </p:nvSpPr>
-          <p:spPr>
-            <a:xfrm>
-              <a:off x="3341031" y="5729019"/>
-              <a:ext cx="1664035" cy="646331"/>
-            </a:xfrm>
-            <a:prstGeom prst="rect">
-              <a:avLst/>
-            </a:prstGeom>
-            <a:noFill/>
-          </p:spPr>
-          <p:txBody>
-            <a:bodyPr wrap="square" rtlCol="1">
-              <a:spAutoFit/>
-            </a:bodyPr>
-            <a:lstStyle/>
-            <a:p>
-              <a:pPr algn="r"/>
-              <a:r>
-                <a:rPr lang="en-US" dirty="0">
-                  <a:solidFill>
-                    <a:schemeClr val="bg1">
-                      <a:lumMod val="75000"/>
-                    </a:schemeClr>
-                  </a:solidFill>
-                </a:rPr>
-                <a:t>ens33</a:t>
-              </a:r>
-            </a:p>
-            <a:p>
-              <a:pPr algn="r"/>
-              <a:r>
-                <a:rPr lang="en-US" dirty="0">
-                  <a:solidFill>
-                    <a:schemeClr val="bg1">
-                      <a:lumMod val="75000"/>
-                    </a:schemeClr>
-                  </a:solidFill>
-                </a:rPr>
-                <a:t>192.168.75.12</a:t>
-              </a:r>
-            </a:p>
-          </p:txBody>
-        </p:sp>
-        <p:sp>
-          <p:nvSpPr>
-            <p:cNvPr id="62" name="TextBox 61">
-              <a:extLst>
-                <a:ext uri="{FF2B5EF4-FFF2-40B4-BE49-F238E27FC236}">
-                  <a16:creationId xmlns:a16="http://schemas.microsoft.com/office/drawing/2014/main" id="{279E1E74-DC3F-49E0-ABC6-D5EEEDD4B76F}"/>
-                </a:ext>
-              </a:extLst>
-            </p:cNvPr>
-            <p:cNvSpPr txBox="1"/>
-            <p:nvPr/>
-          </p:nvSpPr>
-          <p:spPr>
-            <a:xfrm>
-              <a:off x="5228911" y="5714789"/>
-              <a:ext cx="1587479" cy="646331"/>
-            </a:xfrm>
-            <a:prstGeom prst="rect">
-              <a:avLst/>
-            </a:prstGeom>
-            <a:noFill/>
-          </p:spPr>
-          <p:txBody>
-            <a:bodyPr wrap="square" rtlCol="1">
-              <a:spAutoFit/>
-            </a:bodyPr>
-            <a:lstStyle/>
-            <a:p>
-              <a:pPr algn="r"/>
-              <a:r>
-                <a:rPr lang="en-US" dirty="0">
-                  <a:solidFill>
-                    <a:schemeClr val="bg1">
-                      <a:lumMod val="75000"/>
-                    </a:schemeClr>
-                  </a:solidFill>
-                </a:rPr>
-                <a:t>ens33</a:t>
-              </a:r>
-            </a:p>
-            <a:p>
-              <a:pPr algn="r"/>
-              <a:r>
-                <a:rPr lang="en-US" dirty="0">
-                  <a:solidFill>
-                    <a:schemeClr val="bg1">
-                      <a:lumMod val="75000"/>
-                    </a:schemeClr>
-                  </a:solidFill>
-                </a:rPr>
-                <a:t>192.168.75.13</a:t>
-              </a:r>
-            </a:p>
-          </p:txBody>
-        </p:sp>
-        <p:cxnSp>
-          <p:nvCxnSpPr>
-            <p:cNvPr id="64" name="Straight Connector 63">
-              <a:extLst>
-                <a:ext uri="{FF2B5EF4-FFF2-40B4-BE49-F238E27FC236}">
-                  <a16:creationId xmlns:a16="http://schemas.microsoft.com/office/drawing/2014/main" id="{ADE84FDC-2BB3-4A95-8BF4-AB9BD7377E1C}"/>
-                </a:ext>
-              </a:extLst>
-            </p:cNvPr>
-            <p:cNvCxnSpPr/>
-            <p:nvPr/>
-          </p:nvCxnSpPr>
-          <p:spPr>
-            <a:xfrm>
-              <a:off x="2016225" y="852816"/>
-              <a:ext cx="0" cy="2304000"/>
-            </a:xfrm>
-            <a:prstGeom prst="line">
-              <a:avLst/>
-            </a:prstGeom>
-            <a:ln>
-              <a:solidFill>
-                <a:schemeClr val="bg1">
-                  <a:lumMod val="85000"/>
-                </a:schemeClr>
-              </a:solidFill>
-            </a:ln>
-          </p:spPr>
-          <p:style>
-            <a:lnRef idx="1">
-              <a:schemeClr val="accent1"/>
-            </a:lnRef>
-            <a:fillRef idx="0">
-              <a:schemeClr val="accent1"/>
-            </a:fillRef>
-            <a:effectRef idx="0">
-              <a:schemeClr val="accent1"/>
-            </a:effectRef>
-            <a:fontRef idx="minor">
-              <a:schemeClr val="tx1"/>
-            </a:fontRef>
-          </p:style>
-        </p:cxnSp>
-        <p:grpSp>
-          <p:nvGrpSpPr>
-            <p:cNvPr id="71" name="Group 70">
-              <a:extLst>
-                <a:ext uri="{FF2B5EF4-FFF2-40B4-BE49-F238E27FC236}">
-                  <a16:creationId xmlns:a16="http://schemas.microsoft.com/office/drawing/2014/main" id="{4115EBFD-3344-4129-AAC7-CC8EE81303E4}"/>
-                </a:ext>
-              </a:extLst>
-            </p:cNvPr>
-            <p:cNvGrpSpPr/>
-            <p:nvPr/>
-          </p:nvGrpSpPr>
-          <p:grpSpPr>
-            <a:xfrm>
-              <a:off x="226581" y="2931870"/>
-              <a:ext cx="1224136" cy="1233907"/>
-              <a:chOff x="3047363" y="2924944"/>
-              <a:chExt cx="1224136" cy="1233907"/>
-            </a:xfrm>
-          </p:grpSpPr>
-          <p:pic>
-            <p:nvPicPr>
-              <p:cNvPr id="72" name="Picture 71" descr="A screenshot of a computer&#10;&#10;Description automatically generated">
-                <a:extLst>
-                  <a:ext uri="{FF2B5EF4-FFF2-40B4-BE49-F238E27FC236}">
-                    <a16:creationId xmlns:a16="http://schemas.microsoft.com/office/drawing/2014/main" id="{E639045B-6297-4FB8-9A9B-B9611A153C6D}"/>
-                  </a:ext>
-                </a:extLst>
-              </p:cNvPr>
-              <p:cNvPicPr>
-                <a:picLocks noChangeAspect="1"/>
-              </p:cNvPicPr>
-              <p:nvPr/>
-            </p:nvPicPr>
-            <p:blipFill>
-              <a:blip r:embed="rId2">
-                <a:extLst>
-                  <a:ext uri="{28A0092B-C50C-407E-A947-70E740481C1C}">
-                    <a14:useLocalDpi xmlns:a14="http://schemas.microsoft.com/office/drawing/2010/main" val="0"/>
-                  </a:ext>
-                </a:extLst>
-              </a:blip>
-              <a:stretch>
-                <a:fillRect/>
-              </a:stretch>
-            </p:blipFill>
-            <p:spPr>
-              <a:xfrm>
-                <a:off x="3131840" y="2924944"/>
-                <a:ext cx="1008112" cy="1008112"/>
-              </a:xfrm>
-              <a:prstGeom prst="rect">
-                <a:avLst/>
-              </a:prstGeom>
-            </p:spPr>
-          </p:pic>
-          <p:sp>
-            <p:nvSpPr>
-              <p:cNvPr id="73" name="TextBox 72">
-                <a:extLst>
-                  <a:ext uri="{FF2B5EF4-FFF2-40B4-BE49-F238E27FC236}">
-                    <a16:creationId xmlns:a16="http://schemas.microsoft.com/office/drawing/2014/main" id="{7DE9A57A-73A7-4B5D-B5E1-00C5291A8DA3}"/>
-                  </a:ext>
-                </a:extLst>
-              </p:cNvPr>
-              <p:cNvSpPr txBox="1"/>
-              <p:nvPr/>
-            </p:nvSpPr>
-            <p:spPr>
-              <a:xfrm>
-                <a:off x="3047363" y="3789519"/>
-                <a:ext cx="1224136" cy="369332"/>
-              </a:xfrm>
-              <a:prstGeom prst="rect">
-                <a:avLst/>
-              </a:prstGeom>
-              <a:noFill/>
-            </p:spPr>
-            <p:txBody>
-              <a:bodyPr wrap="square" rtlCol="1">
-                <a:spAutoFit/>
-              </a:bodyPr>
-              <a:lstStyle/>
-              <a:p>
-                <a:pPr algn="ctr"/>
-                <a:r>
-                  <a:rPr lang="en-US" dirty="0"/>
-                  <a:t>Host</a:t>
-                </a:r>
-                <a:endParaRPr lang="ar-SA" dirty="0"/>
-              </a:p>
-            </p:txBody>
-          </p:sp>
-        </p:grpSp>
-        <p:cxnSp>
-          <p:nvCxnSpPr>
-            <p:cNvPr id="74" name="Straight Connector 73">
-              <a:extLst>
-                <a:ext uri="{FF2B5EF4-FFF2-40B4-BE49-F238E27FC236}">
-                  <a16:creationId xmlns:a16="http://schemas.microsoft.com/office/drawing/2014/main" id="{6669AEBD-08A8-4D92-A41B-D1E8E65993A7}"/>
-                </a:ext>
-              </a:extLst>
-            </p:cNvPr>
-            <p:cNvCxnSpPr/>
-            <p:nvPr/>
-          </p:nvCxnSpPr>
-          <p:spPr>
-            <a:xfrm>
-              <a:off x="809681" y="4107349"/>
-              <a:ext cx="0" cy="2268000"/>
-            </a:xfrm>
-            <a:prstGeom prst="line">
-              <a:avLst/>
-            </a:prstGeom>
-            <a:ln>
-              <a:solidFill>
-                <a:schemeClr val="bg1">
-                  <a:lumMod val="75000"/>
-                </a:schemeClr>
-              </a:solidFill>
-            </a:ln>
-          </p:spPr>
-          <p:style>
-            <a:lnRef idx="1">
-              <a:schemeClr val="accent1"/>
-            </a:lnRef>
-            <a:fillRef idx="0">
-              <a:schemeClr val="accent1"/>
-            </a:fillRef>
-            <a:effectRef idx="0">
-              <a:schemeClr val="accent1"/>
-            </a:effectRef>
-            <a:fontRef idx="minor">
-              <a:schemeClr val="tx1"/>
-            </a:fontRef>
-          </p:style>
-        </p:cxnSp>
-        <p:pic>
-          <p:nvPicPr>
-            <p:cNvPr id="76" name="Picture 75" descr="A close up of a logo&#10;&#10;Description automatically generated">
-              <a:extLst>
-                <a:ext uri="{FF2B5EF4-FFF2-40B4-BE49-F238E27FC236}">
-                  <a16:creationId xmlns:a16="http://schemas.microsoft.com/office/drawing/2014/main" id="{C4B3F848-0C27-48AC-99E2-2904596671EF}"/>
-                </a:ext>
-              </a:extLst>
-            </p:cNvPr>
-            <p:cNvPicPr>
-              <a:picLocks noChangeAspect="1"/>
-            </p:cNvPicPr>
-            <p:nvPr/>
-          </p:nvPicPr>
-          <p:blipFill>
-            <a:blip r:embed="rId3" cstate="print">
-              <a:extLst>
-                <a:ext uri="{BEBA8EAE-BF5A-486C-A8C5-ECC9F3942E4B}">
-                  <a14:imgProps xmlns:a14="http://schemas.microsoft.com/office/drawing/2010/main">
-                    <a14:imgLayer r:embed="rId4">
-                      <a14:imgEffect>
-                        <a14:backgroundRemoval t="9493" b="92308" l="5465" r="92907">
-                          <a14:foregroundMark x1="47907" y1="41735" x2="47907" y2="41735"/>
-                          <a14:foregroundMark x1="58256" y1="9656" x2="58256" y2="9656"/>
-                          <a14:foregroundMark x1="93023" y1="62848" x2="93023" y2="62848"/>
-                          <a14:foregroundMark x1="59884" y1="90507" x2="59884" y2="90507"/>
-                          <a14:foregroundMark x1="58837" y1="92635" x2="58837" y2="92635"/>
-                          <a14:foregroundMark x1="9070" y1="70049" x2="9070" y2="70049"/>
-                          <a14:foregroundMark x1="8488" y1="70867" x2="8488" y2="70867"/>
-                          <a14:foregroundMark x1="5465" y1="73813" x2="5465" y2="73813"/>
-                        </a14:backgroundRemoval>
-                      </a14:imgEffect>
-                    </a14:imgLayer>
-                  </a14:imgProps>
-                </a:ext>
-                <a:ext uri="{28A0092B-C50C-407E-A947-70E740481C1C}">
-                  <a14:useLocalDpi xmlns:a14="http://schemas.microsoft.com/office/drawing/2010/main" val="0"/>
-                </a:ext>
-              </a:extLst>
-            </a:blip>
-            <a:stretch>
-              <a:fillRect/>
-            </a:stretch>
-          </p:blipFill>
-          <p:spPr>
-            <a:xfrm>
-              <a:off x="75587" y="1801491"/>
-              <a:ext cx="1341570" cy="900731"/>
-            </a:xfrm>
-            <a:prstGeom prst="rect">
-              <a:avLst/>
-            </a:prstGeom>
-          </p:spPr>
-        </p:pic>
-        <p:sp>
-          <p:nvSpPr>
-            <p:cNvPr id="77" name="TextBox 76">
-              <a:extLst>
-                <a:ext uri="{FF2B5EF4-FFF2-40B4-BE49-F238E27FC236}">
-                  <a16:creationId xmlns:a16="http://schemas.microsoft.com/office/drawing/2014/main" id="{CD8EA33D-0B32-496F-BAD2-2732F445F48B}"/>
-                </a:ext>
-              </a:extLst>
-            </p:cNvPr>
-            <p:cNvSpPr txBox="1"/>
-            <p:nvPr/>
-          </p:nvSpPr>
-          <p:spPr>
-            <a:xfrm>
-              <a:off x="-180528" y="2021244"/>
-              <a:ext cx="1400296" cy="646331"/>
-            </a:xfrm>
-            <a:prstGeom prst="rect">
-              <a:avLst/>
-            </a:prstGeom>
-            <a:noFill/>
-          </p:spPr>
-          <p:txBody>
-            <a:bodyPr wrap="square" rtlCol="1">
-              <a:spAutoFit/>
-            </a:bodyPr>
-            <a:lstStyle/>
-            <a:p>
-              <a:r>
-                <a:rPr lang="en-US" dirty="0">
-                  <a:solidFill>
-                    <a:schemeClr val="bg1"/>
-                  </a:solidFill>
-                </a:rPr>
-                <a:t>External Internet</a:t>
-              </a:r>
-              <a:endParaRPr lang="ar-SA" dirty="0">
-                <a:solidFill>
-                  <a:schemeClr val="bg1"/>
-                </a:solidFill>
-              </a:endParaRPr>
-            </a:p>
-          </p:txBody>
-        </p:sp>
-        <p:cxnSp>
-          <p:nvCxnSpPr>
-            <p:cNvPr id="82" name="Straight Connector 81">
-              <a:extLst>
-                <a:ext uri="{FF2B5EF4-FFF2-40B4-BE49-F238E27FC236}">
-                  <a16:creationId xmlns:a16="http://schemas.microsoft.com/office/drawing/2014/main" id="{2D792FF4-03E0-4CD1-9ED6-730460594B34}"/>
-                </a:ext>
-              </a:extLst>
-            </p:cNvPr>
-            <p:cNvCxnSpPr/>
-            <p:nvPr/>
-          </p:nvCxnSpPr>
-          <p:spPr>
-            <a:xfrm flipH="1">
-              <a:off x="1259632" y="3166939"/>
-              <a:ext cx="720000" cy="0"/>
-            </a:xfrm>
-            <a:prstGeom prst="line">
-              <a:avLst/>
-            </a:prstGeom>
-            <a:ln>
-              <a:solidFill>
-                <a:schemeClr val="bg1">
-                  <a:lumMod val="75000"/>
-                </a:schemeClr>
-              </a:solidFill>
-            </a:ln>
-          </p:spPr>
-          <p:style>
-            <a:lnRef idx="1">
-              <a:schemeClr val="accent1"/>
-            </a:lnRef>
-            <a:fillRef idx="0">
-              <a:schemeClr val="accent1"/>
-            </a:fillRef>
-            <a:effectRef idx="0">
-              <a:schemeClr val="accent1"/>
-            </a:effectRef>
-            <a:fontRef idx="minor">
-              <a:schemeClr val="tx1"/>
-            </a:fontRef>
-          </p:style>
-        </p:cxnSp>
-        <p:cxnSp>
-          <p:nvCxnSpPr>
-            <p:cNvPr id="89" name="Straight Connector 88">
-              <a:extLst>
-                <a:ext uri="{FF2B5EF4-FFF2-40B4-BE49-F238E27FC236}">
-                  <a16:creationId xmlns:a16="http://schemas.microsoft.com/office/drawing/2014/main" id="{D6952DF4-B21F-406B-9EBB-26871D05E119}"/>
-                </a:ext>
-              </a:extLst>
-            </p:cNvPr>
-            <p:cNvCxnSpPr/>
-            <p:nvPr/>
-          </p:nvCxnSpPr>
-          <p:spPr>
-            <a:xfrm>
-              <a:off x="827584" y="2657040"/>
-              <a:ext cx="0" cy="324000"/>
-            </a:xfrm>
-            <a:prstGeom prst="line">
-              <a:avLst/>
-            </a:prstGeom>
-          </p:spPr>
-          <p:style>
-            <a:lnRef idx="1">
-              <a:schemeClr val="accent1"/>
-            </a:lnRef>
-            <a:fillRef idx="0">
-              <a:schemeClr val="accent1"/>
-            </a:fillRef>
-            <a:effectRef idx="0">
-              <a:schemeClr val="accent1"/>
-            </a:effectRef>
-            <a:fontRef idx="minor">
-              <a:schemeClr val="tx1"/>
-            </a:fontRef>
-          </p:style>
-        </p:cxnSp>
-        <p:sp>
-          <p:nvSpPr>
-            <p:cNvPr id="91" name="TextBox 90">
-              <a:extLst>
-                <a:ext uri="{FF2B5EF4-FFF2-40B4-BE49-F238E27FC236}">
-                  <a16:creationId xmlns:a16="http://schemas.microsoft.com/office/drawing/2014/main" id="{32C6CFF6-36E3-4BAC-BB0B-D04C5A4C5C14}"/>
-                </a:ext>
-              </a:extLst>
-            </p:cNvPr>
-            <p:cNvSpPr txBox="1"/>
-            <p:nvPr/>
-          </p:nvSpPr>
-          <p:spPr>
-            <a:xfrm rot="5400000">
-              <a:off x="138103" y="4703863"/>
-              <a:ext cx="2028774" cy="646331"/>
-            </a:xfrm>
-            <a:prstGeom prst="rect">
-              <a:avLst/>
-            </a:prstGeom>
-            <a:noFill/>
-          </p:spPr>
-          <p:txBody>
-            <a:bodyPr wrap="square" rtlCol="1">
-              <a:spAutoFit/>
-            </a:bodyPr>
-            <a:lstStyle/>
-            <a:p>
-              <a:pPr algn="r"/>
-              <a:r>
-                <a:rPr lang="en-US" dirty="0">
-                  <a:solidFill>
-                    <a:schemeClr val="bg1">
-                      <a:lumMod val="75000"/>
-                    </a:schemeClr>
-                  </a:solidFill>
-                </a:rPr>
-                <a:t>ens33</a:t>
-              </a:r>
-            </a:p>
-            <a:p>
-              <a:pPr algn="r"/>
-              <a:r>
-                <a:rPr lang="en-US" dirty="0">
-                  <a:solidFill>
-                    <a:schemeClr val="bg1">
-                      <a:lumMod val="75000"/>
-                    </a:schemeClr>
-                  </a:solidFill>
-                </a:rPr>
-                <a:t>192.168.75.1/24</a:t>
-              </a:r>
-            </a:p>
-          </p:txBody>
-        </p:sp>
-        <p:sp>
-          <p:nvSpPr>
-            <p:cNvPr id="93" name="TextBox 92">
-              <a:extLst>
-                <a:ext uri="{FF2B5EF4-FFF2-40B4-BE49-F238E27FC236}">
-                  <a16:creationId xmlns:a16="http://schemas.microsoft.com/office/drawing/2014/main" id="{613876D5-8478-476B-81D0-8AAB2FE4C53B}"/>
-                </a:ext>
-              </a:extLst>
-            </p:cNvPr>
-            <p:cNvSpPr txBox="1"/>
-            <p:nvPr/>
-          </p:nvSpPr>
-          <p:spPr>
-            <a:xfrm rot="16200000">
-              <a:off x="693994" y="1590022"/>
-              <a:ext cx="2028774" cy="646331"/>
-            </a:xfrm>
-            <a:prstGeom prst="rect">
-              <a:avLst/>
-            </a:prstGeom>
-            <a:noFill/>
-            <a:ln>
-              <a:noFill/>
-            </a:ln>
-          </p:spPr>
-          <p:txBody>
-            <a:bodyPr wrap="square" rtlCol="1">
-              <a:spAutoFit/>
-            </a:bodyPr>
-            <a:lstStyle/>
-            <a:p>
-              <a:pPr algn="r"/>
-              <a:r>
-                <a:rPr lang="en-US" dirty="0">
-                  <a:solidFill>
-                    <a:schemeClr val="bg1">
-                      <a:lumMod val="85000"/>
-                    </a:schemeClr>
-                  </a:solidFill>
-                </a:rPr>
-                <a:t>ens38</a:t>
-              </a:r>
-            </a:p>
-            <a:p>
-              <a:pPr algn="r"/>
-              <a:r>
-                <a:rPr lang="en-US" dirty="0">
-                  <a:solidFill>
-                    <a:schemeClr val="bg1">
-                      <a:lumMod val="85000"/>
-                    </a:schemeClr>
-                  </a:solidFill>
-                </a:rPr>
-                <a:t>10.0.0.0/24</a:t>
-              </a:r>
-            </a:p>
-          </p:txBody>
-        </p:sp>
-        <p:grpSp>
-          <p:nvGrpSpPr>
-            <p:cNvPr id="70" name="Group 69">
-              <a:extLst>
-                <a:ext uri="{FF2B5EF4-FFF2-40B4-BE49-F238E27FC236}">
-                  <a16:creationId xmlns:a16="http://schemas.microsoft.com/office/drawing/2014/main" id="{4DB0822B-1B64-4395-AAF2-4B6F0EBEACB1}"/>
-                </a:ext>
-              </a:extLst>
-            </p:cNvPr>
-            <p:cNvGrpSpPr/>
-            <p:nvPr/>
-          </p:nvGrpSpPr>
-          <p:grpSpPr>
-            <a:xfrm>
-              <a:off x="3419877" y="4725144"/>
-              <a:ext cx="576059" cy="360000"/>
-              <a:chOff x="1259636" y="3567756"/>
-              <a:chExt cx="1109346" cy="868844"/>
-            </a:xfrm>
-          </p:grpSpPr>
-          <p:sp>
-            <p:nvSpPr>
-              <p:cNvPr id="75" name="Flowchart: Direct Access Storage 74">
-                <a:extLst>
-                  <a:ext uri="{FF2B5EF4-FFF2-40B4-BE49-F238E27FC236}">
-                    <a16:creationId xmlns:a16="http://schemas.microsoft.com/office/drawing/2014/main" id="{5F2E3110-E93A-4E8B-84B5-D0C1D6FF3885}"/>
-                  </a:ext>
-                </a:extLst>
-              </p:cNvPr>
-              <p:cNvSpPr/>
-              <p:nvPr/>
-            </p:nvSpPr>
-            <p:spPr>
-              <a:xfrm rot="16200000">
-                <a:off x="1718936" y="3108456"/>
-                <a:ext cx="177232" cy="1095832"/>
-              </a:xfrm>
-              <a:prstGeom prst="flowChartMagneticDrum">
-                <a:avLst/>
-              </a:prstGeom>
-              <a:ln/>
-            </p:spPr>
-            <p:style>
-              <a:lnRef idx="2">
-                <a:schemeClr val="accent1"/>
-              </a:lnRef>
-              <a:fillRef idx="1">
-                <a:schemeClr val="lt1"/>
-              </a:fillRef>
-              <a:effectRef idx="0">
-                <a:schemeClr val="accent1"/>
-              </a:effectRef>
-              <a:fontRef idx="minor">
-                <a:schemeClr val="dk1"/>
-              </a:fontRef>
-            </p:style>
-            <p:txBody>
-              <a:bodyPr rtlCol="1" anchor="ctr"/>
-              <a:lstStyle/>
-              <a:p>
-                <a:pPr algn="ctr"/>
-                <a:endParaRPr lang="ar-SA"/>
-              </a:p>
-            </p:txBody>
-          </p:sp>
-          <p:sp>
-            <p:nvSpPr>
-              <p:cNvPr id="78" name="Flowchart: Direct Access Storage 77">
-                <a:extLst>
-                  <a:ext uri="{FF2B5EF4-FFF2-40B4-BE49-F238E27FC236}">
-                    <a16:creationId xmlns:a16="http://schemas.microsoft.com/office/drawing/2014/main" id="{D0759D55-1C35-415C-B5AD-C03EEBA82903}"/>
-                  </a:ext>
-                </a:extLst>
-              </p:cNvPr>
-              <p:cNvSpPr/>
-              <p:nvPr/>
-            </p:nvSpPr>
-            <p:spPr>
-              <a:xfrm rot="16200000">
-                <a:off x="1731816" y="3461424"/>
-                <a:ext cx="177226" cy="1095836"/>
-              </a:xfrm>
-              <a:prstGeom prst="flowChartMagneticDrum">
-                <a:avLst/>
-              </a:prstGeom>
-              <a:ln/>
-            </p:spPr>
-            <p:style>
-              <a:lnRef idx="2">
-                <a:schemeClr val="accent1"/>
-              </a:lnRef>
-              <a:fillRef idx="1">
-                <a:schemeClr val="lt1"/>
-              </a:fillRef>
-              <a:effectRef idx="0">
-                <a:schemeClr val="accent1"/>
-              </a:effectRef>
-              <a:fontRef idx="minor">
-                <a:schemeClr val="dk1"/>
-              </a:fontRef>
-            </p:style>
-            <p:txBody>
-              <a:bodyPr rtlCol="1" anchor="ctr"/>
-              <a:lstStyle/>
-              <a:p>
-                <a:pPr algn="ctr"/>
-                <a:endParaRPr lang="ar-SA" dirty="0"/>
-              </a:p>
-            </p:txBody>
-          </p:sp>
-          <p:sp>
-            <p:nvSpPr>
-              <p:cNvPr id="79" name="Flowchart: Direct Access Storage 78">
-                <a:extLst>
-                  <a:ext uri="{FF2B5EF4-FFF2-40B4-BE49-F238E27FC236}">
-                    <a16:creationId xmlns:a16="http://schemas.microsoft.com/office/drawing/2014/main" id="{2ED74F2F-F78A-4EEA-B6F0-E213239528A3}"/>
-                  </a:ext>
-                </a:extLst>
-              </p:cNvPr>
-              <p:cNvSpPr/>
-              <p:nvPr/>
-            </p:nvSpPr>
-            <p:spPr>
-              <a:xfrm rot="16200000">
-                <a:off x="1732451" y="3800068"/>
-                <a:ext cx="177228" cy="1095835"/>
-              </a:xfrm>
-              <a:prstGeom prst="flowChartMagneticDrum">
-                <a:avLst/>
-              </a:prstGeom>
-              <a:ln/>
-            </p:spPr>
-            <p:style>
-              <a:lnRef idx="2">
-                <a:schemeClr val="accent1"/>
-              </a:lnRef>
-              <a:fillRef idx="1">
-                <a:schemeClr val="lt1"/>
-              </a:fillRef>
-              <a:effectRef idx="0">
-                <a:schemeClr val="accent1"/>
-              </a:effectRef>
-              <a:fontRef idx="minor">
-                <a:schemeClr val="dk1"/>
-              </a:fontRef>
-            </p:style>
-            <p:txBody>
-              <a:bodyPr rtlCol="1" anchor="ctr"/>
-              <a:lstStyle/>
-              <a:p>
-                <a:pPr algn="ctr"/>
-                <a:endParaRPr lang="ar-SA"/>
-              </a:p>
-            </p:txBody>
-          </p:sp>
-        </p:grpSp>
-      </p:grpSp>
-    </p:spTree>
-    <p:extLst>
-      <p:ext uri="{BB962C8B-B14F-4D97-AF65-F5344CB8AC3E}">
-        <p14:creationId xmlns:p14="http://schemas.microsoft.com/office/powerpoint/2010/main" val="908279321"/>
-      </p:ext>
-    </p:extLst>
-  </p:cSld>
-  <p:clrMapOvr>
-    <a:masterClrMapping/>
-  </p:clrMapOvr>
-</p:sld>
-</file>
-
-<file path=ppt/slides/slide26.xml><?xml version="1.0" encoding="utf-8"?>
 <p:sld xmlns:a="http://schemas.openxmlformats.org/drawingml/2006/main" xmlns:r="http://schemas.openxmlformats.org/officeDocument/2006/relationships" xmlns:p="http://schemas.openxmlformats.org/presentationml/2006/main">
   <p:cSld>
     <p:spTree>
@@ -26644,7 +23285,3075 @@
 </p:sld>
 </file>
 
-<file path=ppt/slides/slide27.xml><?xml version="1.0" encoding="utf-8"?>
+<file path=ppt/slides/slide25.xml><?xml version="1.0" encoding="utf-8"?>
+<p:sld xmlns:a="http://schemas.openxmlformats.org/drawingml/2006/main" xmlns:r="http://schemas.openxmlformats.org/officeDocument/2006/relationships" xmlns:p="http://schemas.openxmlformats.org/presentationml/2006/main">
+  <p:cSld>
+    <p:spTree>
+      <p:nvGrpSpPr>
+        <p:cNvPr id="1" name=""/>
+        <p:cNvGrpSpPr/>
+        <p:nvPr/>
+      </p:nvGrpSpPr>
+      <p:grpSpPr>
+        <a:xfrm>
+          <a:off x="0" y="0"/>
+          <a:ext cx="0" cy="0"/>
+          <a:chOff x="0" y="0"/>
+          <a:chExt cx="0" cy="0"/>
+        </a:xfrm>
+      </p:grpSpPr>
+      <p:grpSp>
+        <p:nvGrpSpPr>
+          <p:cNvPr id="36" name="Group 35">
+            <a:extLst>
+              <a:ext uri="{FF2B5EF4-FFF2-40B4-BE49-F238E27FC236}">
+                <a16:creationId xmlns:a16="http://schemas.microsoft.com/office/drawing/2014/main" id="{0BFBE852-63FA-4A5D-B09E-DA767F23E8BA}"/>
+              </a:ext>
+            </a:extLst>
+          </p:cNvPr>
+          <p:cNvGrpSpPr/>
+          <p:nvPr/>
+        </p:nvGrpSpPr>
+        <p:grpSpPr>
+          <a:xfrm>
+            <a:off x="-180528" y="456544"/>
+            <a:ext cx="9145481" cy="5944912"/>
+            <a:chOff x="-180528" y="456544"/>
+            <a:chExt cx="9145481" cy="5944912"/>
+          </a:xfrm>
+        </p:grpSpPr>
+        <p:sp>
+          <p:nvSpPr>
+            <p:cNvPr id="2" name="Flowchart: Magnetic Disk 1">
+              <a:extLst>
+                <a:ext uri="{FF2B5EF4-FFF2-40B4-BE49-F238E27FC236}">
+                  <a16:creationId xmlns:a16="http://schemas.microsoft.com/office/drawing/2014/main" id="{A12444DE-535B-4F0A-8DF8-D5430EAA09D5}"/>
+                </a:ext>
+              </a:extLst>
+            </p:cNvPr>
+            <p:cNvSpPr/>
+            <p:nvPr/>
+          </p:nvSpPr>
+          <p:spPr>
+            <a:xfrm>
+              <a:off x="7403555" y="2734891"/>
+              <a:ext cx="664847" cy="432048"/>
+            </a:xfrm>
+            <a:prstGeom prst="flowChartMagneticDisk">
+              <a:avLst/>
+            </a:prstGeom>
+            <a:noFill/>
+            <a:ln>
+              <a:solidFill>
+                <a:schemeClr val="bg1">
+                  <a:lumMod val="85000"/>
+                </a:schemeClr>
+              </a:solidFill>
+            </a:ln>
+          </p:spPr>
+          <p:style>
+            <a:lnRef idx="2">
+              <a:schemeClr val="accent1">
+                <a:shade val="50000"/>
+              </a:schemeClr>
+            </a:lnRef>
+            <a:fillRef idx="1">
+              <a:schemeClr val="accent1"/>
+            </a:fillRef>
+            <a:effectRef idx="0">
+              <a:schemeClr val="accent1"/>
+            </a:effectRef>
+            <a:fontRef idx="minor">
+              <a:schemeClr val="lt1"/>
+            </a:fontRef>
+          </p:style>
+          <p:txBody>
+            <a:bodyPr rtlCol="1" anchor="ctr"/>
+            <a:lstStyle/>
+            <a:p>
+              <a:pPr algn="ctr"/>
+              <a:r>
+                <a:rPr lang="en-US" dirty="0">
+                  <a:solidFill>
+                    <a:schemeClr val="bg1">
+                      <a:lumMod val="85000"/>
+                    </a:schemeClr>
+                  </a:solidFill>
+                </a:rPr>
+                <a:t>/gfs</a:t>
+              </a:r>
+              <a:endParaRPr lang="ar-SA" dirty="0">
+                <a:solidFill>
+                  <a:schemeClr val="bg1">
+                    <a:lumMod val="85000"/>
+                  </a:schemeClr>
+                </a:solidFill>
+              </a:endParaRPr>
+            </a:p>
+          </p:txBody>
+        </p:sp>
+        <p:sp>
+          <p:nvSpPr>
+            <p:cNvPr id="3" name="Flowchart: Magnetic Disk 2">
+              <a:extLst>
+                <a:ext uri="{FF2B5EF4-FFF2-40B4-BE49-F238E27FC236}">
+                  <a16:creationId xmlns:a16="http://schemas.microsoft.com/office/drawing/2014/main" id="{B50D735A-81E1-4293-A41F-5A948BABC1E5}"/>
+                </a:ext>
+              </a:extLst>
+            </p:cNvPr>
+            <p:cNvSpPr/>
+            <p:nvPr/>
+          </p:nvSpPr>
+          <p:spPr>
+            <a:xfrm>
+              <a:off x="3778216" y="2726122"/>
+              <a:ext cx="664847" cy="432048"/>
+            </a:xfrm>
+            <a:prstGeom prst="flowChartMagneticDisk">
+              <a:avLst/>
+            </a:prstGeom>
+            <a:noFill/>
+            <a:ln>
+              <a:solidFill>
+                <a:schemeClr val="bg1">
+                  <a:lumMod val="85000"/>
+                </a:schemeClr>
+              </a:solidFill>
+            </a:ln>
+          </p:spPr>
+          <p:style>
+            <a:lnRef idx="2">
+              <a:schemeClr val="accent1">
+                <a:shade val="50000"/>
+              </a:schemeClr>
+            </a:lnRef>
+            <a:fillRef idx="1">
+              <a:schemeClr val="accent1"/>
+            </a:fillRef>
+            <a:effectRef idx="0">
+              <a:schemeClr val="accent1"/>
+            </a:effectRef>
+            <a:fontRef idx="minor">
+              <a:schemeClr val="lt1"/>
+            </a:fontRef>
+          </p:style>
+          <p:txBody>
+            <a:bodyPr rtlCol="1" anchor="ctr"/>
+            <a:lstStyle/>
+            <a:p>
+              <a:pPr algn="ctr"/>
+              <a:r>
+                <a:rPr lang="en-US" dirty="0">
+                  <a:solidFill>
+                    <a:schemeClr val="bg1">
+                      <a:lumMod val="85000"/>
+                    </a:schemeClr>
+                  </a:solidFill>
+                </a:rPr>
+                <a:t>/gfs</a:t>
+              </a:r>
+              <a:endParaRPr lang="ar-SA" dirty="0">
+                <a:solidFill>
+                  <a:schemeClr val="bg1">
+                    <a:lumMod val="85000"/>
+                  </a:schemeClr>
+                </a:solidFill>
+              </a:endParaRPr>
+            </a:p>
+          </p:txBody>
+        </p:sp>
+        <p:sp>
+          <p:nvSpPr>
+            <p:cNvPr id="4" name="Flowchart: Magnetic Disk 3">
+              <a:extLst>
+                <a:ext uri="{FF2B5EF4-FFF2-40B4-BE49-F238E27FC236}">
+                  <a16:creationId xmlns:a16="http://schemas.microsoft.com/office/drawing/2014/main" id="{EB5D2B85-B11A-4DA4-B4B1-060C9C09B190}"/>
+                </a:ext>
+              </a:extLst>
+            </p:cNvPr>
+            <p:cNvSpPr/>
+            <p:nvPr/>
+          </p:nvSpPr>
+          <p:spPr>
+            <a:xfrm>
+              <a:off x="5620130" y="2734891"/>
+              <a:ext cx="664847" cy="432048"/>
+            </a:xfrm>
+            <a:prstGeom prst="flowChartMagneticDisk">
+              <a:avLst/>
+            </a:prstGeom>
+            <a:noFill/>
+            <a:ln>
+              <a:solidFill>
+                <a:schemeClr val="bg1">
+                  <a:lumMod val="85000"/>
+                </a:schemeClr>
+              </a:solidFill>
+            </a:ln>
+          </p:spPr>
+          <p:style>
+            <a:lnRef idx="2">
+              <a:schemeClr val="accent1">
+                <a:shade val="50000"/>
+              </a:schemeClr>
+            </a:lnRef>
+            <a:fillRef idx="1">
+              <a:schemeClr val="accent1"/>
+            </a:fillRef>
+            <a:effectRef idx="0">
+              <a:schemeClr val="accent1"/>
+            </a:effectRef>
+            <a:fontRef idx="minor">
+              <a:schemeClr val="lt1"/>
+            </a:fontRef>
+          </p:style>
+          <p:txBody>
+            <a:bodyPr rtlCol="1" anchor="ctr"/>
+            <a:lstStyle/>
+            <a:p>
+              <a:pPr algn="ctr"/>
+              <a:r>
+                <a:rPr lang="en-US" dirty="0">
+                  <a:solidFill>
+                    <a:schemeClr val="bg1">
+                      <a:lumMod val="85000"/>
+                    </a:schemeClr>
+                  </a:solidFill>
+                </a:rPr>
+                <a:t>/gfs</a:t>
+              </a:r>
+              <a:endParaRPr lang="ar-SA" dirty="0">
+                <a:solidFill>
+                  <a:schemeClr val="bg1">
+                    <a:lumMod val="85000"/>
+                  </a:schemeClr>
+                </a:solidFill>
+              </a:endParaRPr>
+            </a:p>
+          </p:txBody>
+        </p:sp>
+        <p:grpSp>
+          <p:nvGrpSpPr>
+            <p:cNvPr id="5" name="Group 4">
+              <a:extLst>
+                <a:ext uri="{FF2B5EF4-FFF2-40B4-BE49-F238E27FC236}">
+                  <a16:creationId xmlns:a16="http://schemas.microsoft.com/office/drawing/2014/main" id="{647C9E64-9CD5-4E04-B7FE-43F074CABDA4}"/>
+                </a:ext>
+              </a:extLst>
+            </p:cNvPr>
+            <p:cNvGrpSpPr/>
+            <p:nvPr/>
+          </p:nvGrpSpPr>
+          <p:grpSpPr>
+            <a:xfrm>
+              <a:off x="2655333" y="2162982"/>
+              <a:ext cx="1224136" cy="1510906"/>
+              <a:chOff x="3047363" y="2924944"/>
+              <a:chExt cx="1224136" cy="1510906"/>
+            </a:xfrm>
+          </p:grpSpPr>
+          <p:pic>
+            <p:nvPicPr>
+              <p:cNvPr id="6" name="Picture 5" descr="A screenshot of a computer&#10;&#10;Description automatically generated">
+                <a:extLst>
+                  <a:ext uri="{FF2B5EF4-FFF2-40B4-BE49-F238E27FC236}">
+                    <a16:creationId xmlns:a16="http://schemas.microsoft.com/office/drawing/2014/main" id="{1B23DB5E-A56E-41F9-89CC-0BD6132F487D}"/>
+                  </a:ext>
+                </a:extLst>
+              </p:cNvPr>
+              <p:cNvPicPr>
+                <a:picLocks noChangeAspect="1"/>
+              </p:cNvPicPr>
+              <p:nvPr/>
+            </p:nvPicPr>
+            <p:blipFill>
+              <a:blip r:embed="rId2">
+                <a:extLst>
+                  <a:ext uri="{28A0092B-C50C-407E-A947-70E740481C1C}">
+                    <a14:useLocalDpi xmlns:a14="http://schemas.microsoft.com/office/drawing/2010/main" val="0"/>
+                  </a:ext>
+                </a:extLst>
+              </a:blip>
+              <a:stretch>
+                <a:fillRect/>
+              </a:stretch>
+            </p:blipFill>
+            <p:spPr>
+              <a:xfrm>
+                <a:off x="3131840" y="2924944"/>
+                <a:ext cx="1008112" cy="1008112"/>
+              </a:xfrm>
+              <a:prstGeom prst="rect">
+                <a:avLst/>
+              </a:prstGeom>
+            </p:spPr>
+          </p:pic>
+          <p:sp>
+            <p:nvSpPr>
+              <p:cNvPr id="7" name="TextBox 6">
+                <a:extLst>
+                  <a:ext uri="{FF2B5EF4-FFF2-40B4-BE49-F238E27FC236}">
+                    <a16:creationId xmlns:a16="http://schemas.microsoft.com/office/drawing/2014/main" id="{9F53AA33-DF13-4313-BCC6-05E399563D1D}"/>
+                  </a:ext>
+                </a:extLst>
+              </p:cNvPr>
+              <p:cNvSpPr txBox="1"/>
+              <p:nvPr/>
+            </p:nvSpPr>
+            <p:spPr>
+              <a:xfrm>
+                <a:off x="3047363" y="3789519"/>
+                <a:ext cx="1224136" cy="646331"/>
+              </a:xfrm>
+              <a:prstGeom prst="rect">
+                <a:avLst/>
+              </a:prstGeom>
+              <a:noFill/>
+            </p:spPr>
+            <p:txBody>
+              <a:bodyPr wrap="square" rtlCol="1">
+                <a:spAutoFit/>
+              </a:bodyPr>
+              <a:lstStyle/>
+              <a:p>
+                <a:pPr algn="ctr"/>
+                <a:r>
+                  <a:rPr lang="en-US" dirty="0"/>
+                  <a:t>VM1</a:t>
+                </a:r>
+              </a:p>
+              <a:p>
+                <a:pPr algn="ctr"/>
+                <a:r>
+                  <a:rPr lang="en-US" dirty="0">
+                    <a:solidFill>
+                      <a:schemeClr val="bg1">
+                        <a:lumMod val="85000"/>
+                      </a:schemeClr>
+                    </a:solidFill>
+                  </a:rPr>
+                  <a:t>Manger</a:t>
+                </a:r>
+                <a:endParaRPr lang="ar-SA" dirty="0">
+                  <a:solidFill>
+                    <a:schemeClr val="bg1">
+                      <a:lumMod val="85000"/>
+                    </a:schemeClr>
+                  </a:solidFill>
+                </a:endParaRPr>
+              </a:p>
+            </p:txBody>
+          </p:sp>
+        </p:grpSp>
+        <p:grpSp>
+          <p:nvGrpSpPr>
+            <p:cNvPr id="8" name="Group 7">
+              <a:extLst>
+                <a:ext uri="{FF2B5EF4-FFF2-40B4-BE49-F238E27FC236}">
+                  <a16:creationId xmlns:a16="http://schemas.microsoft.com/office/drawing/2014/main" id="{4D3F10B1-B2D3-407F-9A57-6DC5AF34083F}"/>
+                </a:ext>
+              </a:extLst>
+            </p:cNvPr>
+            <p:cNvGrpSpPr/>
+            <p:nvPr/>
+          </p:nvGrpSpPr>
+          <p:grpSpPr>
+            <a:xfrm>
+              <a:off x="4431998" y="2162982"/>
+              <a:ext cx="1224136" cy="1513494"/>
+              <a:chOff x="4824028" y="2924944"/>
+              <a:chExt cx="1224136" cy="1513494"/>
+            </a:xfrm>
+          </p:grpSpPr>
+          <p:pic>
+            <p:nvPicPr>
+              <p:cNvPr id="9" name="Picture 8" descr="A screenshot of a computer&#10;&#10;Description automatically generated">
+                <a:extLst>
+                  <a:ext uri="{FF2B5EF4-FFF2-40B4-BE49-F238E27FC236}">
+                    <a16:creationId xmlns:a16="http://schemas.microsoft.com/office/drawing/2014/main" id="{8123B1D8-1CF9-4F87-9DC0-DBA844E8496B}"/>
+                  </a:ext>
+                </a:extLst>
+              </p:cNvPr>
+              <p:cNvPicPr>
+                <a:picLocks noChangeAspect="1"/>
+              </p:cNvPicPr>
+              <p:nvPr/>
+            </p:nvPicPr>
+            <p:blipFill>
+              <a:blip r:embed="rId2">
+                <a:extLst>
+                  <a:ext uri="{28A0092B-C50C-407E-A947-70E740481C1C}">
+                    <a14:useLocalDpi xmlns:a14="http://schemas.microsoft.com/office/drawing/2010/main" val="0"/>
+                  </a:ext>
+                </a:extLst>
+              </a:blip>
+              <a:stretch>
+                <a:fillRect/>
+              </a:stretch>
+            </p:blipFill>
+            <p:spPr>
+              <a:xfrm>
+                <a:off x="4932040" y="2924944"/>
+                <a:ext cx="1008112" cy="1008112"/>
+              </a:xfrm>
+              <a:prstGeom prst="rect">
+                <a:avLst/>
+              </a:prstGeom>
+            </p:spPr>
+          </p:pic>
+          <p:sp>
+            <p:nvSpPr>
+              <p:cNvPr id="10" name="TextBox 9">
+                <a:extLst>
+                  <a:ext uri="{FF2B5EF4-FFF2-40B4-BE49-F238E27FC236}">
+                    <a16:creationId xmlns:a16="http://schemas.microsoft.com/office/drawing/2014/main" id="{A858D316-3482-48ED-B3A6-3BF536D1922A}"/>
+                  </a:ext>
+                </a:extLst>
+              </p:cNvPr>
+              <p:cNvSpPr txBox="1"/>
+              <p:nvPr/>
+            </p:nvSpPr>
+            <p:spPr>
+              <a:xfrm>
+                <a:off x="4824028" y="3792107"/>
+                <a:ext cx="1224136" cy="646331"/>
+              </a:xfrm>
+              <a:prstGeom prst="rect">
+                <a:avLst/>
+              </a:prstGeom>
+              <a:noFill/>
+            </p:spPr>
+            <p:txBody>
+              <a:bodyPr wrap="square" rtlCol="1">
+                <a:spAutoFit/>
+              </a:bodyPr>
+              <a:lstStyle/>
+              <a:p>
+                <a:pPr algn="ctr"/>
+                <a:r>
+                  <a:rPr lang="en-US" dirty="0"/>
+                  <a:t>VM2</a:t>
+                </a:r>
+                <a:endParaRPr lang="ar-SA" dirty="0"/>
+              </a:p>
+              <a:p>
+                <a:pPr algn="ctr"/>
+                <a:r>
+                  <a:rPr lang="en-US" dirty="0">
+                    <a:solidFill>
+                      <a:schemeClr val="bg1">
+                        <a:lumMod val="85000"/>
+                      </a:schemeClr>
+                    </a:solidFill>
+                  </a:rPr>
+                  <a:t>Worker</a:t>
+                </a:r>
+                <a:endParaRPr lang="ar-SA" dirty="0">
+                  <a:solidFill>
+                    <a:schemeClr val="bg1">
+                      <a:lumMod val="85000"/>
+                    </a:schemeClr>
+                  </a:solidFill>
+                </a:endParaRPr>
+              </a:p>
+            </p:txBody>
+          </p:sp>
+        </p:grpSp>
+        <p:grpSp>
+          <p:nvGrpSpPr>
+            <p:cNvPr id="11" name="Group 10">
+              <a:extLst>
+                <a:ext uri="{FF2B5EF4-FFF2-40B4-BE49-F238E27FC236}">
+                  <a16:creationId xmlns:a16="http://schemas.microsoft.com/office/drawing/2014/main" id="{AEC41298-70CE-4CA2-9B6B-A25175F065B7}"/>
+                </a:ext>
+              </a:extLst>
+            </p:cNvPr>
+            <p:cNvGrpSpPr/>
+            <p:nvPr/>
+          </p:nvGrpSpPr>
+          <p:grpSpPr>
+            <a:xfrm>
+              <a:off x="6289657" y="2162982"/>
+              <a:ext cx="1224136" cy="1513494"/>
+              <a:chOff x="6681687" y="2924944"/>
+              <a:chExt cx="1224136" cy="1513494"/>
+            </a:xfrm>
+          </p:grpSpPr>
+          <p:pic>
+            <p:nvPicPr>
+              <p:cNvPr id="12" name="Picture 11" descr="A screenshot of a computer&#10;&#10;Description automatically generated">
+                <a:extLst>
+                  <a:ext uri="{FF2B5EF4-FFF2-40B4-BE49-F238E27FC236}">
+                    <a16:creationId xmlns:a16="http://schemas.microsoft.com/office/drawing/2014/main" id="{4FF17B1E-DEC1-49BD-B895-A73D39615FB9}"/>
+                  </a:ext>
+                </a:extLst>
+              </p:cNvPr>
+              <p:cNvPicPr>
+                <a:picLocks noChangeAspect="1"/>
+              </p:cNvPicPr>
+              <p:nvPr/>
+            </p:nvPicPr>
+            <p:blipFill>
+              <a:blip r:embed="rId2">
+                <a:extLst>
+                  <a:ext uri="{28A0092B-C50C-407E-A947-70E740481C1C}">
+                    <a14:useLocalDpi xmlns:a14="http://schemas.microsoft.com/office/drawing/2010/main" val="0"/>
+                  </a:ext>
+                </a:extLst>
+              </a:blip>
+              <a:stretch>
+                <a:fillRect/>
+              </a:stretch>
+            </p:blipFill>
+            <p:spPr>
+              <a:xfrm>
+                <a:off x="6732240" y="2924944"/>
+                <a:ext cx="1008112" cy="1008112"/>
+              </a:xfrm>
+              <a:prstGeom prst="rect">
+                <a:avLst/>
+              </a:prstGeom>
+              <a:ln>
+                <a:noFill/>
+              </a:ln>
+            </p:spPr>
+          </p:pic>
+          <p:sp>
+            <p:nvSpPr>
+              <p:cNvPr id="13" name="TextBox 12">
+                <a:extLst>
+                  <a:ext uri="{FF2B5EF4-FFF2-40B4-BE49-F238E27FC236}">
+                    <a16:creationId xmlns:a16="http://schemas.microsoft.com/office/drawing/2014/main" id="{8D4C1E7E-B2D3-4E0A-9AD0-638E97FC9BD9}"/>
+                  </a:ext>
+                </a:extLst>
+              </p:cNvPr>
+              <p:cNvSpPr txBox="1"/>
+              <p:nvPr/>
+            </p:nvSpPr>
+            <p:spPr>
+              <a:xfrm>
+                <a:off x="6681687" y="3792107"/>
+                <a:ext cx="1224136" cy="646331"/>
+              </a:xfrm>
+              <a:prstGeom prst="rect">
+                <a:avLst/>
+              </a:prstGeom>
+              <a:noFill/>
+              <a:ln>
+                <a:noFill/>
+              </a:ln>
+            </p:spPr>
+            <p:txBody>
+              <a:bodyPr wrap="square" rtlCol="1">
+                <a:spAutoFit/>
+              </a:bodyPr>
+              <a:lstStyle/>
+              <a:p>
+                <a:pPr algn="ctr"/>
+                <a:r>
+                  <a:rPr lang="en-US" dirty="0"/>
+                  <a:t>VM3</a:t>
+                </a:r>
+              </a:p>
+              <a:p>
+                <a:pPr algn="ctr"/>
+                <a:r>
+                  <a:rPr lang="en-US" dirty="0">
+                    <a:solidFill>
+                      <a:schemeClr val="bg1">
+                        <a:lumMod val="85000"/>
+                      </a:schemeClr>
+                    </a:solidFill>
+                  </a:rPr>
+                  <a:t>Worker</a:t>
+                </a:r>
+                <a:endParaRPr lang="ar-SA" dirty="0">
+                  <a:solidFill>
+                    <a:schemeClr val="bg1">
+                      <a:lumMod val="85000"/>
+                    </a:schemeClr>
+                  </a:solidFill>
+                </a:endParaRPr>
+              </a:p>
+            </p:txBody>
+          </p:sp>
+        </p:grpSp>
+        <p:cxnSp>
+          <p:nvCxnSpPr>
+            <p:cNvPr id="14" name="Straight Connector 13">
+              <a:extLst>
+                <a:ext uri="{FF2B5EF4-FFF2-40B4-BE49-F238E27FC236}">
+                  <a16:creationId xmlns:a16="http://schemas.microsoft.com/office/drawing/2014/main" id="{79F713C6-9449-4AC7-907C-75D9E006585C}"/>
+                </a:ext>
+              </a:extLst>
+            </p:cNvPr>
+            <p:cNvCxnSpPr/>
+            <p:nvPr/>
+          </p:nvCxnSpPr>
+          <p:spPr>
+            <a:xfrm>
+              <a:off x="2739810" y="2018966"/>
+              <a:ext cx="5328592" cy="0"/>
+            </a:xfrm>
+            <a:prstGeom prst="line">
+              <a:avLst/>
+            </a:prstGeom>
+            <a:ln>
+              <a:solidFill>
+                <a:schemeClr val="bg1">
+                  <a:lumMod val="85000"/>
+                </a:schemeClr>
+              </a:solidFill>
+            </a:ln>
+          </p:spPr>
+          <p:style>
+            <a:lnRef idx="1">
+              <a:schemeClr val="accent1"/>
+            </a:lnRef>
+            <a:fillRef idx="0">
+              <a:schemeClr val="accent1"/>
+            </a:fillRef>
+            <a:effectRef idx="0">
+              <a:schemeClr val="accent1"/>
+            </a:effectRef>
+            <a:fontRef idx="minor">
+              <a:schemeClr val="tx1"/>
+            </a:fontRef>
+          </p:style>
+        </p:cxnSp>
+        <p:cxnSp>
+          <p:nvCxnSpPr>
+            <p:cNvPr id="15" name="Straight Connector 14">
+              <a:extLst>
+                <a:ext uri="{FF2B5EF4-FFF2-40B4-BE49-F238E27FC236}">
+                  <a16:creationId xmlns:a16="http://schemas.microsoft.com/office/drawing/2014/main" id="{DF5B888C-DA76-4FDF-87DF-E3451C8A573C}"/>
+                </a:ext>
+              </a:extLst>
+            </p:cNvPr>
+            <p:cNvCxnSpPr>
+              <a:cxnSpLocks/>
+            </p:cNvCxnSpPr>
+            <p:nvPr/>
+          </p:nvCxnSpPr>
+          <p:spPr>
+            <a:xfrm>
+              <a:off x="4107961" y="2018966"/>
+              <a:ext cx="1" cy="707156"/>
+            </a:xfrm>
+            <a:prstGeom prst="line">
+              <a:avLst/>
+            </a:prstGeom>
+            <a:ln>
+              <a:solidFill>
+                <a:schemeClr val="bg1">
+                  <a:lumMod val="85000"/>
+                </a:schemeClr>
+              </a:solidFill>
+            </a:ln>
+          </p:spPr>
+          <p:style>
+            <a:lnRef idx="1">
+              <a:schemeClr val="accent1"/>
+            </a:lnRef>
+            <a:fillRef idx="0">
+              <a:schemeClr val="accent1"/>
+            </a:fillRef>
+            <a:effectRef idx="0">
+              <a:schemeClr val="accent1"/>
+            </a:effectRef>
+            <a:fontRef idx="minor">
+              <a:schemeClr val="tx1"/>
+            </a:fontRef>
+          </p:style>
+        </p:cxnSp>
+        <p:cxnSp>
+          <p:nvCxnSpPr>
+            <p:cNvPr id="16" name="Straight Connector 15">
+              <a:extLst>
+                <a:ext uri="{FF2B5EF4-FFF2-40B4-BE49-F238E27FC236}">
+                  <a16:creationId xmlns:a16="http://schemas.microsoft.com/office/drawing/2014/main" id="{831A9A9E-2D31-4A93-A555-F6B4D428F647}"/>
+                </a:ext>
+              </a:extLst>
+            </p:cNvPr>
+            <p:cNvCxnSpPr>
+              <a:cxnSpLocks/>
+            </p:cNvCxnSpPr>
+            <p:nvPr/>
+          </p:nvCxnSpPr>
+          <p:spPr>
+            <a:xfrm>
+              <a:off x="5908162" y="2018966"/>
+              <a:ext cx="1" cy="707156"/>
+            </a:xfrm>
+            <a:prstGeom prst="line">
+              <a:avLst/>
+            </a:prstGeom>
+            <a:ln>
+              <a:solidFill>
+                <a:schemeClr val="bg1">
+                  <a:lumMod val="85000"/>
+                </a:schemeClr>
+              </a:solidFill>
+            </a:ln>
+          </p:spPr>
+          <p:style>
+            <a:lnRef idx="1">
+              <a:schemeClr val="accent1"/>
+            </a:lnRef>
+            <a:fillRef idx="0">
+              <a:schemeClr val="accent1"/>
+            </a:fillRef>
+            <a:effectRef idx="0">
+              <a:schemeClr val="accent1"/>
+            </a:effectRef>
+            <a:fontRef idx="minor">
+              <a:schemeClr val="tx1"/>
+            </a:fontRef>
+          </p:style>
+        </p:cxnSp>
+        <p:cxnSp>
+          <p:nvCxnSpPr>
+            <p:cNvPr id="17" name="Straight Connector 16">
+              <a:extLst>
+                <a:ext uri="{FF2B5EF4-FFF2-40B4-BE49-F238E27FC236}">
+                  <a16:creationId xmlns:a16="http://schemas.microsoft.com/office/drawing/2014/main" id="{04A3C6D3-0C53-4C81-991E-D296BF85A0D7}"/>
+                </a:ext>
+              </a:extLst>
+            </p:cNvPr>
+            <p:cNvCxnSpPr>
+              <a:cxnSpLocks/>
+            </p:cNvCxnSpPr>
+            <p:nvPr/>
+          </p:nvCxnSpPr>
+          <p:spPr>
+            <a:xfrm>
+              <a:off x="7708362" y="2018966"/>
+              <a:ext cx="1" cy="707156"/>
+            </a:xfrm>
+            <a:prstGeom prst="line">
+              <a:avLst/>
+            </a:prstGeom>
+            <a:ln>
+              <a:solidFill>
+                <a:schemeClr val="bg1">
+                  <a:lumMod val="85000"/>
+                </a:schemeClr>
+              </a:solidFill>
+            </a:ln>
+          </p:spPr>
+          <p:style>
+            <a:lnRef idx="1">
+              <a:schemeClr val="accent1"/>
+            </a:lnRef>
+            <a:fillRef idx="0">
+              <a:schemeClr val="accent1"/>
+            </a:fillRef>
+            <a:effectRef idx="0">
+              <a:schemeClr val="accent1"/>
+            </a:effectRef>
+            <a:fontRef idx="minor">
+              <a:schemeClr val="tx1"/>
+            </a:fontRef>
+          </p:style>
+        </p:cxnSp>
+        <p:sp>
+          <p:nvSpPr>
+            <p:cNvPr id="18" name="TextBox 17">
+              <a:extLst>
+                <a:ext uri="{FF2B5EF4-FFF2-40B4-BE49-F238E27FC236}">
+                  <a16:creationId xmlns:a16="http://schemas.microsoft.com/office/drawing/2014/main" id="{D493888B-7763-4C5B-8E2E-15B078E09DB0}"/>
+                </a:ext>
+              </a:extLst>
+            </p:cNvPr>
+            <p:cNvSpPr txBox="1"/>
+            <p:nvPr/>
+          </p:nvSpPr>
+          <p:spPr>
+            <a:xfrm>
+              <a:off x="3924568" y="1682289"/>
+              <a:ext cx="2160237" cy="369332"/>
+            </a:xfrm>
+            <a:prstGeom prst="rect">
+              <a:avLst/>
+            </a:prstGeom>
+            <a:noFill/>
+            <a:ln>
+              <a:noFill/>
+            </a:ln>
+          </p:spPr>
+          <p:txBody>
+            <a:bodyPr wrap="square" rtlCol="1">
+              <a:spAutoFit/>
+            </a:bodyPr>
+            <a:lstStyle/>
+            <a:p>
+              <a:r>
+                <a:rPr lang="en-US" dirty="0" err="1">
+                  <a:solidFill>
+                    <a:schemeClr val="bg1">
+                      <a:lumMod val="85000"/>
+                    </a:schemeClr>
+                  </a:solidFill>
+                </a:rPr>
+                <a:t>Gluster</a:t>
+              </a:r>
+              <a:r>
+                <a:rPr lang="en-US" dirty="0">
+                  <a:solidFill>
+                    <a:schemeClr val="bg1">
+                      <a:lumMod val="85000"/>
+                    </a:schemeClr>
+                  </a:solidFill>
+                </a:rPr>
+                <a:t> Volume gfs</a:t>
+              </a:r>
+              <a:endParaRPr lang="ar-SA" dirty="0">
+                <a:solidFill>
+                  <a:schemeClr val="bg1">
+                    <a:lumMod val="85000"/>
+                  </a:schemeClr>
+                </a:solidFill>
+              </a:endParaRPr>
+            </a:p>
+          </p:txBody>
+        </p:sp>
+        <p:cxnSp>
+          <p:nvCxnSpPr>
+            <p:cNvPr id="19" name="Straight Connector 18">
+              <a:extLst>
+                <a:ext uri="{FF2B5EF4-FFF2-40B4-BE49-F238E27FC236}">
+                  <a16:creationId xmlns:a16="http://schemas.microsoft.com/office/drawing/2014/main" id="{99599565-3B25-43DF-9A59-55123F948A36}"/>
+                </a:ext>
+              </a:extLst>
+            </p:cNvPr>
+            <p:cNvCxnSpPr/>
+            <p:nvPr/>
+          </p:nvCxnSpPr>
+          <p:spPr>
+            <a:xfrm>
+              <a:off x="2739810" y="1730934"/>
+              <a:ext cx="5328592" cy="0"/>
+            </a:xfrm>
+            <a:prstGeom prst="line">
+              <a:avLst/>
+            </a:prstGeom>
+            <a:ln>
+              <a:solidFill>
+                <a:schemeClr val="bg1">
+                  <a:lumMod val="85000"/>
+                </a:schemeClr>
+              </a:solidFill>
+            </a:ln>
+          </p:spPr>
+          <p:style>
+            <a:lnRef idx="1">
+              <a:schemeClr val="accent1"/>
+            </a:lnRef>
+            <a:fillRef idx="0">
+              <a:schemeClr val="accent1"/>
+            </a:fillRef>
+            <a:effectRef idx="0">
+              <a:schemeClr val="accent1"/>
+            </a:effectRef>
+            <a:fontRef idx="minor">
+              <a:schemeClr val="tx1"/>
+            </a:fontRef>
+          </p:style>
+        </p:cxnSp>
+        <p:cxnSp>
+          <p:nvCxnSpPr>
+            <p:cNvPr id="20" name="Straight Connector 19">
+              <a:extLst>
+                <a:ext uri="{FF2B5EF4-FFF2-40B4-BE49-F238E27FC236}">
+                  <a16:creationId xmlns:a16="http://schemas.microsoft.com/office/drawing/2014/main" id="{FDEBAA83-7F7F-42FB-85E2-F73DE3A78DD9}"/>
+                </a:ext>
+              </a:extLst>
+            </p:cNvPr>
+            <p:cNvCxnSpPr>
+              <a:cxnSpLocks/>
+            </p:cNvCxnSpPr>
+            <p:nvPr/>
+          </p:nvCxnSpPr>
+          <p:spPr>
+            <a:xfrm>
+              <a:off x="7740352" y="838025"/>
+              <a:ext cx="0" cy="892829"/>
+            </a:xfrm>
+            <a:prstGeom prst="line">
+              <a:avLst/>
+            </a:prstGeom>
+            <a:ln>
+              <a:solidFill>
+                <a:schemeClr val="bg1">
+                  <a:lumMod val="85000"/>
+                </a:schemeClr>
+              </a:solidFill>
+            </a:ln>
+          </p:spPr>
+          <p:style>
+            <a:lnRef idx="1">
+              <a:schemeClr val="accent1"/>
+            </a:lnRef>
+            <a:fillRef idx="0">
+              <a:schemeClr val="accent1"/>
+            </a:fillRef>
+            <a:effectRef idx="0">
+              <a:schemeClr val="accent1"/>
+            </a:effectRef>
+            <a:fontRef idx="minor">
+              <a:schemeClr val="tx1"/>
+            </a:fontRef>
+          </p:style>
+        </p:cxnSp>
+        <p:sp>
+          <p:nvSpPr>
+            <p:cNvPr id="21" name="TextBox 20">
+              <a:extLst>
+                <a:ext uri="{FF2B5EF4-FFF2-40B4-BE49-F238E27FC236}">
+                  <a16:creationId xmlns:a16="http://schemas.microsoft.com/office/drawing/2014/main" id="{418C6C06-0C2A-40AE-86AC-D2822BAA3CB7}"/>
+                </a:ext>
+              </a:extLst>
+            </p:cNvPr>
+            <p:cNvSpPr txBox="1"/>
+            <p:nvPr/>
+          </p:nvSpPr>
+          <p:spPr>
+            <a:xfrm>
+              <a:off x="2901163" y="853159"/>
+              <a:ext cx="1152127" cy="923330"/>
+            </a:xfrm>
+            <a:prstGeom prst="rect">
+              <a:avLst/>
+            </a:prstGeom>
+            <a:noFill/>
+            <a:ln>
+              <a:noFill/>
+            </a:ln>
+          </p:spPr>
+          <p:txBody>
+            <a:bodyPr wrap="square" rtlCol="1">
+              <a:spAutoFit/>
+            </a:bodyPr>
+            <a:lstStyle/>
+            <a:p>
+              <a:pPr algn="r"/>
+              <a:r>
+                <a:rPr lang="en-US" dirty="0">
+                  <a:solidFill>
+                    <a:schemeClr val="bg1">
+                      <a:lumMod val="85000"/>
+                    </a:schemeClr>
+                  </a:solidFill>
+                </a:rPr>
+                <a:t>vm1g</a:t>
+              </a:r>
+            </a:p>
+            <a:p>
+              <a:pPr algn="r"/>
+              <a:r>
+                <a:rPr lang="en-US" dirty="0">
+                  <a:solidFill>
+                    <a:schemeClr val="bg1">
+                      <a:lumMod val="85000"/>
+                    </a:schemeClr>
+                  </a:solidFill>
+                </a:rPr>
+                <a:t>ens38</a:t>
+              </a:r>
+            </a:p>
+            <a:p>
+              <a:pPr algn="r"/>
+              <a:r>
+                <a:rPr lang="en-US" dirty="0">
+                  <a:solidFill>
+                    <a:schemeClr val="bg1">
+                      <a:lumMod val="85000"/>
+                    </a:schemeClr>
+                  </a:solidFill>
+                </a:rPr>
+                <a:t>10.0.0.11</a:t>
+              </a:r>
+            </a:p>
+          </p:txBody>
+        </p:sp>
+        <p:sp>
+          <p:nvSpPr>
+            <p:cNvPr id="22" name="TextBox 21">
+              <a:extLst>
+                <a:ext uri="{FF2B5EF4-FFF2-40B4-BE49-F238E27FC236}">
+                  <a16:creationId xmlns:a16="http://schemas.microsoft.com/office/drawing/2014/main" id="{F13E1989-B07B-4639-86F4-03734FA8EE5B}"/>
+                </a:ext>
+              </a:extLst>
+            </p:cNvPr>
+            <p:cNvSpPr txBox="1"/>
+            <p:nvPr/>
+          </p:nvSpPr>
+          <p:spPr>
+            <a:xfrm>
+              <a:off x="4770595" y="819487"/>
+              <a:ext cx="1152127" cy="923330"/>
+            </a:xfrm>
+            <a:prstGeom prst="rect">
+              <a:avLst/>
+            </a:prstGeom>
+            <a:noFill/>
+          </p:spPr>
+          <p:txBody>
+            <a:bodyPr wrap="square" rtlCol="1">
+              <a:spAutoFit/>
+            </a:bodyPr>
+            <a:lstStyle/>
+            <a:p>
+              <a:pPr algn="r"/>
+              <a:r>
+                <a:rPr lang="en-US" dirty="0">
+                  <a:solidFill>
+                    <a:schemeClr val="bg1">
+                      <a:lumMod val="85000"/>
+                    </a:schemeClr>
+                  </a:solidFill>
+                </a:rPr>
+                <a:t>vm2g</a:t>
+              </a:r>
+            </a:p>
+            <a:p>
+              <a:pPr algn="r"/>
+              <a:r>
+                <a:rPr lang="en-US" dirty="0">
+                  <a:solidFill>
+                    <a:schemeClr val="bg1">
+                      <a:lumMod val="85000"/>
+                    </a:schemeClr>
+                  </a:solidFill>
+                </a:rPr>
+                <a:t>ens38</a:t>
+              </a:r>
+            </a:p>
+            <a:p>
+              <a:pPr algn="r"/>
+              <a:r>
+                <a:rPr lang="en-US" dirty="0">
+                  <a:solidFill>
+                    <a:schemeClr val="bg1">
+                      <a:lumMod val="85000"/>
+                    </a:schemeClr>
+                  </a:solidFill>
+                </a:rPr>
+                <a:t>10.0.0.12</a:t>
+              </a:r>
+            </a:p>
+          </p:txBody>
+        </p:sp>
+        <p:sp>
+          <p:nvSpPr>
+            <p:cNvPr id="23" name="TextBox 22">
+              <a:extLst>
+                <a:ext uri="{FF2B5EF4-FFF2-40B4-BE49-F238E27FC236}">
+                  <a16:creationId xmlns:a16="http://schemas.microsoft.com/office/drawing/2014/main" id="{8828310E-26D2-476A-88ED-501DA1BDD866}"/>
+                </a:ext>
+              </a:extLst>
+            </p:cNvPr>
+            <p:cNvSpPr txBox="1"/>
+            <p:nvPr/>
+          </p:nvSpPr>
+          <p:spPr>
+            <a:xfrm>
+              <a:off x="6578076" y="825029"/>
+              <a:ext cx="1074750" cy="923330"/>
+            </a:xfrm>
+            <a:prstGeom prst="rect">
+              <a:avLst/>
+            </a:prstGeom>
+            <a:noFill/>
+          </p:spPr>
+          <p:txBody>
+            <a:bodyPr wrap="square" rtlCol="1">
+              <a:spAutoFit/>
+            </a:bodyPr>
+            <a:lstStyle/>
+            <a:p>
+              <a:pPr algn="r"/>
+              <a:r>
+                <a:rPr lang="en-US" dirty="0">
+                  <a:solidFill>
+                    <a:schemeClr val="bg1">
+                      <a:lumMod val="85000"/>
+                    </a:schemeClr>
+                  </a:solidFill>
+                </a:rPr>
+                <a:t>vm3g</a:t>
+              </a:r>
+            </a:p>
+            <a:p>
+              <a:pPr algn="r"/>
+              <a:r>
+                <a:rPr lang="en-US" dirty="0">
+                  <a:solidFill>
+                    <a:schemeClr val="bg1">
+                      <a:lumMod val="85000"/>
+                    </a:schemeClr>
+                  </a:solidFill>
+                </a:rPr>
+                <a:t>ens38</a:t>
+              </a:r>
+            </a:p>
+            <a:p>
+              <a:pPr algn="r"/>
+              <a:r>
+                <a:rPr lang="en-US" dirty="0">
+                  <a:solidFill>
+                    <a:schemeClr val="bg1">
+                      <a:lumMod val="85000"/>
+                    </a:schemeClr>
+                  </a:solidFill>
+                </a:rPr>
+                <a:t>10.0.0.13</a:t>
+              </a:r>
+            </a:p>
+          </p:txBody>
+        </p:sp>
+        <p:cxnSp>
+          <p:nvCxnSpPr>
+            <p:cNvPr id="24" name="Straight Connector 23">
+              <a:extLst>
+                <a:ext uri="{FF2B5EF4-FFF2-40B4-BE49-F238E27FC236}">
+                  <a16:creationId xmlns:a16="http://schemas.microsoft.com/office/drawing/2014/main" id="{7EE76992-D471-4B28-9581-9B7CD9D6DD91}"/>
+                </a:ext>
+              </a:extLst>
+            </p:cNvPr>
+            <p:cNvCxnSpPr/>
+            <p:nvPr/>
+          </p:nvCxnSpPr>
+          <p:spPr>
+            <a:xfrm>
+              <a:off x="2016905" y="838025"/>
+              <a:ext cx="5724000" cy="0"/>
+            </a:xfrm>
+            <a:prstGeom prst="line">
+              <a:avLst/>
+            </a:prstGeom>
+            <a:ln>
+              <a:solidFill>
+                <a:schemeClr val="bg1">
+                  <a:lumMod val="85000"/>
+                </a:schemeClr>
+              </a:solidFill>
+            </a:ln>
+          </p:spPr>
+          <p:style>
+            <a:lnRef idx="1">
+              <a:schemeClr val="accent1"/>
+            </a:lnRef>
+            <a:fillRef idx="0">
+              <a:schemeClr val="accent1"/>
+            </a:fillRef>
+            <a:effectRef idx="0">
+              <a:schemeClr val="accent1"/>
+            </a:effectRef>
+            <a:fontRef idx="minor">
+              <a:schemeClr val="tx1"/>
+            </a:fontRef>
+          </p:style>
+        </p:cxnSp>
+        <p:cxnSp>
+          <p:nvCxnSpPr>
+            <p:cNvPr id="25" name="Straight Connector 24">
+              <a:extLst>
+                <a:ext uri="{FF2B5EF4-FFF2-40B4-BE49-F238E27FC236}">
+                  <a16:creationId xmlns:a16="http://schemas.microsoft.com/office/drawing/2014/main" id="{89D7771A-BA2B-4939-B559-C2423135A956}"/>
+                </a:ext>
+              </a:extLst>
+            </p:cNvPr>
+            <p:cNvCxnSpPr>
+              <a:cxnSpLocks/>
+            </p:cNvCxnSpPr>
+            <p:nvPr/>
+          </p:nvCxnSpPr>
+          <p:spPr>
+            <a:xfrm>
+              <a:off x="5908161" y="838025"/>
+              <a:ext cx="0" cy="892829"/>
+            </a:xfrm>
+            <a:prstGeom prst="line">
+              <a:avLst/>
+            </a:prstGeom>
+            <a:ln>
+              <a:solidFill>
+                <a:schemeClr val="bg1">
+                  <a:lumMod val="85000"/>
+                </a:schemeClr>
+              </a:solidFill>
+            </a:ln>
+          </p:spPr>
+          <p:style>
+            <a:lnRef idx="1">
+              <a:schemeClr val="accent1"/>
+            </a:lnRef>
+            <a:fillRef idx="0">
+              <a:schemeClr val="accent1"/>
+            </a:fillRef>
+            <a:effectRef idx="0">
+              <a:schemeClr val="accent1"/>
+            </a:effectRef>
+            <a:fontRef idx="minor">
+              <a:schemeClr val="tx1"/>
+            </a:fontRef>
+          </p:style>
+        </p:cxnSp>
+        <p:cxnSp>
+          <p:nvCxnSpPr>
+            <p:cNvPr id="26" name="Straight Connector 25">
+              <a:extLst>
+                <a:ext uri="{FF2B5EF4-FFF2-40B4-BE49-F238E27FC236}">
+                  <a16:creationId xmlns:a16="http://schemas.microsoft.com/office/drawing/2014/main" id="{6B31F74F-1DAE-427C-B3CC-41B2B8EADB08}"/>
+                </a:ext>
+              </a:extLst>
+            </p:cNvPr>
+            <p:cNvCxnSpPr>
+              <a:cxnSpLocks/>
+            </p:cNvCxnSpPr>
+            <p:nvPr/>
+          </p:nvCxnSpPr>
+          <p:spPr>
+            <a:xfrm>
+              <a:off x="4107961" y="838025"/>
+              <a:ext cx="0" cy="892829"/>
+            </a:xfrm>
+            <a:prstGeom prst="line">
+              <a:avLst/>
+            </a:prstGeom>
+            <a:ln>
+              <a:solidFill>
+                <a:schemeClr val="bg1">
+                  <a:lumMod val="85000"/>
+                </a:schemeClr>
+              </a:solidFill>
+            </a:ln>
+          </p:spPr>
+          <p:style>
+            <a:lnRef idx="1">
+              <a:schemeClr val="accent1"/>
+            </a:lnRef>
+            <a:fillRef idx="0">
+              <a:schemeClr val="accent1"/>
+            </a:fillRef>
+            <a:effectRef idx="0">
+              <a:schemeClr val="accent1"/>
+            </a:effectRef>
+            <a:fontRef idx="minor">
+              <a:schemeClr val="tx1"/>
+            </a:fontRef>
+          </p:style>
+        </p:cxnSp>
+        <p:sp>
+          <p:nvSpPr>
+            <p:cNvPr id="27" name="TextBox 26">
+              <a:extLst>
+                <a:ext uri="{FF2B5EF4-FFF2-40B4-BE49-F238E27FC236}">
+                  <a16:creationId xmlns:a16="http://schemas.microsoft.com/office/drawing/2014/main" id="{4193EBF3-AF51-43E5-AE1E-AF734435BE57}"/>
+                </a:ext>
+              </a:extLst>
+            </p:cNvPr>
+            <p:cNvSpPr txBox="1"/>
+            <p:nvPr/>
+          </p:nvSpPr>
+          <p:spPr>
+            <a:xfrm>
+              <a:off x="3528393" y="456544"/>
+              <a:ext cx="2160237" cy="369332"/>
+            </a:xfrm>
+            <a:prstGeom prst="rect">
+              <a:avLst/>
+            </a:prstGeom>
+            <a:noFill/>
+            <a:ln>
+              <a:noFill/>
+            </a:ln>
+          </p:spPr>
+          <p:txBody>
+            <a:bodyPr wrap="square" rtlCol="1">
+              <a:spAutoFit/>
+            </a:bodyPr>
+            <a:lstStyle/>
+            <a:p>
+              <a:r>
+                <a:rPr lang="en-US" dirty="0" err="1">
+                  <a:solidFill>
+                    <a:schemeClr val="bg1">
+                      <a:lumMod val="85000"/>
+                    </a:schemeClr>
+                  </a:solidFill>
+                </a:rPr>
+                <a:t>ClusterFs</a:t>
+              </a:r>
+              <a:r>
+                <a:rPr lang="en-US" dirty="0">
+                  <a:solidFill>
+                    <a:schemeClr val="bg1">
+                      <a:lumMod val="85000"/>
+                    </a:schemeClr>
+                  </a:solidFill>
+                </a:rPr>
+                <a:t> net</a:t>
+              </a:r>
+              <a:endParaRPr lang="ar-SA" dirty="0">
+                <a:solidFill>
+                  <a:schemeClr val="bg1">
+                    <a:lumMod val="85000"/>
+                  </a:schemeClr>
+                </a:solidFill>
+              </a:endParaRPr>
+            </a:p>
+          </p:txBody>
+        </p:sp>
+        <p:cxnSp>
+          <p:nvCxnSpPr>
+            <p:cNvPr id="28" name="Straight Connector 27">
+              <a:extLst>
+                <a:ext uri="{FF2B5EF4-FFF2-40B4-BE49-F238E27FC236}">
+                  <a16:creationId xmlns:a16="http://schemas.microsoft.com/office/drawing/2014/main" id="{D5DA1055-8816-45FA-AB63-BB2031602C01}"/>
+                </a:ext>
+              </a:extLst>
+            </p:cNvPr>
+            <p:cNvCxnSpPr>
+              <a:cxnSpLocks/>
+            </p:cNvCxnSpPr>
+            <p:nvPr/>
+          </p:nvCxnSpPr>
+          <p:spPr>
+            <a:xfrm>
+              <a:off x="6901725" y="3649723"/>
+              <a:ext cx="1" cy="360000"/>
+            </a:xfrm>
+            <a:prstGeom prst="line">
+              <a:avLst/>
+            </a:prstGeom>
+          </p:spPr>
+          <p:style>
+            <a:lnRef idx="2">
+              <a:schemeClr val="accent1"/>
+            </a:lnRef>
+            <a:fillRef idx="1">
+              <a:schemeClr val="lt1"/>
+            </a:fillRef>
+            <a:effectRef idx="0">
+              <a:schemeClr val="accent1"/>
+            </a:effectRef>
+            <a:fontRef idx="minor">
+              <a:schemeClr val="dk1"/>
+            </a:fontRef>
+          </p:style>
+        </p:cxnSp>
+        <p:cxnSp>
+          <p:nvCxnSpPr>
+            <p:cNvPr id="29" name="Straight Connector 28">
+              <a:extLst>
+                <a:ext uri="{FF2B5EF4-FFF2-40B4-BE49-F238E27FC236}">
+                  <a16:creationId xmlns:a16="http://schemas.microsoft.com/office/drawing/2014/main" id="{4F7436E8-3DA8-4CEF-8A2E-440809428F93}"/>
+                </a:ext>
+              </a:extLst>
+            </p:cNvPr>
+            <p:cNvCxnSpPr>
+              <a:cxnSpLocks/>
+            </p:cNvCxnSpPr>
+            <p:nvPr/>
+          </p:nvCxnSpPr>
+          <p:spPr>
+            <a:xfrm>
+              <a:off x="5088197" y="3649723"/>
+              <a:ext cx="1" cy="360000"/>
+            </a:xfrm>
+            <a:prstGeom prst="line">
+              <a:avLst/>
+            </a:prstGeom>
+          </p:spPr>
+          <p:style>
+            <a:lnRef idx="2">
+              <a:schemeClr val="accent1"/>
+            </a:lnRef>
+            <a:fillRef idx="1">
+              <a:schemeClr val="lt1"/>
+            </a:fillRef>
+            <a:effectRef idx="0">
+              <a:schemeClr val="accent1"/>
+            </a:effectRef>
+            <a:fontRef idx="minor">
+              <a:schemeClr val="dk1"/>
+            </a:fontRef>
+          </p:style>
+        </p:cxnSp>
+        <p:cxnSp>
+          <p:nvCxnSpPr>
+            <p:cNvPr id="30" name="Straight Connector 29">
+              <a:extLst>
+                <a:ext uri="{FF2B5EF4-FFF2-40B4-BE49-F238E27FC236}">
+                  <a16:creationId xmlns:a16="http://schemas.microsoft.com/office/drawing/2014/main" id="{A6D44913-FED7-426B-928E-FD942FC669FF}"/>
+                </a:ext>
+              </a:extLst>
+            </p:cNvPr>
+            <p:cNvCxnSpPr>
+              <a:cxnSpLocks/>
+            </p:cNvCxnSpPr>
+            <p:nvPr/>
+          </p:nvCxnSpPr>
+          <p:spPr>
+            <a:xfrm>
+              <a:off x="3243866" y="3649723"/>
+              <a:ext cx="1" cy="360000"/>
+            </a:xfrm>
+            <a:prstGeom prst="line">
+              <a:avLst/>
+            </a:prstGeom>
+          </p:spPr>
+          <p:style>
+            <a:lnRef idx="2">
+              <a:schemeClr val="accent1"/>
+            </a:lnRef>
+            <a:fillRef idx="1">
+              <a:schemeClr val="lt1"/>
+            </a:fillRef>
+            <a:effectRef idx="0">
+              <a:schemeClr val="accent1"/>
+            </a:effectRef>
+            <a:fontRef idx="minor">
+              <a:schemeClr val="dk1"/>
+            </a:fontRef>
+          </p:style>
+        </p:cxnSp>
+        <p:cxnSp>
+          <p:nvCxnSpPr>
+            <p:cNvPr id="31" name="Straight Connector 30">
+              <a:extLst>
+                <a:ext uri="{FF2B5EF4-FFF2-40B4-BE49-F238E27FC236}">
+                  <a16:creationId xmlns:a16="http://schemas.microsoft.com/office/drawing/2014/main" id="{FD295725-51CD-42FA-B750-DDAFD2A8DC68}"/>
+                </a:ext>
+              </a:extLst>
+            </p:cNvPr>
+            <p:cNvCxnSpPr/>
+            <p:nvPr/>
+          </p:nvCxnSpPr>
+          <p:spPr>
+            <a:xfrm>
+              <a:off x="2448953" y="4009723"/>
+              <a:ext cx="6516000" cy="0"/>
+            </a:xfrm>
+            <a:prstGeom prst="line">
+              <a:avLst/>
+            </a:prstGeom>
+          </p:spPr>
+          <p:style>
+            <a:lnRef idx="2">
+              <a:schemeClr val="accent1"/>
+            </a:lnRef>
+            <a:fillRef idx="1">
+              <a:schemeClr val="lt1"/>
+            </a:fillRef>
+            <a:effectRef idx="0">
+              <a:schemeClr val="accent1"/>
+            </a:effectRef>
+            <a:fontRef idx="minor">
+              <a:schemeClr val="dk1"/>
+            </a:fontRef>
+          </p:style>
+        </p:cxnSp>
+        <p:sp>
+          <p:nvSpPr>
+            <p:cNvPr id="32" name="Rectangle 31">
+              <a:extLst>
+                <a:ext uri="{FF2B5EF4-FFF2-40B4-BE49-F238E27FC236}">
+                  <a16:creationId xmlns:a16="http://schemas.microsoft.com/office/drawing/2014/main" id="{763C797F-E1D3-40A6-AE70-90F0A70A194E}"/>
+                </a:ext>
+              </a:extLst>
+            </p:cNvPr>
+            <p:cNvSpPr/>
+            <p:nvPr/>
+          </p:nvSpPr>
+          <p:spPr>
+            <a:xfrm>
+              <a:off x="2397107" y="4741345"/>
+              <a:ext cx="846759" cy="432047"/>
+            </a:xfrm>
+            <a:prstGeom prst="rect">
+              <a:avLst/>
+            </a:prstGeom>
+            <a:ln/>
+          </p:spPr>
+          <p:style>
+            <a:lnRef idx="2">
+              <a:schemeClr val="accent1"/>
+            </a:lnRef>
+            <a:fillRef idx="1">
+              <a:schemeClr val="lt1"/>
+            </a:fillRef>
+            <a:effectRef idx="0">
+              <a:schemeClr val="accent1"/>
+            </a:effectRef>
+            <a:fontRef idx="minor">
+              <a:schemeClr val="dk1"/>
+            </a:fontRef>
+          </p:style>
+          <p:txBody>
+            <a:bodyPr rtlCol="1" anchor="ctr"/>
+            <a:lstStyle/>
+            <a:p>
+              <a:pPr algn="ctr"/>
+              <a:r>
+                <a:rPr lang="en-US" dirty="0">
+                  <a:solidFill>
+                    <a:schemeClr val="tx1"/>
+                  </a:solidFill>
+                </a:rPr>
+                <a:t>Joomla</a:t>
+              </a:r>
+              <a:endParaRPr lang="ar-SA" dirty="0">
+                <a:solidFill>
+                  <a:schemeClr val="tx1"/>
+                </a:solidFill>
+              </a:endParaRPr>
+            </a:p>
+          </p:txBody>
+        </p:sp>
+        <p:sp>
+          <p:nvSpPr>
+            <p:cNvPr id="33" name="Rectangle 32">
+              <a:extLst>
+                <a:ext uri="{FF2B5EF4-FFF2-40B4-BE49-F238E27FC236}">
+                  <a16:creationId xmlns:a16="http://schemas.microsoft.com/office/drawing/2014/main" id="{7CB35F2F-DE2A-47B7-9301-96CCADC237FB}"/>
+                </a:ext>
+              </a:extLst>
+            </p:cNvPr>
+            <p:cNvSpPr/>
+            <p:nvPr/>
+          </p:nvSpPr>
+          <p:spPr>
+            <a:xfrm>
+              <a:off x="4296110" y="4769986"/>
+              <a:ext cx="1706470" cy="432047"/>
+            </a:xfrm>
+            <a:prstGeom prst="rect">
+              <a:avLst/>
+            </a:prstGeom>
+            <a:ln/>
+          </p:spPr>
+          <p:style>
+            <a:lnRef idx="2">
+              <a:schemeClr val="accent1"/>
+            </a:lnRef>
+            <a:fillRef idx="1">
+              <a:schemeClr val="lt1"/>
+            </a:fillRef>
+            <a:effectRef idx="0">
+              <a:schemeClr val="accent1"/>
+            </a:effectRef>
+            <a:fontRef idx="minor">
+              <a:schemeClr val="dk1"/>
+            </a:fontRef>
+          </p:style>
+          <p:txBody>
+            <a:bodyPr rtlCol="1" anchor="ctr"/>
+            <a:lstStyle/>
+            <a:p>
+              <a:pPr algn="ctr"/>
+              <a:r>
+                <a:rPr lang="en-US" dirty="0" err="1">
+                  <a:solidFill>
+                    <a:schemeClr val="tx1"/>
+                  </a:solidFill>
+                </a:rPr>
+                <a:t>PHPmyadmin</a:t>
+              </a:r>
+              <a:endParaRPr lang="ar-SA" dirty="0">
+                <a:solidFill>
+                  <a:schemeClr val="tx1"/>
+                </a:solidFill>
+              </a:endParaRPr>
+            </a:p>
+          </p:txBody>
+        </p:sp>
+        <p:sp>
+          <p:nvSpPr>
+            <p:cNvPr id="34" name="Rectangle 33">
+              <a:extLst>
+                <a:ext uri="{FF2B5EF4-FFF2-40B4-BE49-F238E27FC236}">
+                  <a16:creationId xmlns:a16="http://schemas.microsoft.com/office/drawing/2014/main" id="{78847232-C456-4AAC-BF2A-9D42002997BD}"/>
+                </a:ext>
+              </a:extLst>
+            </p:cNvPr>
+            <p:cNvSpPr/>
+            <p:nvPr/>
+          </p:nvSpPr>
+          <p:spPr>
+            <a:xfrm>
+              <a:off x="6240326" y="4741345"/>
+              <a:ext cx="1258338" cy="432047"/>
+            </a:xfrm>
+            <a:prstGeom prst="rect">
+              <a:avLst/>
+            </a:prstGeom>
+            <a:ln/>
+          </p:spPr>
+          <p:style>
+            <a:lnRef idx="2">
+              <a:schemeClr val="accent1"/>
+            </a:lnRef>
+            <a:fillRef idx="1">
+              <a:schemeClr val="lt1"/>
+            </a:fillRef>
+            <a:effectRef idx="0">
+              <a:schemeClr val="accent1"/>
+            </a:effectRef>
+            <a:fontRef idx="minor">
+              <a:schemeClr val="dk1"/>
+            </a:fontRef>
+          </p:style>
+          <p:txBody>
+            <a:bodyPr rtlCol="1" anchor="ctr"/>
+            <a:lstStyle/>
+            <a:p>
+              <a:pPr algn="ctr"/>
+              <a:r>
+                <a:rPr lang="en-US" dirty="0">
+                  <a:solidFill>
+                    <a:schemeClr val="tx1"/>
+                  </a:solidFill>
+                </a:rPr>
+                <a:t>Monitoring</a:t>
+              </a:r>
+              <a:endParaRPr lang="ar-SA" dirty="0">
+                <a:solidFill>
+                  <a:schemeClr val="tx1"/>
+                </a:solidFill>
+              </a:endParaRPr>
+            </a:p>
+          </p:txBody>
+        </p:sp>
+        <p:sp>
+          <p:nvSpPr>
+            <p:cNvPr id="35" name="Rectangle 34">
+              <a:extLst>
+                <a:ext uri="{FF2B5EF4-FFF2-40B4-BE49-F238E27FC236}">
+                  <a16:creationId xmlns:a16="http://schemas.microsoft.com/office/drawing/2014/main" id="{5240D8DB-7F8B-4C97-A770-F9B8FF72D63F}"/>
+                </a:ext>
+              </a:extLst>
+            </p:cNvPr>
+            <p:cNvSpPr/>
+            <p:nvPr/>
+          </p:nvSpPr>
+          <p:spPr>
+            <a:xfrm>
+              <a:off x="7680486" y="4741346"/>
+              <a:ext cx="1250932" cy="432047"/>
+            </a:xfrm>
+            <a:prstGeom prst="rect">
+              <a:avLst/>
+            </a:prstGeom>
+            <a:ln/>
+          </p:spPr>
+          <p:style>
+            <a:lnRef idx="2">
+              <a:schemeClr val="accent1"/>
+            </a:lnRef>
+            <a:fillRef idx="1">
+              <a:schemeClr val="lt1"/>
+            </a:fillRef>
+            <a:effectRef idx="0">
+              <a:schemeClr val="accent1"/>
+            </a:effectRef>
+            <a:fontRef idx="minor">
+              <a:schemeClr val="dk1"/>
+            </a:fontRef>
+          </p:style>
+          <p:txBody>
+            <a:bodyPr rtlCol="1" anchor="ctr"/>
+            <a:lstStyle/>
+            <a:p>
+              <a:pPr algn="ctr"/>
+              <a:r>
+                <a:rPr lang="en-US" dirty="0">
+                  <a:solidFill>
+                    <a:schemeClr val="tx1"/>
+                  </a:solidFill>
+                </a:rPr>
+                <a:t>Grafana</a:t>
+              </a:r>
+              <a:endParaRPr lang="ar-SA" dirty="0">
+                <a:solidFill>
+                  <a:schemeClr val="tx1"/>
+                </a:solidFill>
+              </a:endParaRPr>
+            </a:p>
+          </p:txBody>
+        </p:sp>
+        <p:sp>
+          <p:nvSpPr>
+            <p:cNvPr id="38" name="TextBox 37">
+              <a:extLst>
+                <a:ext uri="{FF2B5EF4-FFF2-40B4-BE49-F238E27FC236}">
+                  <a16:creationId xmlns:a16="http://schemas.microsoft.com/office/drawing/2014/main" id="{9893741C-F2A8-44F4-951C-1E6A934ABB3F}"/>
+                </a:ext>
+              </a:extLst>
+            </p:cNvPr>
+            <p:cNvSpPr txBox="1"/>
+            <p:nvPr/>
+          </p:nvSpPr>
+          <p:spPr>
+            <a:xfrm>
+              <a:off x="3117186" y="5127772"/>
+              <a:ext cx="1250932" cy="369332"/>
+            </a:xfrm>
+            <a:prstGeom prst="rect">
+              <a:avLst/>
+            </a:prstGeom>
+            <a:ln/>
+          </p:spPr>
+          <p:style>
+            <a:lnRef idx="2">
+              <a:schemeClr val="accent1"/>
+            </a:lnRef>
+            <a:fillRef idx="1">
+              <a:schemeClr val="lt1"/>
+            </a:fillRef>
+            <a:effectRef idx="0">
+              <a:schemeClr val="accent1"/>
+            </a:effectRef>
+            <a:fontRef idx="minor">
+              <a:schemeClr val="dk1"/>
+            </a:fontRef>
+          </p:style>
+          <p:txBody>
+            <a:bodyPr wrap="square" rtlCol="1">
+              <a:spAutoFit/>
+            </a:bodyPr>
+            <a:lstStyle/>
+            <a:p>
+              <a:r>
+                <a:rPr lang="en-US" sz="1800" i="0" dirty="0" err="1"/>
+                <a:t>managedb</a:t>
+              </a:r>
+              <a:endParaRPr lang="ar-SA" dirty="0"/>
+            </a:p>
+          </p:txBody>
+        </p:sp>
+        <p:cxnSp>
+          <p:nvCxnSpPr>
+            <p:cNvPr id="39" name="Straight Connector 38">
+              <a:extLst>
+                <a:ext uri="{FF2B5EF4-FFF2-40B4-BE49-F238E27FC236}">
+                  <a16:creationId xmlns:a16="http://schemas.microsoft.com/office/drawing/2014/main" id="{0BA459D9-D1BE-4C2D-BE38-D15C8C547F0A}"/>
+                </a:ext>
+              </a:extLst>
+            </p:cNvPr>
+            <p:cNvCxnSpPr/>
+            <p:nvPr/>
+          </p:nvCxnSpPr>
+          <p:spPr>
+            <a:xfrm>
+              <a:off x="2448273" y="4381305"/>
+              <a:ext cx="6516000" cy="0"/>
+            </a:xfrm>
+            <a:prstGeom prst="line">
+              <a:avLst/>
+            </a:prstGeom>
+            <a:ln/>
+          </p:spPr>
+          <p:style>
+            <a:lnRef idx="2">
+              <a:schemeClr val="accent1"/>
+            </a:lnRef>
+            <a:fillRef idx="1">
+              <a:schemeClr val="lt1"/>
+            </a:fillRef>
+            <a:effectRef idx="0">
+              <a:schemeClr val="accent1"/>
+            </a:effectRef>
+            <a:fontRef idx="minor">
+              <a:schemeClr val="dk1"/>
+            </a:fontRef>
+          </p:style>
+        </p:cxnSp>
+        <p:cxnSp>
+          <p:nvCxnSpPr>
+            <p:cNvPr id="40" name="Straight Connector 39">
+              <a:extLst>
+                <a:ext uri="{FF2B5EF4-FFF2-40B4-BE49-F238E27FC236}">
+                  <a16:creationId xmlns:a16="http://schemas.microsoft.com/office/drawing/2014/main" id="{DAB1DB81-A238-46DE-AF5D-06C2FB94D46E}"/>
+                </a:ext>
+              </a:extLst>
+            </p:cNvPr>
+            <p:cNvCxnSpPr>
+              <a:cxnSpLocks/>
+            </p:cNvCxnSpPr>
+            <p:nvPr/>
+          </p:nvCxnSpPr>
+          <p:spPr>
+            <a:xfrm>
+              <a:off x="2783942" y="4381305"/>
+              <a:ext cx="1" cy="360000"/>
+            </a:xfrm>
+            <a:prstGeom prst="line">
+              <a:avLst/>
+            </a:prstGeom>
+            <a:ln/>
+          </p:spPr>
+          <p:style>
+            <a:lnRef idx="2">
+              <a:schemeClr val="accent1"/>
+            </a:lnRef>
+            <a:fillRef idx="1">
+              <a:schemeClr val="lt1"/>
+            </a:fillRef>
+            <a:effectRef idx="0">
+              <a:schemeClr val="accent1"/>
+            </a:effectRef>
+            <a:fontRef idx="minor">
+              <a:schemeClr val="dk1"/>
+            </a:fontRef>
+          </p:style>
+        </p:cxnSp>
+        <p:cxnSp>
+          <p:nvCxnSpPr>
+            <p:cNvPr id="41" name="Straight Connector 40">
+              <a:extLst>
+                <a:ext uri="{FF2B5EF4-FFF2-40B4-BE49-F238E27FC236}">
+                  <a16:creationId xmlns:a16="http://schemas.microsoft.com/office/drawing/2014/main" id="{872EE167-0079-47B9-B3B6-C4C8E3F7555A}"/>
+                </a:ext>
+              </a:extLst>
+            </p:cNvPr>
+            <p:cNvCxnSpPr>
+              <a:cxnSpLocks/>
+            </p:cNvCxnSpPr>
+            <p:nvPr/>
+          </p:nvCxnSpPr>
+          <p:spPr>
+            <a:xfrm>
+              <a:off x="3720046" y="4381305"/>
+              <a:ext cx="1" cy="360000"/>
+            </a:xfrm>
+            <a:prstGeom prst="line">
+              <a:avLst/>
+            </a:prstGeom>
+            <a:ln/>
+          </p:spPr>
+          <p:style>
+            <a:lnRef idx="2">
+              <a:schemeClr val="accent1"/>
+            </a:lnRef>
+            <a:fillRef idx="1">
+              <a:schemeClr val="lt1"/>
+            </a:fillRef>
+            <a:effectRef idx="0">
+              <a:schemeClr val="accent1"/>
+            </a:effectRef>
+            <a:fontRef idx="minor">
+              <a:schemeClr val="dk1"/>
+            </a:fontRef>
+          </p:style>
+        </p:cxnSp>
+        <p:cxnSp>
+          <p:nvCxnSpPr>
+            <p:cNvPr id="42" name="Straight Connector 41">
+              <a:extLst>
+                <a:ext uri="{FF2B5EF4-FFF2-40B4-BE49-F238E27FC236}">
+                  <a16:creationId xmlns:a16="http://schemas.microsoft.com/office/drawing/2014/main" id="{D81A8E6B-ACEB-4849-A596-6433E08C55D0}"/>
+                </a:ext>
+              </a:extLst>
+            </p:cNvPr>
+            <p:cNvCxnSpPr>
+              <a:cxnSpLocks/>
+            </p:cNvCxnSpPr>
+            <p:nvPr/>
+          </p:nvCxnSpPr>
+          <p:spPr>
+            <a:xfrm>
+              <a:off x="5088197" y="4381305"/>
+              <a:ext cx="1" cy="360000"/>
+            </a:xfrm>
+            <a:prstGeom prst="line">
+              <a:avLst/>
+            </a:prstGeom>
+            <a:ln/>
+          </p:spPr>
+          <p:style>
+            <a:lnRef idx="2">
+              <a:schemeClr val="accent1"/>
+            </a:lnRef>
+            <a:fillRef idx="1">
+              <a:schemeClr val="lt1"/>
+            </a:fillRef>
+            <a:effectRef idx="0">
+              <a:schemeClr val="accent1"/>
+            </a:effectRef>
+            <a:fontRef idx="minor">
+              <a:schemeClr val="dk1"/>
+            </a:fontRef>
+          </p:style>
+        </p:cxnSp>
+        <p:cxnSp>
+          <p:nvCxnSpPr>
+            <p:cNvPr id="43" name="Straight Connector 42">
+              <a:extLst>
+                <a:ext uri="{FF2B5EF4-FFF2-40B4-BE49-F238E27FC236}">
+                  <a16:creationId xmlns:a16="http://schemas.microsoft.com/office/drawing/2014/main" id="{5EE2D3AC-CFA6-4F47-AE75-EF0E991A333D}"/>
+                </a:ext>
+              </a:extLst>
+            </p:cNvPr>
+            <p:cNvCxnSpPr>
+              <a:cxnSpLocks/>
+            </p:cNvCxnSpPr>
+            <p:nvPr/>
+          </p:nvCxnSpPr>
+          <p:spPr>
+            <a:xfrm>
+              <a:off x="6816390" y="4381305"/>
+              <a:ext cx="1" cy="360000"/>
+            </a:xfrm>
+            <a:prstGeom prst="line">
+              <a:avLst/>
+            </a:prstGeom>
+            <a:ln/>
+          </p:spPr>
+          <p:style>
+            <a:lnRef idx="2">
+              <a:schemeClr val="accent1"/>
+            </a:lnRef>
+            <a:fillRef idx="1">
+              <a:schemeClr val="lt1"/>
+            </a:fillRef>
+            <a:effectRef idx="0">
+              <a:schemeClr val="accent1"/>
+            </a:effectRef>
+            <a:fontRef idx="minor">
+              <a:schemeClr val="dk1"/>
+            </a:fontRef>
+          </p:style>
+        </p:cxnSp>
+        <p:cxnSp>
+          <p:nvCxnSpPr>
+            <p:cNvPr id="44" name="Straight Connector 43">
+              <a:extLst>
+                <a:ext uri="{FF2B5EF4-FFF2-40B4-BE49-F238E27FC236}">
+                  <a16:creationId xmlns:a16="http://schemas.microsoft.com/office/drawing/2014/main" id="{4F6712DB-ECB8-4FD0-850A-E1D6BB829127}"/>
+                </a:ext>
+              </a:extLst>
+            </p:cNvPr>
+            <p:cNvCxnSpPr>
+              <a:cxnSpLocks/>
+            </p:cNvCxnSpPr>
+            <p:nvPr/>
+          </p:nvCxnSpPr>
+          <p:spPr>
+            <a:xfrm>
+              <a:off x="8184541" y="4381305"/>
+              <a:ext cx="1" cy="360000"/>
+            </a:xfrm>
+            <a:prstGeom prst="line">
+              <a:avLst/>
+            </a:prstGeom>
+            <a:ln/>
+          </p:spPr>
+          <p:style>
+            <a:lnRef idx="2">
+              <a:schemeClr val="accent1"/>
+            </a:lnRef>
+            <a:fillRef idx="1">
+              <a:schemeClr val="lt1"/>
+            </a:fillRef>
+            <a:effectRef idx="0">
+              <a:schemeClr val="accent1"/>
+            </a:effectRef>
+            <a:fontRef idx="minor">
+              <a:schemeClr val="dk1"/>
+            </a:fontRef>
+          </p:style>
+        </p:cxnSp>
+        <p:sp>
+          <p:nvSpPr>
+            <p:cNvPr id="46" name="TextBox 45">
+              <a:extLst>
+                <a:ext uri="{FF2B5EF4-FFF2-40B4-BE49-F238E27FC236}">
+                  <a16:creationId xmlns:a16="http://schemas.microsoft.com/office/drawing/2014/main" id="{9C3A321A-3DB9-4B76-AEE9-C41634ACDC35}"/>
+                </a:ext>
+              </a:extLst>
+            </p:cNvPr>
+            <p:cNvSpPr txBox="1"/>
+            <p:nvPr/>
+          </p:nvSpPr>
+          <p:spPr>
+            <a:xfrm>
+              <a:off x="3059423" y="4005064"/>
+              <a:ext cx="5445102" cy="369332"/>
+            </a:xfrm>
+            <a:prstGeom prst="rect">
+              <a:avLst/>
+            </a:prstGeom>
+            <a:noFill/>
+            <a:ln>
+              <a:noFill/>
+            </a:ln>
+          </p:spPr>
+          <p:style>
+            <a:lnRef idx="2">
+              <a:schemeClr val="accent1"/>
+            </a:lnRef>
+            <a:fillRef idx="1">
+              <a:schemeClr val="lt1"/>
+            </a:fillRef>
+            <a:effectRef idx="0">
+              <a:schemeClr val="accent1"/>
+            </a:effectRef>
+            <a:fontRef idx="minor">
+              <a:schemeClr val="dk1"/>
+            </a:fontRef>
+          </p:style>
+          <p:txBody>
+            <a:bodyPr wrap="square" rtlCol="1">
+              <a:spAutoFit/>
+            </a:bodyPr>
+            <a:lstStyle/>
+            <a:p>
+              <a:r>
+                <a:rPr lang="en-US" dirty="0"/>
+                <a:t>Docker Swam         </a:t>
+              </a:r>
+              <a:r>
+                <a:rPr lang="en-US" dirty="0" err="1"/>
+                <a:t>intnet</a:t>
+              </a:r>
+              <a:r>
+                <a:rPr lang="en-US" dirty="0"/>
+                <a:t> 192.168.200.0/24</a:t>
+              </a:r>
+              <a:endParaRPr lang="ar-SA" dirty="0"/>
+            </a:p>
+          </p:txBody>
+        </p:sp>
+        <p:cxnSp>
+          <p:nvCxnSpPr>
+            <p:cNvPr id="47" name="Straight Connector 46">
+              <a:extLst>
+                <a:ext uri="{FF2B5EF4-FFF2-40B4-BE49-F238E27FC236}">
+                  <a16:creationId xmlns:a16="http://schemas.microsoft.com/office/drawing/2014/main" id="{F79DB42D-3BC0-482A-84A9-927C6079EACA}"/>
+                </a:ext>
+              </a:extLst>
+            </p:cNvPr>
+            <p:cNvCxnSpPr/>
+            <p:nvPr/>
+          </p:nvCxnSpPr>
+          <p:spPr>
+            <a:xfrm>
+              <a:off x="756216" y="6401456"/>
+              <a:ext cx="6156000" cy="0"/>
+            </a:xfrm>
+            <a:prstGeom prst="line">
+              <a:avLst/>
+            </a:prstGeom>
+            <a:ln>
+              <a:solidFill>
+                <a:schemeClr val="bg1">
+                  <a:lumMod val="75000"/>
+                </a:schemeClr>
+              </a:solidFill>
+            </a:ln>
+          </p:spPr>
+          <p:style>
+            <a:lnRef idx="1">
+              <a:schemeClr val="accent1"/>
+            </a:lnRef>
+            <a:fillRef idx="0">
+              <a:schemeClr val="accent1"/>
+            </a:fillRef>
+            <a:effectRef idx="0">
+              <a:schemeClr val="accent1"/>
+            </a:effectRef>
+            <a:fontRef idx="minor">
+              <a:schemeClr val="tx1"/>
+            </a:fontRef>
+          </p:style>
+        </p:cxnSp>
+        <p:cxnSp>
+          <p:nvCxnSpPr>
+            <p:cNvPr id="48" name="Straight Connector 47">
+              <a:extLst>
+                <a:ext uri="{FF2B5EF4-FFF2-40B4-BE49-F238E27FC236}">
+                  <a16:creationId xmlns:a16="http://schemas.microsoft.com/office/drawing/2014/main" id="{761406B9-2351-41A9-9D6D-D67F8511E2ED}"/>
+                </a:ext>
+              </a:extLst>
+            </p:cNvPr>
+            <p:cNvCxnSpPr>
+              <a:cxnSpLocks/>
+            </p:cNvCxnSpPr>
+            <p:nvPr/>
+          </p:nvCxnSpPr>
+          <p:spPr>
+            <a:xfrm>
+              <a:off x="3240361" y="5641120"/>
+              <a:ext cx="0" cy="720000"/>
+            </a:xfrm>
+            <a:prstGeom prst="line">
+              <a:avLst/>
+            </a:prstGeom>
+            <a:ln>
+              <a:solidFill>
+                <a:schemeClr val="bg1">
+                  <a:lumMod val="75000"/>
+                </a:schemeClr>
+              </a:solidFill>
+            </a:ln>
+          </p:spPr>
+          <p:style>
+            <a:lnRef idx="1">
+              <a:schemeClr val="accent1"/>
+            </a:lnRef>
+            <a:fillRef idx="0">
+              <a:schemeClr val="accent1"/>
+            </a:fillRef>
+            <a:effectRef idx="0">
+              <a:schemeClr val="accent1"/>
+            </a:effectRef>
+            <a:fontRef idx="minor">
+              <a:schemeClr val="tx1"/>
+            </a:fontRef>
+          </p:style>
+        </p:cxnSp>
+        <p:cxnSp>
+          <p:nvCxnSpPr>
+            <p:cNvPr id="53" name="Straight Connector 52">
+              <a:extLst>
+                <a:ext uri="{FF2B5EF4-FFF2-40B4-BE49-F238E27FC236}">
+                  <a16:creationId xmlns:a16="http://schemas.microsoft.com/office/drawing/2014/main" id="{F8D17F65-4DB6-494A-AAD5-9A5EB5653A92}"/>
+                </a:ext>
+              </a:extLst>
+            </p:cNvPr>
+            <p:cNvCxnSpPr/>
+            <p:nvPr/>
+          </p:nvCxnSpPr>
+          <p:spPr>
+            <a:xfrm>
+              <a:off x="2520281" y="5641120"/>
+              <a:ext cx="6372000" cy="0"/>
+            </a:xfrm>
+            <a:prstGeom prst="line">
+              <a:avLst/>
+            </a:prstGeom>
+            <a:ln>
+              <a:solidFill>
+                <a:schemeClr val="bg1">
+                  <a:lumMod val="75000"/>
+                </a:schemeClr>
+              </a:solidFill>
+            </a:ln>
+          </p:spPr>
+          <p:style>
+            <a:lnRef idx="1">
+              <a:schemeClr val="accent1"/>
+            </a:lnRef>
+            <a:fillRef idx="0">
+              <a:schemeClr val="accent1"/>
+            </a:fillRef>
+            <a:effectRef idx="0">
+              <a:schemeClr val="accent1"/>
+            </a:effectRef>
+            <a:fontRef idx="minor">
+              <a:schemeClr val="tx1"/>
+            </a:fontRef>
+          </p:style>
+        </p:cxnSp>
+        <p:sp>
+          <p:nvSpPr>
+            <p:cNvPr id="55" name="TextBox 54">
+              <a:extLst>
+                <a:ext uri="{FF2B5EF4-FFF2-40B4-BE49-F238E27FC236}">
+                  <a16:creationId xmlns:a16="http://schemas.microsoft.com/office/drawing/2014/main" id="{9B63DCE6-16BF-48B5-83D6-B026DB41C9CC}"/>
+                </a:ext>
+              </a:extLst>
+            </p:cNvPr>
+            <p:cNvSpPr txBox="1"/>
+            <p:nvPr/>
+          </p:nvSpPr>
+          <p:spPr>
+            <a:xfrm>
+              <a:off x="1275744" y="5714789"/>
+              <a:ext cx="1841442" cy="646331"/>
+            </a:xfrm>
+            <a:prstGeom prst="rect">
+              <a:avLst/>
+            </a:prstGeom>
+            <a:noFill/>
+          </p:spPr>
+          <p:txBody>
+            <a:bodyPr wrap="square" rtlCol="1">
+              <a:spAutoFit/>
+            </a:bodyPr>
+            <a:lstStyle/>
+            <a:p>
+              <a:pPr algn="r"/>
+              <a:r>
+                <a:rPr lang="en-US" dirty="0">
+                  <a:solidFill>
+                    <a:schemeClr val="bg1">
+                      <a:lumMod val="75000"/>
+                    </a:schemeClr>
+                  </a:solidFill>
+                </a:rPr>
+                <a:t>ens33</a:t>
+              </a:r>
+            </a:p>
+            <a:p>
+              <a:pPr algn="r"/>
+              <a:r>
+                <a:rPr lang="en-US" dirty="0">
+                  <a:solidFill>
+                    <a:schemeClr val="bg1">
+                      <a:lumMod val="75000"/>
+                    </a:schemeClr>
+                  </a:solidFill>
+                </a:rPr>
+                <a:t>192.168.75.11</a:t>
+              </a:r>
+            </a:p>
+          </p:txBody>
+        </p:sp>
+        <p:cxnSp>
+          <p:nvCxnSpPr>
+            <p:cNvPr id="57" name="Straight Connector 56">
+              <a:extLst>
+                <a:ext uri="{FF2B5EF4-FFF2-40B4-BE49-F238E27FC236}">
+                  <a16:creationId xmlns:a16="http://schemas.microsoft.com/office/drawing/2014/main" id="{C4100D31-0C1D-40F0-A5EE-934AAF3F9753}"/>
+                </a:ext>
+              </a:extLst>
+            </p:cNvPr>
+            <p:cNvCxnSpPr>
+              <a:cxnSpLocks/>
+            </p:cNvCxnSpPr>
+            <p:nvPr/>
+          </p:nvCxnSpPr>
+          <p:spPr>
+            <a:xfrm>
+              <a:off x="5136672" y="5641120"/>
+              <a:ext cx="0" cy="720000"/>
+            </a:xfrm>
+            <a:prstGeom prst="line">
+              <a:avLst/>
+            </a:prstGeom>
+            <a:ln>
+              <a:solidFill>
+                <a:schemeClr val="bg1">
+                  <a:lumMod val="75000"/>
+                </a:schemeClr>
+              </a:solidFill>
+            </a:ln>
+          </p:spPr>
+          <p:style>
+            <a:lnRef idx="1">
+              <a:schemeClr val="accent1"/>
+            </a:lnRef>
+            <a:fillRef idx="0">
+              <a:schemeClr val="accent1"/>
+            </a:fillRef>
+            <a:effectRef idx="0">
+              <a:schemeClr val="accent1"/>
+            </a:effectRef>
+            <a:fontRef idx="minor">
+              <a:schemeClr val="tx1"/>
+            </a:fontRef>
+          </p:style>
+        </p:cxnSp>
+        <p:cxnSp>
+          <p:nvCxnSpPr>
+            <p:cNvPr id="58" name="Straight Connector 57">
+              <a:extLst>
+                <a:ext uri="{FF2B5EF4-FFF2-40B4-BE49-F238E27FC236}">
+                  <a16:creationId xmlns:a16="http://schemas.microsoft.com/office/drawing/2014/main" id="{9CA70A74-62CF-462E-97A7-B1244A8E625D}"/>
+                </a:ext>
+              </a:extLst>
+            </p:cNvPr>
+            <p:cNvCxnSpPr>
+              <a:cxnSpLocks/>
+            </p:cNvCxnSpPr>
+            <p:nvPr/>
+          </p:nvCxnSpPr>
+          <p:spPr>
+            <a:xfrm>
+              <a:off x="6917059" y="5641200"/>
+              <a:ext cx="0" cy="756000"/>
+            </a:xfrm>
+            <a:prstGeom prst="line">
+              <a:avLst/>
+            </a:prstGeom>
+            <a:ln>
+              <a:solidFill>
+                <a:schemeClr val="bg1">
+                  <a:lumMod val="75000"/>
+                </a:schemeClr>
+              </a:solidFill>
+            </a:ln>
+          </p:spPr>
+          <p:style>
+            <a:lnRef idx="1">
+              <a:schemeClr val="accent1"/>
+            </a:lnRef>
+            <a:fillRef idx="0">
+              <a:schemeClr val="accent1"/>
+            </a:fillRef>
+            <a:effectRef idx="0">
+              <a:schemeClr val="accent1"/>
+            </a:effectRef>
+            <a:fontRef idx="minor">
+              <a:schemeClr val="tx1"/>
+            </a:fontRef>
+          </p:style>
+        </p:cxnSp>
+        <p:sp>
+          <p:nvSpPr>
+            <p:cNvPr id="60" name="TextBox 59">
+              <a:extLst>
+                <a:ext uri="{FF2B5EF4-FFF2-40B4-BE49-F238E27FC236}">
+                  <a16:creationId xmlns:a16="http://schemas.microsoft.com/office/drawing/2014/main" id="{5EF453A0-8D31-4837-B3C5-6DDCD29C0116}"/>
+                </a:ext>
+              </a:extLst>
+            </p:cNvPr>
+            <p:cNvSpPr txBox="1"/>
+            <p:nvPr/>
+          </p:nvSpPr>
+          <p:spPr>
+            <a:xfrm>
+              <a:off x="3341031" y="5729019"/>
+              <a:ext cx="1664035" cy="646331"/>
+            </a:xfrm>
+            <a:prstGeom prst="rect">
+              <a:avLst/>
+            </a:prstGeom>
+            <a:noFill/>
+          </p:spPr>
+          <p:txBody>
+            <a:bodyPr wrap="square" rtlCol="1">
+              <a:spAutoFit/>
+            </a:bodyPr>
+            <a:lstStyle/>
+            <a:p>
+              <a:pPr algn="r"/>
+              <a:r>
+                <a:rPr lang="en-US" dirty="0">
+                  <a:solidFill>
+                    <a:schemeClr val="bg1">
+                      <a:lumMod val="75000"/>
+                    </a:schemeClr>
+                  </a:solidFill>
+                </a:rPr>
+                <a:t>ens33</a:t>
+              </a:r>
+            </a:p>
+            <a:p>
+              <a:pPr algn="r"/>
+              <a:r>
+                <a:rPr lang="en-US" dirty="0">
+                  <a:solidFill>
+                    <a:schemeClr val="bg1">
+                      <a:lumMod val="75000"/>
+                    </a:schemeClr>
+                  </a:solidFill>
+                </a:rPr>
+                <a:t>192.168.75.12</a:t>
+              </a:r>
+            </a:p>
+          </p:txBody>
+        </p:sp>
+        <p:sp>
+          <p:nvSpPr>
+            <p:cNvPr id="62" name="TextBox 61">
+              <a:extLst>
+                <a:ext uri="{FF2B5EF4-FFF2-40B4-BE49-F238E27FC236}">
+                  <a16:creationId xmlns:a16="http://schemas.microsoft.com/office/drawing/2014/main" id="{279E1E74-DC3F-49E0-ABC6-D5EEEDD4B76F}"/>
+                </a:ext>
+              </a:extLst>
+            </p:cNvPr>
+            <p:cNvSpPr txBox="1"/>
+            <p:nvPr/>
+          </p:nvSpPr>
+          <p:spPr>
+            <a:xfrm>
+              <a:off x="5228911" y="5714789"/>
+              <a:ext cx="1587479" cy="646331"/>
+            </a:xfrm>
+            <a:prstGeom prst="rect">
+              <a:avLst/>
+            </a:prstGeom>
+            <a:noFill/>
+          </p:spPr>
+          <p:txBody>
+            <a:bodyPr wrap="square" rtlCol="1">
+              <a:spAutoFit/>
+            </a:bodyPr>
+            <a:lstStyle/>
+            <a:p>
+              <a:pPr algn="r"/>
+              <a:r>
+                <a:rPr lang="en-US" dirty="0">
+                  <a:solidFill>
+                    <a:schemeClr val="bg1">
+                      <a:lumMod val="75000"/>
+                    </a:schemeClr>
+                  </a:solidFill>
+                </a:rPr>
+                <a:t>ens33</a:t>
+              </a:r>
+            </a:p>
+            <a:p>
+              <a:pPr algn="r"/>
+              <a:r>
+                <a:rPr lang="en-US" dirty="0">
+                  <a:solidFill>
+                    <a:schemeClr val="bg1">
+                      <a:lumMod val="75000"/>
+                    </a:schemeClr>
+                  </a:solidFill>
+                </a:rPr>
+                <a:t>192.168.75.13</a:t>
+              </a:r>
+            </a:p>
+          </p:txBody>
+        </p:sp>
+        <p:cxnSp>
+          <p:nvCxnSpPr>
+            <p:cNvPr id="64" name="Straight Connector 63">
+              <a:extLst>
+                <a:ext uri="{FF2B5EF4-FFF2-40B4-BE49-F238E27FC236}">
+                  <a16:creationId xmlns:a16="http://schemas.microsoft.com/office/drawing/2014/main" id="{ADE84FDC-2BB3-4A95-8BF4-AB9BD7377E1C}"/>
+                </a:ext>
+              </a:extLst>
+            </p:cNvPr>
+            <p:cNvCxnSpPr/>
+            <p:nvPr/>
+          </p:nvCxnSpPr>
+          <p:spPr>
+            <a:xfrm>
+              <a:off x="2016225" y="852816"/>
+              <a:ext cx="0" cy="2304000"/>
+            </a:xfrm>
+            <a:prstGeom prst="line">
+              <a:avLst/>
+            </a:prstGeom>
+            <a:ln>
+              <a:solidFill>
+                <a:schemeClr val="bg1">
+                  <a:lumMod val="85000"/>
+                </a:schemeClr>
+              </a:solidFill>
+            </a:ln>
+          </p:spPr>
+          <p:style>
+            <a:lnRef idx="1">
+              <a:schemeClr val="accent1"/>
+            </a:lnRef>
+            <a:fillRef idx="0">
+              <a:schemeClr val="accent1"/>
+            </a:fillRef>
+            <a:effectRef idx="0">
+              <a:schemeClr val="accent1"/>
+            </a:effectRef>
+            <a:fontRef idx="minor">
+              <a:schemeClr val="tx1"/>
+            </a:fontRef>
+          </p:style>
+        </p:cxnSp>
+        <p:grpSp>
+          <p:nvGrpSpPr>
+            <p:cNvPr id="71" name="Group 70">
+              <a:extLst>
+                <a:ext uri="{FF2B5EF4-FFF2-40B4-BE49-F238E27FC236}">
+                  <a16:creationId xmlns:a16="http://schemas.microsoft.com/office/drawing/2014/main" id="{4115EBFD-3344-4129-AAC7-CC8EE81303E4}"/>
+                </a:ext>
+              </a:extLst>
+            </p:cNvPr>
+            <p:cNvGrpSpPr/>
+            <p:nvPr/>
+          </p:nvGrpSpPr>
+          <p:grpSpPr>
+            <a:xfrm>
+              <a:off x="226581" y="2931870"/>
+              <a:ext cx="1224136" cy="1233907"/>
+              <a:chOff x="3047363" y="2924944"/>
+              <a:chExt cx="1224136" cy="1233907"/>
+            </a:xfrm>
+          </p:grpSpPr>
+          <p:pic>
+            <p:nvPicPr>
+              <p:cNvPr id="72" name="Picture 71" descr="A screenshot of a computer&#10;&#10;Description automatically generated">
+                <a:extLst>
+                  <a:ext uri="{FF2B5EF4-FFF2-40B4-BE49-F238E27FC236}">
+                    <a16:creationId xmlns:a16="http://schemas.microsoft.com/office/drawing/2014/main" id="{E639045B-6297-4FB8-9A9B-B9611A153C6D}"/>
+                  </a:ext>
+                </a:extLst>
+              </p:cNvPr>
+              <p:cNvPicPr>
+                <a:picLocks noChangeAspect="1"/>
+              </p:cNvPicPr>
+              <p:nvPr/>
+            </p:nvPicPr>
+            <p:blipFill>
+              <a:blip r:embed="rId2">
+                <a:extLst>
+                  <a:ext uri="{28A0092B-C50C-407E-A947-70E740481C1C}">
+                    <a14:useLocalDpi xmlns:a14="http://schemas.microsoft.com/office/drawing/2010/main" val="0"/>
+                  </a:ext>
+                </a:extLst>
+              </a:blip>
+              <a:stretch>
+                <a:fillRect/>
+              </a:stretch>
+            </p:blipFill>
+            <p:spPr>
+              <a:xfrm>
+                <a:off x="3131840" y="2924944"/>
+                <a:ext cx="1008112" cy="1008112"/>
+              </a:xfrm>
+              <a:prstGeom prst="rect">
+                <a:avLst/>
+              </a:prstGeom>
+            </p:spPr>
+          </p:pic>
+          <p:sp>
+            <p:nvSpPr>
+              <p:cNvPr id="73" name="TextBox 72">
+                <a:extLst>
+                  <a:ext uri="{FF2B5EF4-FFF2-40B4-BE49-F238E27FC236}">
+                    <a16:creationId xmlns:a16="http://schemas.microsoft.com/office/drawing/2014/main" id="{7DE9A57A-73A7-4B5D-B5E1-00C5291A8DA3}"/>
+                  </a:ext>
+                </a:extLst>
+              </p:cNvPr>
+              <p:cNvSpPr txBox="1"/>
+              <p:nvPr/>
+            </p:nvSpPr>
+            <p:spPr>
+              <a:xfrm>
+                <a:off x="3047363" y="3789519"/>
+                <a:ext cx="1224136" cy="369332"/>
+              </a:xfrm>
+              <a:prstGeom prst="rect">
+                <a:avLst/>
+              </a:prstGeom>
+              <a:noFill/>
+            </p:spPr>
+            <p:txBody>
+              <a:bodyPr wrap="square" rtlCol="1">
+                <a:spAutoFit/>
+              </a:bodyPr>
+              <a:lstStyle/>
+              <a:p>
+                <a:pPr algn="ctr"/>
+                <a:r>
+                  <a:rPr lang="en-US" dirty="0"/>
+                  <a:t>Host</a:t>
+                </a:r>
+                <a:endParaRPr lang="ar-SA" dirty="0"/>
+              </a:p>
+            </p:txBody>
+          </p:sp>
+        </p:grpSp>
+        <p:cxnSp>
+          <p:nvCxnSpPr>
+            <p:cNvPr id="74" name="Straight Connector 73">
+              <a:extLst>
+                <a:ext uri="{FF2B5EF4-FFF2-40B4-BE49-F238E27FC236}">
+                  <a16:creationId xmlns:a16="http://schemas.microsoft.com/office/drawing/2014/main" id="{6669AEBD-08A8-4D92-A41B-D1E8E65993A7}"/>
+                </a:ext>
+              </a:extLst>
+            </p:cNvPr>
+            <p:cNvCxnSpPr/>
+            <p:nvPr/>
+          </p:nvCxnSpPr>
+          <p:spPr>
+            <a:xfrm>
+              <a:off x="809681" y="4107349"/>
+              <a:ext cx="0" cy="2268000"/>
+            </a:xfrm>
+            <a:prstGeom prst="line">
+              <a:avLst/>
+            </a:prstGeom>
+            <a:ln>
+              <a:solidFill>
+                <a:schemeClr val="bg1">
+                  <a:lumMod val="75000"/>
+                </a:schemeClr>
+              </a:solidFill>
+            </a:ln>
+          </p:spPr>
+          <p:style>
+            <a:lnRef idx="1">
+              <a:schemeClr val="accent1"/>
+            </a:lnRef>
+            <a:fillRef idx="0">
+              <a:schemeClr val="accent1"/>
+            </a:fillRef>
+            <a:effectRef idx="0">
+              <a:schemeClr val="accent1"/>
+            </a:effectRef>
+            <a:fontRef idx="minor">
+              <a:schemeClr val="tx1"/>
+            </a:fontRef>
+          </p:style>
+        </p:cxnSp>
+        <p:pic>
+          <p:nvPicPr>
+            <p:cNvPr id="76" name="Picture 75" descr="A close up of a logo&#10;&#10;Description automatically generated">
+              <a:extLst>
+                <a:ext uri="{FF2B5EF4-FFF2-40B4-BE49-F238E27FC236}">
+                  <a16:creationId xmlns:a16="http://schemas.microsoft.com/office/drawing/2014/main" id="{C4B3F848-0C27-48AC-99E2-2904596671EF}"/>
+                </a:ext>
+              </a:extLst>
+            </p:cNvPr>
+            <p:cNvPicPr>
+              <a:picLocks noChangeAspect="1"/>
+            </p:cNvPicPr>
+            <p:nvPr/>
+          </p:nvPicPr>
+          <p:blipFill>
+            <a:blip r:embed="rId3" cstate="print">
+              <a:extLst>
+                <a:ext uri="{BEBA8EAE-BF5A-486C-A8C5-ECC9F3942E4B}">
+                  <a14:imgProps xmlns:a14="http://schemas.microsoft.com/office/drawing/2010/main">
+                    <a14:imgLayer r:embed="rId4">
+                      <a14:imgEffect>
+                        <a14:backgroundRemoval t="9493" b="92308" l="5465" r="92907">
+                          <a14:foregroundMark x1="47907" y1="41735" x2="47907" y2="41735"/>
+                          <a14:foregroundMark x1="58256" y1="9656" x2="58256" y2="9656"/>
+                          <a14:foregroundMark x1="93023" y1="62848" x2="93023" y2="62848"/>
+                          <a14:foregroundMark x1="59884" y1="90507" x2="59884" y2="90507"/>
+                          <a14:foregroundMark x1="58837" y1="92635" x2="58837" y2="92635"/>
+                          <a14:foregroundMark x1="9070" y1="70049" x2="9070" y2="70049"/>
+                          <a14:foregroundMark x1="8488" y1="70867" x2="8488" y2="70867"/>
+                          <a14:foregroundMark x1="5465" y1="73813" x2="5465" y2="73813"/>
+                        </a14:backgroundRemoval>
+                      </a14:imgEffect>
+                    </a14:imgLayer>
+                  </a14:imgProps>
+                </a:ext>
+                <a:ext uri="{28A0092B-C50C-407E-A947-70E740481C1C}">
+                  <a14:useLocalDpi xmlns:a14="http://schemas.microsoft.com/office/drawing/2010/main" val="0"/>
+                </a:ext>
+              </a:extLst>
+            </a:blip>
+            <a:stretch>
+              <a:fillRect/>
+            </a:stretch>
+          </p:blipFill>
+          <p:spPr>
+            <a:xfrm>
+              <a:off x="75587" y="1801491"/>
+              <a:ext cx="1341570" cy="900731"/>
+            </a:xfrm>
+            <a:prstGeom prst="rect">
+              <a:avLst/>
+            </a:prstGeom>
+          </p:spPr>
+        </p:pic>
+        <p:sp>
+          <p:nvSpPr>
+            <p:cNvPr id="77" name="TextBox 76">
+              <a:extLst>
+                <a:ext uri="{FF2B5EF4-FFF2-40B4-BE49-F238E27FC236}">
+                  <a16:creationId xmlns:a16="http://schemas.microsoft.com/office/drawing/2014/main" id="{CD8EA33D-0B32-496F-BAD2-2732F445F48B}"/>
+                </a:ext>
+              </a:extLst>
+            </p:cNvPr>
+            <p:cNvSpPr txBox="1"/>
+            <p:nvPr/>
+          </p:nvSpPr>
+          <p:spPr>
+            <a:xfrm>
+              <a:off x="-180528" y="2021244"/>
+              <a:ext cx="1400296" cy="646331"/>
+            </a:xfrm>
+            <a:prstGeom prst="rect">
+              <a:avLst/>
+            </a:prstGeom>
+            <a:noFill/>
+          </p:spPr>
+          <p:txBody>
+            <a:bodyPr wrap="square" rtlCol="1">
+              <a:spAutoFit/>
+            </a:bodyPr>
+            <a:lstStyle/>
+            <a:p>
+              <a:r>
+                <a:rPr lang="en-US" dirty="0">
+                  <a:solidFill>
+                    <a:schemeClr val="bg1"/>
+                  </a:solidFill>
+                </a:rPr>
+                <a:t>External Internet</a:t>
+              </a:r>
+              <a:endParaRPr lang="ar-SA" dirty="0">
+                <a:solidFill>
+                  <a:schemeClr val="bg1"/>
+                </a:solidFill>
+              </a:endParaRPr>
+            </a:p>
+          </p:txBody>
+        </p:sp>
+        <p:cxnSp>
+          <p:nvCxnSpPr>
+            <p:cNvPr id="82" name="Straight Connector 81">
+              <a:extLst>
+                <a:ext uri="{FF2B5EF4-FFF2-40B4-BE49-F238E27FC236}">
+                  <a16:creationId xmlns:a16="http://schemas.microsoft.com/office/drawing/2014/main" id="{2D792FF4-03E0-4CD1-9ED6-730460594B34}"/>
+                </a:ext>
+              </a:extLst>
+            </p:cNvPr>
+            <p:cNvCxnSpPr/>
+            <p:nvPr/>
+          </p:nvCxnSpPr>
+          <p:spPr>
+            <a:xfrm flipH="1">
+              <a:off x="1259632" y="3166939"/>
+              <a:ext cx="720000" cy="0"/>
+            </a:xfrm>
+            <a:prstGeom prst="line">
+              <a:avLst/>
+            </a:prstGeom>
+            <a:ln>
+              <a:solidFill>
+                <a:schemeClr val="bg1">
+                  <a:lumMod val="75000"/>
+                </a:schemeClr>
+              </a:solidFill>
+            </a:ln>
+          </p:spPr>
+          <p:style>
+            <a:lnRef idx="1">
+              <a:schemeClr val="accent1"/>
+            </a:lnRef>
+            <a:fillRef idx="0">
+              <a:schemeClr val="accent1"/>
+            </a:fillRef>
+            <a:effectRef idx="0">
+              <a:schemeClr val="accent1"/>
+            </a:effectRef>
+            <a:fontRef idx="minor">
+              <a:schemeClr val="tx1"/>
+            </a:fontRef>
+          </p:style>
+        </p:cxnSp>
+        <p:cxnSp>
+          <p:nvCxnSpPr>
+            <p:cNvPr id="89" name="Straight Connector 88">
+              <a:extLst>
+                <a:ext uri="{FF2B5EF4-FFF2-40B4-BE49-F238E27FC236}">
+                  <a16:creationId xmlns:a16="http://schemas.microsoft.com/office/drawing/2014/main" id="{D6952DF4-B21F-406B-9EBB-26871D05E119}"/>
+                </a:ext>
+              </a:extLst>
+            </p:cNvPr>
+            <p:cNvCxnSpPr/>
+            <p:nvPr/>
+          </p:nvCxnSpPr>
+          <p:spPr>
+            <a:xfrm>
+              <a:off x="827584" y="2657040"/>
+              <a:ext cx="0" cy="324000"/>
+            </a:xfrm>
+            <a:prstGeom prst="line">
+              <a:avLst/>
+            </a:prstGeom>
+          </p:spPr>
+          <p:style>
+            <a:lnRef idx="1">
+              <a:schemeClr val="accent1"/>
+            </a:lnRef>
+            <a:fillRef idx="0">
+              <a:schemeClr val="accent1"/>
+            </a:fillRef>
+            <a:effectRef idx="0">
+              <a:schemeClr val="accent1"/>
+            </a:effectRef>
+            <a:fontRef idx="minor">
+              <a:schemeClr val="tx1"/>
+            </a:fontRef>
+          </p:style>
+        </p:cxnSp>
+        <p:sp>
+          <p:nvSpPr>
+            <p:cNvPr id="91" name="TextBox 90">
+              <a:extLst>
+                <a:ext uri="{FF2B5EF4-FFF2-40B4-BE49-F238E27FC236}">
+                  <a16:creationId xmlns:a16="http://schemas.microsoft.com/office/drawing/2014/main" id="{32C6CFF6-36E3-4BAC-BB0B-D04C5A4C5C14}"/>
+                </a:ext>
+              </a:extLst>
+            </p:cNvPr>
+            <p:cNvSpPr txBox="1"/>
+            <p:nvPr/>
+          </p:nvSpPr>
+          <p:spPr>
+            <a:xfrm rot="5400000">
+              <a:off x="138103" y="4703863"/>
+              <a:ext cx="2028774" cy="646331"/>
+            </a:xfrm>
+            <a:prstGeom prst="rect">
+              <a:avLst/>
+            </a:prstGeom>
+            <a:noFill/>
+          </p:spPr>
+          <p:txBody>
+            <a:bodyPr wrap="square" rtlCol="1">
+              <a:spAutoFit/>
+            </a:bodyPr>
+            <a:lstStyle/>
+            <a:p>
+              <a:pPr algn="r"/>
+              <a:r>
+                <a:rPr lang="en-US" dirty="0">
+                  <a:solidFill>
+                    <a:schemeClr val="bg1">
+                      <a:lumMod val="75000"/>
+                    </a:schemeClr>
+                  </a:solidFill>
+                </a:rPr>
+                <a:t>ens33</a:t>
+              </a:r>
+            </a:p>
+            <a:p>
+              <a:pPr algn="r"/>
+              <a:r>
+                <a:rPr lang="en-US" dirty="0">
+                  <a:solidFill>
+                    <a:schemeClr val="bg1">
+                      <a:lumMod val="75000"/>
+                    </a:schemeClr>
+                  </a:solidFill>
+                </a:rPr>
+                <a:t>192.168.75.1/24</a:t>
+              </a:r>
+            </a:p>
+          </p:txBody>
+        </p:sp>
+        <p:sp>
+          <p:nvSpPr>
+            <p:cNvPr id="93" name="TextBox 92">
+              <a:extLst>
+                <a:ext uri="{FF2B5EF4-FFF2-40B4-BE49-F238E27FC236}">
+                  <a16:creationId xmlns:a16="http://schemas.microsoft.com/office/drawing/2014/main" id="{613876D5-8478-476B-81D0-8AAB2FE4C53B}"/>
+                </a:ext>
+              </a:extLst>
+            </p:cNvPr>
+            <p:cNvSpPr txBox="1"/>
+            <p:nvPr/>
+          </p:nvSpPr>
+          <p:spPr>
+            <a:xfrm rot="16200000">
+              <a:off x="693994" y="1590022"/>
+              <a:ext cx="2028774" cy="646331"/>
+            </a:xfrm>
+            <a:prstGeom prst="rect">
+              <a:avLst/>
+            </a:prstGeom>
+            <a:noFill/>
+            <a:ln>
+              <a:noFill/>
+            </a:ln>
+          </p:spPr>
+          <p:txBody>
+            <a:bodyPr wrap="square" rtlCol="1">
+              <a:spAutoFit/>
+            </a:bodyPr>
+            <a:lstStyle/>
+            <a:p>
+              <a:pPr algn="r"/>
+              <a:r>
+                <a:rPr lang="en-US" dirty="0">
+                  <a:solidFill>
+                    <a:schemeClr val="bg1">
+                      <a:lumMod val="85000"/>
+                    </a:schemeClr>
+                  </a:solidFill>
+                </a:rPr>
+                <a:t>ens38</a:t>
+              </a:r>
+            </a:p>
+            <a:p>
+              <a:pPr algn="r"/>
+              <a:r>
+                <a:rPr lang="en-US" dirty="0">
+                  <a:solidFill>
+                    <a:schemeClr val="bg1">
+                      <a:lumMod val="85000"/>
+                    </a:schemeClr>
+                  </a:solidFill>
+                </a:rPr>
+                <a:t>10.0.0.0/24</a:t>
+              </a:r>
+            </a:p>
+          </p:txBody>
+        </p:sp>
+        <p:grpSp>
+          <p:nvGrpSpPr>
+            <p:cNvPr id="70" name="Group 69">
+              <a:extLst>
+                <a:ext uri="{FF2B5EF4-FFF2-40B4-BE49-F238E27FC236}">
+                  <a16:creationId xmlns:a16="http://schemas.microsoft.com/office/drawing/2014/main" id="{4DB0822B-1B64-4395-AAF2-4B6F0EBEACB1}"/>
+                </a:ext>
+              </a:extLst>
+            </p:cNvPr>
+            <p:cNvGrpSpPr/>
+            <p:nvPr/>
+          </p:nvGrpSpPr>
+          <p:grpSpPr>
+            <a:xfrm>
+              <a:off x="3419877" y="4725144"/>
+              <a:ext cx="576059" cy="360000"/>
+              <a:chOff x="1259636" y="3567756"/>
+              <a:chExt cx="1109346" cy="868844"/>
+            </a:xfrm>
+          </p:grpSpPr>
+          <p:sp>
+            <p:nvSpPr>
+              <p:cNvPr id="75" name="Flowchart: Direct Access Storage 74">
+                <a:extLst>
+                  <a:ext uri="{FF2B5EF4-FFF2-40B4-BE49-F238E27FC236}">
+                    <a16:creationId xmlns:a16="http://schemas.microsoft.com/office/drawing/2014/main" id="{5F2E3110-E93A-4E8B-84B5-D0C1D6FF3885}"/>
+                  </a:ext>
+                </a:extLst>
+              </p:cNvPr>
+              <p:cNvSpPr/>
+              <p:nvPr/>
+            </p:nvSpPr>
+            <p:spPr>
+              <a:xfrm rot="16200000">
+                <a:off x="1718936" y="3108456"/>
+                <a:ext cx="177232" cy="1095832"/>
+              </a:xfrm>
+              <a:prstGeom prst="flowChartMagneticDrum">
+                <a:avLst/>
+              </a:prstGeom>
+              <a:ln/>
+            </p:spPr>
+            <p:style>
+              <a:lnRef idx="2">
+                <a:schemeClr val="accent1"/>
+              </a:lnRef>
+              <a:fillRef idx="1">
+                <a:schemeClr val="lt1"/>
+              </a:fillRef>
+              <a:effectRef idx="0">
+                <a:schemeClr val="accent1"/>
+              </a:effectRef>
+              <a:fontRef idx="minor">
+                <a:schemeClr val="dk1"/>
+              </a:fontRef>
+            </p:style>
+            <p:txBody>
+              <a:bodyPr rtlCol="1" anchor="ctr"/>
+              <a:lstStyle/>
+              <a:p>
+                <a:pPr algn="ctr"/>
+                <a:endParaRPr lang="ar-SA"/>
+              </a:p>
+            </p:txBody>
+          </p:sp>
+          <p:sp>
+            <p:nvSpPr>
+              <p:cNvPr id="78" name="Flowchart: Direct Access Storage 77">
+                <a:extLst>
+                  <a:ext uri="{FF2B5EF4-FFF2-40B4-BE49-F238E27FC236}">
+                    <a16:creationId xmlns:a16="http://schemas.microsoft.com/office/drawing/2014/main" id="{D0759D55-1C35-415C-B5AD-C03EEBA82903}"/>
+                  </a:ext>
+                </a:extLst>
+              </p:cNvPr>
+              <p:cNvSpPr/>
+              <p:nvPr/>
+            </p:nvSpPr>
+            <p:spPr>
+              <a:xfrm rot="16200000">
+                <a:off x="1731816" y="3461424"/>
+                <a:ext cx="177226" cy="1095836"/>
+              </a:xfrm>
+              <a:prstGeom prst="flowChartMagneticDrum">
+                <a:avLst/>
+              </a:prstGeom>
+              <a:ln/>
+            </p:spPr>
+            <p:style>
+              <a:lnRef idx="2">
+                <a:schemeClr val="accent1"/>
+              </a:lnRef>
+              <a:fillRef idx="1">
+                <a:schemeClr val="lt1"/>
+              </a:fillRef>
+              <a:effectRef idx="0">
+                <a:schemeClr val="accent1"/>
+              </a:effectRef>
+              <a:fontRef idx="minor">
+                <a:schemeClr val="dk1"/>
+              </a:fontRef>
+            </p:style>
+            <p:txBody>
+              <a:bodyPr rtlCol="1" anchor="ctr"/>
+              <a:lstStyle/>
+              <a:p>
+                <a:pPr algn="ctr"/>
+                <a:endParaRPr lang="ar-SA" dirty="0"/>
+              </a:p>
+            </p:txBody>
+          </p:sp>
+          <p:sp>
+            <p:nvSpPr>
+              <p:cNvPr id="79" name="Flowchart: Direct Access Storage 78">
+                <a:extLst>
+                  <a:ext uri="{FF2B5EF4-FFF2-40B4-BE49-F238E27FC236}">
+                    <a16:creationId xmlns:a16="http://schemas.microsoft.com/office/drawing/2014/main" id="{2ED74F2F-F78A-4EEA-B6F0-E213239528A3}"/>
+                  </a:ext>
+                </a:extLst>
+              </p:cNvPr>
+              <p:cNvSpPr/>
+              <p:nvPr/>
+            </p:nvSpPr>
+            <p:spPr>
+              <a:xfrm rot="16200000">
+                <a:off x="1732451" y="3800068"/>
+                <a:ext cx="177228" cy="1095835"/>
+              </a:xfrm>
+              <a:prstGeom prst="flowChartMagneticDrum">
+                <a:avLst/>
+              </a:prstGeom>
+              <a:ln/>
+            </p:spPr>
+            <p:style>
+              <a:lnRef idx="2">
+                <a:schemeClr val="accent1"/>
+              </a:lnRef>
+              <a:fillRef idx="1">
+                <a:schemeClr val="lt1"/>
+              </a:fillRef>
+              <a:effectRef idx="0">
+                <a:schemeClr val="accent1"/>
+              </a:effectRef>
+              <a:fontRef idx="minor">
+                <a:schemeClr val="dk1"/>
+              </a:fontRef>
+            </p:style>
+            <p:txBody>
+              <a:bodyPr rtlCol="1" anchor="ctr"/>
+              <a:lstStyle/>
+              <a:p>
+                <a:pPr algn="ctr"/>
+                <a:endParaRPr lang="ar-SA"/>
+              </a:p>
+            </p:txBody>
+          </p:sp>
+        </p:grpSp>
+      </p:grpSp>
+    </p:spTree>
+    <p:extLst>
+      <p:ext uri="{BB962C8B-B14F-4D97-AF65-F5344CB8AC3E}">
+        <p14:creationId xmlns:p14="http://schemas.microsoft.com/office/powerpoint/2010/main" val="908279321"/>
+      </p:ext>
+    </p:extLst>
+  </p:cSld>
+  <p:clrMapOvr>
+    <a:masterClrMapping/>
+  </p:clrMapOvr>
+</p:sld>
+</file>
+
+<file path=ppt/slides/slide26.xml><?xml version="1.0" encoding="utf-8"?>
 <p:sld xmlns:a="http://schemas.openxmlformats.org/drawingml/2006/main" xmlns:r="http://schemas.openxmlformats.org/officeDocument/2006/relationships" xmlns:p="http://schemas.openxmlformats.org/presentationml/2006/main">
   <p:cSld>
     <p:spTree>
@@ -26953,7 +26662,7 @@
 </p:sld>
 </file>
 
-<file path=ppt/slides/slide28.xml><?xml version="1.0" encoding="utf-8"?>
+<file path=ppt/slides/slide27.xml><?xml version="1.0" encoding="utf-8"?>
 <p:sld xmlns:a="http://schemas.openxmlformats.org/drawingml/2006/main" xmlns:r="http://schemas.openxmlformats.org/officeDocument/2006/relationships" xmlns:p="http://schemas.openxmlformats.org/presentationml/2006/main">
   <p:cSld>
     <p:spTree>
@@ -26980,7 +26689,7 @@
         </p:nvSpPr>
         <p:spPr>
           <a:xfrm>
-            <a:off x="225766" y="1088919"/>
+            <a:off x="130631" y="476672"/>
             <a:ext cx="8090650" cy="582526"/>
           </a:xfrm>
           <a:prstGeom prst="rect">
@@ -27040,7 +26749,7 @@
         </p:nvSpPr>
         <p:spPr>
           <a:xfrm>
-            <a:off x="1439652" y="2940384"/>
+            <a:off x="1547664" y="2169747"/>
             <a:ext cx="6264696" cy="1200329"/>
           </a:xfrm>
           <a:prstGeom prst="rect">
@@ -27175,8 +26884,8 @@
         </p:nvSpPr>
         <p:spPr bwMode="auto">
           <a:xfrm>
-            <a:off x="645535" y="2926341"/>
-            <a:ext cx="758113" cy="1399374"/>
+            <a:off x="922719" y="2198226"/>
+            <a:ext cx="518962" cy="1211355"/>
           </a:xfrm>
           <a:prstGeom prst="roundRect">
             <a:avLst/>
@@ -27237,8 +26946,8 @@
         </p:blipFill>
         <p:spPr bwMode="auto">
           <a:xfrm>
-            <a:off x="7380312" y="5409652"/>
-            <a:ext cx="1512168" cy="1251319"/>
+            <a:off x="7945412" y="5877272"/>
+            <a:ext cx="947068" cy="783699"/>
           </a:xfrm>
           <a:prstGeom prst="rect">
             <a:avLst/>
@@ -27255,10 +26964,451 @@
           </a:extLst>
         </p:spPr>
       </p:pic>
+      <p:pic>
+        <p:nvPicPr>
+          <p:cNvPr id="3" name="Picture 2">
+            <a:extLst>
+              <a:ext uri="{FF2B5EF4-FFF2-40B4-BE49-F238E27FC236}">
+                <a16:creationId xmlns:a16="http://schemas.microsoft.com/office/drawing/2014/main" id="{C1415BEE-E48B-4BF4-A2DF-5B4A0AB654BC}"/>
+              </a:ext>
+            </a:extLst>
+          </p:cNvPr>
+          <p:cNvPicPr>
+            <a:picLocks noChangeAspect="1"/>
+          </p:cNvPicPr>
+          <p:nvPr/>
+        </p:nvPicPr>
+        <p:blipFill>
+          <a:blip r:embed="rId3"/>
+          <a:stretch>
+            <a:fillRect/>
+          </a:stretch>
+        </p:blipFill>
+        <p:spPr>
+          <a:xfrm>
+            <a:off x="130631" y="3933056"/>
+            <a:ext cx="8905865" cy="1427379"/>
+          </a:xfrm>
+          <a:prstGeom prst="rect">
+            <a:avLst/>
+          </a:prstGeom>
+        </p:spPr>
+      </p:pic>
     </p:spTree>
     <p:extLst>
       <p:ext uri="{BB962C8B-B14F-4D97-AF65-F5344CB8AC3E}">
         <p14:creationId xmlns:p14="http://schemas.microsoft.com/office/powerpoint/2010/main" val="1029998946"/>
+      </p:ext>
+    </p:extLst>
+  </p:cSld>
+  <p:clrMapOvr>
+    <a:masterClrMapping/>
+  </p:clrMapOvr>
+  <mc:AlternateContent xmlns:mc="http://schemas.openxmlformats.org/markup-compatibility/2006" xmlns:p14="http://schemas.microsoft.com/office/powerpoint/2010/main">
+    <mc:Choice Requires="p14">
+      <p:transition spd="med" p14:dur="700">
+        <p:fade/>
+      </p:transition>
+    </mc:Choice>
+    <mc:Fallback xmlns="">
+      <p:transition spd="med">
+        <p:fade/>
+      </p:transition>
+    </mc:Fallback>
+  </mc:AlternateContent>
+</p:sld>
+</file>
+
+<file path=ppt/slides/slide28.xml><?xml version="1.0" encoding="utf-8"?>
+<p:sld xmlns:a="http://schemas.openxmlformats.org/drawingml/2006/main" xmlns:r="http://schemas.openxmlformats.org/officeDocument/2006/relationships" xmlns:p="http://schemas.openxmlformats.org/presentationml/2006/main">
+  <p:cSld>
+    <p:spTree>
+      <p:nvGrpSpPr>
+        <p:cNvPr id="1" name=""/>
+        <p:cNvGrpSpPr/>
+        <p:nvPr/>
+      </p:nvGrpSpPr>
+      <p:grpSpPr>
+        <a:xfrm>
+          <a:off x="0" y="0"/>
+          <a:ext cx="0" cy="0"/>
+          <a:chOff x="0" y="0"/>
+          <a:chExt cx="0" cy="0"/>
+        </a:xfrm>
+      </p:grpSpPr>
+      <p:sp>
+        <p:nvSpPr>
+          <p:cNvPr id="15" name="Title 1"/>
+          <p:cNvSpPr txBox="1">
+            <a:spLocks/>
+          </p:cNvSpPr>
+          <p:nvPr/>
+        </p:nvSpPr>
+        <p:spPr>
+          <a:xfrm>
+            <a:off x="526675" y="322074"/>
+            <a:ext cx="8090650" cy="582526"/>
+          </a:xfrm>
+          <a:prstGeom prst="rect">
+            <a:avLst/>
+          </a:prstGeom>
+        </p:spPr>
+        <p:txBody>
+          <a:bodyPr/>
+          <a:lstStyle>
+            <a:lvl1pPr algn="ctr" defTabSz="914400" rtl="0" eaLnBrk="1" latinLnBrk="0" hangingPunct="1">
+              <a:lnSpc>
+                <a:spcPct val="90000"/>
+              </a:lnSpc>
+              <a:spcBef>
+                <a:spcPct val="0"/>
+              </a:spcBef>
+              <a:buNone/>
+              <a:defRPr sz="4800" b="0" i="0" kern="1200">
+                <a:solidFill>
+                  <a:schemeClr val="tx1"/>
+                </a:solidFill>
+                <a:latin typeface="SF UI Display Thin" charset="0"/>
+                <a:ea typeface="SF UI Display Thin" charset="0"/>
+                <a:cs typeface="SF UI Display Thin" charset="0"/>
+              </a:defRPr>
+            </a:lvl1pPr>
+          </a:lstStyle>
+          <a:p>
+            <a:pPr>
+              <a:lnSpc>
+                <a:spcPct val="100000"/>
+              </a:lnSpc>
+              <a:tabLst>
+                <a:tab pos="4394200" algn="l"/>
+              </a:tabLst>
+            </a:pPr>
+            <a:r>
+              <a:rPr lang="en-US" dirty="0">
+                <a:latin typeface="+mn-lt"/>
+              </a:rPr>
+              <a:t>Host File</a:t>
+            </a:r>
+          </a:p>
+        </p:txBody>
+      </p:sp>
+      <p:sp>
+        <p:nvSpPr>
+          <p:cNvPr id="16" name="TextBox 15">
+            <a:extLst>
+              <a:ext uri="{FF2B5EF4-FFF2-40B4-BE49-F238E27FC236}">
+                <a16:creationId xmlns:a16="http://schemas.microsoft.com/office/drawing/2014/main" id="{83D27CC6-1D62-4716-A87D-21283A72FBC7}"/>
+              </a:ext>
+            </a:extLst>
+          </p:cNvPr>
+          <p:cNvSpPr txBox="1"/>
+          <p:nvPr/>
+        </p:nvSpPr>
+        <p:spPr>
+          <a:xfrm>
+            <a:off x="1475656" y="1305341"/>
+            <a:ext cx="5040560" cy="3970318"/>
+          </a:xfrm>
+          <a:prstGeom prst="rect">
+            <a:avLst/>
+          </a:prstGeom>
+          <a:noFill/>
+        </p:spPr>
+        <p:txBody>
+          <a:bodyPr wrap="square">
+            <a:spAutoFit/>
+          </a:bodyPr>
+          <a:lstStyle/>
+          <a:p>
+            <a:pPr marL="285750" indent="-285750" algn="l" rtl="0">
+              <a:buFont typeface="Century Gothic" panose="020B0502020202020204" pitchFamily="34" charset="0"/>
+              <a:buChar char="►"/>
+            </a:pPr>
+            <a:r>
+              <a:rPr lang="en-US" i="0" dirty="0">
+                <a:solidFill>
+                  <a:schemeClr val="tx1"/>
+                </a:solidFill>
+              </a:rPr>
+              <a:t>VMware </a:t>
+            </a:r>
+          </a:p>
+          <a:p>
+            <a:pPr lvl="1" algn="l" rtl="0"/>
+            <a:r>
+              <a:rPr lang="en-US" i="0" dirty="0">
+                <a:solidFill>
+                  <a:schemeClr val="tx1"/>
+                </a:solidFill>
+              </a:rPr>
+              <a:t>192.168.75.11 vm1</a:t>
+            </a:r>
+          </a:p>
+          <a:p>
+            <a:pPr lvl="1" algn="l" rtl="0"/>
+            <a:r>
+              <a:rPr lang="en-US" i="0" dirty="0">
+                <a:solidFill>
+                  <a:schemeClr val="tx1"/>
+                </a:solidFill>
+              </a:rPr>
+              <a:t>192.168.75.12 vm2</a:t>
+            </a:r>
+          </a:p>
+          <a:p>
+            <a:pPr lvl="1" algn="l" rtl="0"/>
+            <a:r>
+              <a:rPr lang="en-US" i="0" dirty="0">
+                <a:solidFill>
+                  <a:schemeClr val="tx1"/>
+                </a:solidFill>
+              </a:rPr>
+              <a:t>192.168.75.13 vm3</a:t>
+            </a:r>
+          </a:p>
+          <a:p>
+            <a:pPr marL="285750" indent="-285750" algn="l" rtl="0">
+              <a:buFont typeface="Century Gothic" panose="020B0502020202020204" pitchFamily="34" charset="0"/>
+              <a:buChar char="►"/>
+            </a:pPr>
+            <a:r>
+              <a:rPr lang="en-US" i="0" dirty="0">
+                <a:solidFill>
+                  <a:schemeClr val="tx1"/>
+                </a:solidFill>
+              </a:rPr>
+              <a:t>VMware GlusterFS</a:t>
+            </a:r>
+          </a:p>
+          <a:p>
+            <a:pPr lvl="1" algn="l" rtl="0"/>
+            <a:r>
+              <a:rPr lang="en-US" i="0" dirty="0">
+                <a:solidFill>
+                  <a:schemeClr val="tx1"/>
+                </a:solidFill>
+              </a:rPr>
+              <a:t>10.0.0.11 vm1g</a:t>
+            </a:r>
+          </a:p>
+          <a:p>
+            <a:pPr lvl="1" algn="l" rtl="0"/>
+            <a:r>
+              <a:rPr lang="en-US" i="0" dirty="0">
+                <a:solidFill>
+                  <a:schemeClr val="tx1"/>
+                </a:solidFill>
+              </a:rPr>
+              <a:t>10.0.0.12 vm2g</a:t>
+            </a:r>
+          </a:p>
+          <a:p>
+            <a:pPr lvl="1" algn="l" rtl="0"/>
+            <a:r>
+              <a:rPr lang="en-US" i="0" dirty="0">
+                <a:solidFill>
+                  <a:schemeClr val="tx1"/>
+                </a:solidFill>
+              </a:rPr>
+              <a:t>10.0.0.13 vm3g</a:t>
+            </a:r>
+          </a:p>
+          <a:p>
+            <a:pPr marL="285750" indent="-285750" algn="l" rtl="0">
+              <a:buFont typeface="Century Gothic" panose="020B0502020202020204" pitchFamily="34" charset="0"/>
+              <a:buChar char="►"/>
+            </a:pPr>
+            <a:r>
+              <a:rPr lang="en-US" dirty="0"/>
+              <a:t>services</a:t>
+            </a:r>
+            <a:endParaRPr lang="en-US" i="0" dirty="0">
+              <a:solidFill>
+                <a:schemeClr val="tx1"/>
+              </a:solidFill>
+            </a:endParaRPr>
+          </a:p>
+          <a:p>
+            <a:pPr lvl="1" algn="l" rtl="0"/>
+            <a:r>
+              <a:rPr lang="en-US" i="0" dirty="0">
+                <a:solidFill>
+                  <a:schemeClr val="tx1"/>
+                </a:solidFill>
+              </a:rPr>
+              <a:t>192.168.75.11 vm1 </a:t>
+            </a:r>
+            <a:r>
+              <a:rPr lang="en-US" i="0" dirty="0" err="1">
+                <a:solidFill>
+                  <a:schemeClr val="tx1"/>
+                </a:solidFill>
+              </a:rPr>
+              <a:t>joom</a:t>
+            </a:r>
+            <a:r>
+              <a:rPr lang="en-US" dirty="0" err="1"/>
+              <a:t>la.local</a:t>
+            </a:r>
+            <a:endParaRPr lang="en-US" i="0" dirty="0">
+              <a:solidFill>
+                <a:schemeClr val="tx1"/>
+              </a:solidFill>
+            </a:endParaRPr>
+          </a:p>
+          <a:p>
+            <a:pPr lvl="1" algn="l" rtl="0"/>
+            <a:r>
+              <a:rPr lang="en-US" i="0" dirty="0">
+                <a:solidFill>
+                  <a:schemeClr val="tx1"/>
+                </a:solidFill>
+              </a:rPr>
+              <a:t>192.168.75.11 vm1 </a:t>
+            </a:r>
+            <a:r>
+              <a:rPr lang="en-US" i="0" dirty="0" err="1">
+                <a:solidFill>
+                  <a:schemeClr val="tx1"/>
+                </a:solidFill>
+              </a:rPr>
+              <a:t>managedb.joomla.local</a:t>
+            </a:r>
+            <a:endParaRPr lang="en-US" i="0" dirty="0">
+              <a:solidFill>
+                <a:schemeClr val="tx1"/>
+              </a:solidFill>
+            </a:endParaRPr>
+          </a:p>
+          <a:p>
+            <a:pPr lvl="1" algn="l" rtl="0"/>
+            <a:r>
+              <a:rPr lang="en-US" i="0" dirty="0">
+                <a:solidFill>
+                  <a:schemeClr val="tx1"/>
+                </a:solidFill>
+              </a:rPr>
+              <a:t>192.168.75.11 vm1 </a:t>
+            </a:r>
+            <a:r>
+              <a:rPr lang="en-US" dirty="0" err="1"/>
+              <a:t>p</a:t>
+            </a:r>
+            <a:r>
+              <a:rPr lang="en-US" i="0" dirty="0" err="1">
+                <a:solidFill>
+                  <a:schemeClr val="tx1"/>
+                </a:solidFill>
+              </a:rPr>
+              <a:t>rometheus.joomla.local</a:t>
+            </a:r>
+            <a:endParaRPr lang="en-US" i="0" dirty="0">
+              <a:solidFill>
+                <a:schemeClr val="tx1"/>
+              </a:solidFill>
+            </a:endParaRPr>
+          </a:p>
+          <a:p>
+            <a:pPr lvl="1" algn="l" rtl="0"/>
+            <a:r>
+              <a:rPr lang="en-US" i="0" dirty="0">
+                <a:solidFill>
+                  <a:schemeClr val="tx1"/>
+                </a:solidFill>
+              </a:rPr>
+              <a:t>192.168.75.11 vm1 </a:t>
+            </a:r>
+            <a:r>
+              <a:rPr lang="en-US" i="0" dirty="0" err="1">
+                <a:solidFill>
+                  <a:schemeClr val="tx1"/>
+                </a:solidFill>
+              </a:rPr>
+              <a:t>monitor.joomla.local</a:t>
+            </a:r>
+            <a:endParaRPr lang="en-US" i="0" dirty="0">
+              <a:solidFill>
+                <a:schemeClr val="tx1"/>
+              </a:solidFill>
+            </a:endParaRPr>
+          </a:p>
+          <a:p>
+            <a:pPr lvl="1" algn="l" rtl="0"/>
+            <a:r>
+              <a:rPr lang="en-US" i="0" dirty="0">
+                <a:solidFill>
+                  <a:schemeClr val="tx1"/>
+                </a:solidFill>
+              </a:rPr>
+              <a:t>192.168.75.11 vm1 </a:t>
+            </a:r>
+            <a:r>
+              <a:rPr lang="en-US" i="0" dirty="0" err="1">
+                <a:solidFill>
+                  <a:schemeClr val="tx1"/>
+                </a:solidFill>
+              </a:rPr>
+              <a:t>map.joomla.local</a:t>
+            </a:r>
+            <a:endParaRPr lang="en-US" i="0" dirty="0">
+              <a:solidFill>
+                <a:schemeClr val="tx1"/>
+              </a:solidFill>
+            </a:endParaRPr>
+          </a:p>
+        </p:txBody>
+      </p:sp>
+      <p:pic>
+        <p:nvPicPr>
+          <p:cNvPr id="7180" name="Picture 12" descr="Windows 10 Icon Png #86524 - Free Icons Library">
+            <a:extLst>
+              <a:ext uri="{FF2B5EF4-FFF2-40B4-BE49-F238E27FC236}">
+                <a16:creationId xmlns:a16="http://schemas.microsoft.com/office/drawing/2014/main" id="{47A67049-1C97-4F23-AE9F-0B5FD2FC80B7}"/>
+              </a:ext>
+            </a:extLst>
+          </p:cNvPr>
+          <p:cNvPicPr>
+            <a:picLocks noChangeAspect="1" noChangeArrowheads="1"/>
+          </p:cNvPicPr>
+          <p:nvPr/>
+        </p:nvPicPr>
+        <p:blipFill>
+          <a:blip r:embed="rId2" cstate="print">
+            <a:extLst>
+              <a:ext uri="{28A0092B-C50C-407E-A947-70E740481C1C}">
+                <a14:useLocalDpi xmlns:a14="http://schemas.microsoft.com/office/drawing/2010/main" val="0"/>
+              </a:ext>
+            </a:extLst>
+          </a:blip>
+          <a:srcRect/>
+          <a:stretch>
+            <a:fillRect/>
+          </a:stretch>
+        </p:blipFill>
+        <p:spPr bwMode="auto">
+          <a:xfrm>
+            <a:off x="7956376" y="5552658"/>
+            <a:ext cx="1124744" cy="1124744"/>
+          </a:xfrm>
+          <a:prstGeom prst="rect">
+            <a:avLst/>
+          </a:prstGeom>
+          <a:noFill/>
+          <a:extLst>
+            <a:ext uri="{909E8E84-426E-40DD-AFC4-6F175D3DCCD1}">
+              <a14:hiddenFill xmlns:a14="http://schemas.microsoft.com/office/drawing/2010/main">
+                <a:solidFill>
+                  <a:srgbClr val="FFFFFF"/>
+                </a:solidFill>
+              </a14:hiddenFill>
+            </a:ext>
+          </a:extLst>
+        </p:spPr>
+      </p:pic>
+    </p:spTree>
+    <p:extLst>
+      <p:ext uri="{BB962C8B-B14F-4D97-AF65-F5344CB8AC3E}">
+        <p14:creationId xmlns:p14="http://schemas.microsoft.com/office/powerpoint/2010/main" val="556472157"/>
       </p:ext>
     </p:extLst>
   </p:cSld>
@@ -28964,12 +29114,12 @@
             <a:p>
               <a:pPr algn="ctr"/>
               <a:r>
-                <a:rPr lang="en-US" dirty="0" err="1">
+                <a:rPr lang="en-US" dirty="0">
                   <a:solidFill>
                     <a:schemeClr val="tx1"/>
                   </a:solidFill>
                 </a:rPr>
-                <a:t>Mointoring</a:t>
+                <a:t>Monitoring</a:t>
               </a:r>
               <a:endParaRPr lang="ar-SA" dirty="0">
                 <a:solidFill>
@@ -29377,7 +29527,23 @@
                     <a:schemeClr val="tx1"/>
                   </a:solidFill>
                 </a:rPr>
-                <a:t>Docker Swam         internet 192.168.200.0/24</a:t>
+                <a:t>Docker Swam         </a:t>
+              </a:r>
+              <a:r>
+                <a:rPr lang="en-US" dirty="0" err="1">
+                  <a:solidFill>
+                    <a:schemeClr val="tx1"/>
+                  </a:solidFill>
+                </a:rPr>
+                <a:t>intnet</a:t>
+              </a:r>
+              <a:r>
+                <a:rPr lang="en-US" dirty="0">
+                  <a:solidFill>
+                    <a:schemeClr val="tx1"/>
+                  </a:solidFill>
+                </a:rPr>
+                <a:t> 192.168.200.0/24</a:t>
               </a:r>
               <a:endParaRPr lang="ar-SA" dirty="0">
                 <a:solidFill>
@@ -34233,6 +34399,409 @@
       </p:grpSpPr>
       <p:sp>
         <p:nvSpPr>
+          <p:cNvPr id="6" name="Title 1">
+            <a:extLst>
+              <a:ext uri="{FF2B5EF4-FFF2-40B4-BE49-F238E27FC236}">
+                <a16:creationId xmlns:a16="http://schemas.microsoft.com/office/drawing/2014/main" id="{B3990B11-A89B-4B21-9E8C-87069B23E0EC}"/>
+              </a:ext>
+            </a:extLst>
+          </p:cNvPr>
+          <p:cNvSpPr txBox="1">
+            <a:spLocks/>
+          </p:cNvSpPr>
+          <p:nvPr/>
+        </p:nvSpPr>
+        <p:spPr>
+          <a:xfrm>
+            <a:off x="526675" y="548680"/>
+            <a:ext cx="8090650" cy="1080120"/>
+          </a:xfrm>
+          <a:prstGeom prst="rect">
+            <a:avLst/>
+          </a:prstGeom>
+        </p:spPr>
+        <p:txBody>
+          <a:bodyPr/>
+          <a:lstStyle>
+            <a:lvl1pPr algn="ctr" defTabSz="914400" rtl="0" eaLnBrk="1" latinLnBrk="0" hangingPunct="1">
+              <a:lnSpc>
+                <a:spcPct val="90000"/>
+              </a:lnSpc>
+              <a:spcBef>
+                <a:spcPct val="0"/>
+              </a:spcBef>
+              <a:buNone/>
+              <a:defRPr sz="4800" b="0" i="0" kern="1200">
+                <a:solidFill>
+                  <a:schemeClr val="tx1"/>
+                </a:solidFill>
+                <a:latin typeface="SF UI Display Thin" charset="0"/>
+                <a:ea typeface="SF UI Display Thin" charset="0"/>
+                <a:cs typeface="SF UI Display Thin" charset="0"/>
+              </a:defRPr>
+            </a:lvl1pPr>
+          </a:lstStyle>
+          <a:p>
+            <a:pPr algn="ctr" rtl="0">
+              <a:spcBef>
+                <a:spcPts val="0"/>
+              </a:spcBef>
+              <a:spcAft>
+                <a:spcPts val="0"/>
+              </a:spcAft>
+            </a:pPr>
+            <a:r>
+              <a:rPr lang="en-US" sz="4000" dirty="0">
+                <a:effectLst/>
+              </a:rPr>
+              <a:t>Load Balancing and Reverse Proxy</a:t>
+            </a:r>
+          </a:p>
+          <a:p>
+            <a:pPr algn="ctr" rtl="0">
+              <a:spcBef>
+                <a:spcPts val="0"/>
+              </a:spcBef>
+              <a:spcAft>
+                <a:spcPts val="0"/>
+              </a:spcAft>
+            </a:pPr>
+            <a:r>
+              <a:rPr lang="en-US" sz="2400" dirty="0">
+                <a:effectLst/>
+              </a:rPr>
+              <a:t>using </a:t>
+            </a:r>
+            <a:r>
+              <a:rPr lang="en-US" sz="2400" dirty="0" err="1">
+                <a:effectLst/>
+              </a:rPr>
+              <a:t>Traefik</a:t>
+            </a:r>
+            <a:endParaRPr lang="en-US" sz="2400" dirty="0">
+              <a:effectLst/>
+            </a:endParaRPr>
+          </a:p>
+        </p:txBody>
+      </p:sp>
+      <p:sp>
+        <p:nvSpPr>
+          <p:cNvPr id="8" name="TextBox 7">
+            <a:extLst>
+              <a:ext uri="{FF2B5EF4-FFF2-40B4-BE49-F238E27FC236}">
+                <a16:creationId xmlns:a16="http://schemas.microsoft.com/office/drawing/2014/main" id="{E4F4E334-9F3A-4132-B19A-5C89D746877F}"/>
+              </a:ext>
+            </a:extLst>
+          </p:cNvPr>
+          <p:cNvSpPr txBox="1"/>
+          <p:nvPr/>
+        </p:nvSpPr>
+        <p:spPr>
+          <a:xfrm>
+            <a:off x="935595" y="3444949"/>
+            <a:ext cx="7272808" cy="738664"/>
+          </a:xfrm>
+          <a:prstGeom prst="rect">
+            <a:avLst/>
+          </a:prstGeom>
+          <a:noFill/>
+        </p:spPr>
+        <p:txBody>
+          <a:bodyPr wrap="square">
+            <a:spAutoFit/>
+          </a:bodyPr>
+          <a:lstStyle/>
+          <a:p>
+            <a:pPr algn="ctr" rtl="0">
+              <a:spcBef>
+                <a:spcPts val="0"/>
+              </a:spcBef>
+              <a:spcAft>
+                <a:spcPts val="0"/>
+              </a:spcAft>
+            </a:pPr>
+            <a:r>
+              <a:rPr lang="en-US" sz="1400" dirty="0" err="1">
+                <a:effectLst/>
+              </a:rPr>
+              <a:t>Traefik</a:t>
+            </a:r>
+            <a:r>
+              <a:rPr lang="en-US" sz="1400" dirty="0">
+                <a:effectLst/>
+              </a:rPr>
+              <a:t>. </a:t>
+            </a:r>
+            <a:r>
+              <a:rPr lang="en-US" sz="1400" dirty="0" err="1">
+                <a:effectLst/>
+              </a:rPr>
+              <a:t>traefik.http.services.map.loadbalancer.server.port</a:t>
+            </a:r>
+            <a:r>
+              <a:rPr lang="en-US" sz="1400" dirty="0">
+                <a:effectLst/>
+              </a:rPr>
+              <a:t> = PORT</a:t>
+            </a:r>
+          </a:p>
+          <a:p>
+            <a:pPr algn="l" rtl="0">
+              <a:spcBef>
+                <a:spcPts val="0"/>
+              </a:spcBef>
+              <a:spcAft>
+                <a:spcPts val="0"/>
+              </a:spcAft>
+            </a:pPr>
+            <a:endParaRPr lang="en-US" sz="1400" dirty="0"/>
+          </a:p>
+          <a:p>
+            <a:pPr algn="l" rtl="0">
+              <a:spcBef>
+                <a:spcPts val="0"/>
+              </a:spcBef>
+              <a:spcAft>
+                <a:spcPts val="0"/>
+              </a:spcAft>
+            </a:pPr>
+            <a:endParaRPr lang="en-US" sz="1400" dirty="0">
+              <a:effectLst/>
+            </a:endParaRPr>
+          </a:p>
+        </p:txBody>
+      </p:sp>
+      <p:pic>
+        <p:nvPicPr>
+          <p:cNvPr id="2050" name="Picture 2">
+            <a:extLst>
+              <a:ext uri="{FF2B5EF4-FFF2-40B4-BE49-F238E27FC236}">
+                <a16:creationId xmlns:a16="http://schemas.microsoft.com/office/drawing/2014/main" id="{8A64787B-1A11-42BB-929A-CF16A990C838}"/>
+              </a:ext>
+            </a:extLst>
+          </p:cNvPr>
+          <p:cNvPicPr>
+            <a:picLocks noChangeAspect="1" noChangeArrowheads="1"/>
+          </p:cNvPicPr>
+          <p:nvPr/>
+        </p:nvPicPr>
+        <p:blipFill>
+          <a:blip r:embed="rId2" cstate="print">
+            <a:extLst>
+              <a:ext uri="{28A0092B-C50C-407E-A947-70E740481C1C}">
+                <a14:useLocalDpi xmlns:a14="http://schemas.microsoft.com/office/drawing/2010/main" val="0"/>
+              </a:ext>
+            </a:extLst>
+          </a:blip>
+          <a:srcRect/>
+          <a:stretch>
+            <a:fillRect/>
+          </a:stretch>
+        </p:blipFill>
+        <p:spPr bwMode="auto">
+          <a:xfrm>
+            <a:off x="7667761" y="5013176"/>
+            <a:ext cx="1081286" cy="1491429"/>
+          </a:xfrm>
+          <a:prstGeom prst="rect">
+            <a:avLst/>
+          </a:prstGeom>
+          <a:noFill/>
+          <a:extLst>
+            <a:ext uri="{909E8E84-426E-40DD-AFC4-6F175D3DCCD1}">
+              <a14:hiddenFill xmlns:a14="http://schemas.microsoft.com/office/drawing/2010/main">
+                <a:solidFill>
+                  <a:srgbClr val="FFFFFF"/>
+                </a:solidFill>
+              </a14:hiddenFill>
+            </a:ext>
+          </a:extLst>
+        </p:spPr>
+      </p:pic>
+      <p:sp>
+        <p:nvSpPr>
+          <p:cNvPr id="27" name="TextBox 26">
+            <a:extLst>
+              <a:ext uri="{FF2B5EF4-FFF2-40B4-BE49-F238E27FC236}">
+                <a16:creationId xmlns:a16="http://schemas.microsoft.com/office/drawing/2014/main" id="{5335FEBF-7EA9-4F55-83E3-1320ABBF2548}"/>
+              </a:ext>
+            </a:extLst>
+          </p:cNvPr>
+          <p:cNvSpPr txBox="1"/>
+          <p:nvPr/>
+        </p:nvSpPr>
+        <p:spPr>
+          <a:xfrm>
+            <a:off x="1040564" y="2492896"/>
+            <a:ext cx="7576761" cy="646331"/>
+          </a:xfrm>
+          <a:prstGeom prst="rect">
+            <a:avLst/>
+          </a:prstGeom>
+          <a:noFill/>
+        </p:spPr>
+        <p:txBody>
+          <a:bodyPr wrap="square">
+            <a:spAutoFit/>
+          </a:bodyPr>
+          <a:lstStyle/>
+          <a:p>
+            <a:pPr algn="l" rtl="0"/>
+            <a:r>
+              <a:rPr lang="en-US" sz="1800" b="0" i="0" dirty="0" err="1">
+                <a:effectLst/>
+              </a:rPr>
+              <a:t>Traefik</a:t>
+            </a:r>
+            <a:r>
+              <a:rPr lang="en-US" sz="1800" b="0" i="0" dirty="0">
+                <a:effectLst/>
+              </a:rPr>
+              <a:t> is a modern HTTP reverse proxy and load balancer that makes deploying microservices easy.</a:t>
+            </a:r>
+            <a:endParaRPr lang="en-IN" sz="1800" dirty="0"/>
+          </a:p>
+        </p:txBody>
+      </p:sp>
+    </p:spTree>
+    <p:extLst>
+      <p:ext uri="{BB962C8B-B14F-4D97-AF65-F5344CB8AC3E}">
+        <p14:creationId xmlns:p14="http://schemas.microsoft.com/office/powerpoint/2010/main" val="1485797756"/>
+      </p:ext>
+    </p:extLst>
+  </p:cSld>
+  <p:clrMapOvr>
+    <a:masterClrMapping/>
+  </p:clrMapOvr>
+</p:sld>
+</file>
+
+<file path=ppt/slides/slide37.xml><?xml version="1.0" encoding="utf-8"?>
+<p:sld xmlns:a="http://schemas.openxmlformats.org/drawingml/2006/main" xmlns:r="http://schemas.openxmlformats.org/officeDocument/2006/relationships" xmlns:p="http://schemas.openxmlformats.org/presentationml/2006/main">
+  <p:cSld>
+    <p:spTree>
+      <p:nvGrpSpPr>
+        <p:cNvPr id="1" name=""/>
+        <p:cNvGrpSpPr/>
+        <p:nvPr/>
+      </p:nvGrpSpPr>
+      <p:grpSpPr>
+        <a:xfrm>
+          <a:off x="0" y="0"/>
+          <a:ext cx="0" cy="0"/>
+          <a:chOff x="0" y="0"/>
+          <a:chExt cx="0" cy="0"/>
+        </a:xfrm>
+      </p:grpSpPr>
+      <p:pic>
+        <p:nvPicPr>
+          <p:cNvPr id="4" name="Picture 3">
+            <a:extLst>
+              <a:ext uri="{FF2B5EF4-FFF2-40B4-BE49-F238E27FC236}">
+                <a16:creationId xmlns:a16="http://schemas.microsoft.com/office/drawing/2014/main" id="{23BFEF39-9486-4A0F-A886-542595EEFB50}"/>
+              </a:ext>
+            </a:extLst>
+          </p:cNvPr>
+          <p:cNvPicPr>
+            <a:picLocks noChangeAspect="1"/>
+          </p:cNvPicPr>
+          <p:nvPr/>
+        </p:nvPicPr>
+        <p:blipFill>
+          <a:blip r:embed="rId2"/>
+          <a:stretch>
+            <a:fillRect/>
+          </a:stretch>
+        </p:blipFill>
+        <p:spPr>
+          <a:xfrm>
+            <a:off x="755576" y="692696"/>
+            <a:ext cx="7772356" cy="4371950"/>
+          </a:xfrm>
+          <a:prstGeom prst="rect">
+            <a:avLst/>
+          </a:prstGeom>
+        </p:spPr>
+      </p:pic>
+      <p:pic>
+        <p:nvPicPr>
+          <p:cNvPr id="6" name="Picture 2">
+            <a:extLst>
+              <a:ext uri="{FF2B5EF4-FFF2-40B4-BE49-F238E27FC236}">
+                <a16:creationId xmlns:a16="http://schemas.microsoft.com/office/drawing/2014/main" id="{D483A3B3-6AF4-41F4-AA3E-2035EABF073A}"/>
+              </a:ext>
+            </a:extLst>
+          </p:cNvPr>
+          <p:cNvPicPr>
+            <a:picLocks noChangeAspect="1" noChangeArrowheads="1"/>
+          </p:cNvPicPr>
+          <p:nvPr/>
+        </p:nvPicPr>
+        <p:blipFill>
+          <a:blip r:embed="rId3" cstate="print">
+            <a:extLst>
+              <a:ext uri="{28A0092B-C50C-407E-A947-70E740481C1C}">
+                <a14:useLocalDpi xmlns:a14="http://schemas.microsoft.com/office/drawing/2010/main" val="0"/>
+              </a:ext>
+            </a:extLst>
+          </a:blip>
+          <a:srcRect/>
+          <a:stretch>
+            <a:fillRect/>
+          </a:stretch>
+        </p:blipFill>
+        <p:spPr bwMode="auto">
+          <a:xfrm>
+            <a:off x="7884368" y="5360399"/>
+            <a:ext cx="958289" cy="1321778"/>
+          </a:xfrm>
+          <a:prstGeom prst="rect">
+            <a:avLst/>
+          </a:prstGeom>
+          <a:noFill/>
+          <a:extLst>
+            <a:ext uri="{909E8E84-426E-40DD-AFC4-6F175D3DCCD1}">
+              <a14:hiddenFill xmlns:a14="http://schemas.microsoft.com/office/drawing/2010/main">
+                <a:solidFill>
+                  <a:srgbClr val="FFFFFF"/>
+                </a:solidFill>
+              </a14:hiddenFill>
+            </a:ext>
+          </a:extLst>
+        </p:spPr>
+      </p:pic>
+    </p:spTree>
+    <p:extLst>
+      <p:ext uri="{BB962C8B-B14F-4D97-AF65-F5344CB8AC3E}">
+        <p14:creationId xmlns:p14="http://schemas.microsoft.com/office/powerpoint/2010/main" val="989105065"/>
+      </p:ext>
+    </p:extLst>
+  </p:cSld>
+  <p:clrMapOvr>
+    <a:masterClrMapping/>
+  </p:clrMapOvr>
+</p:sld>
+</file>
+
+<file path=ppt/slides/slide38.xml><?xml version="1.0" encoding="utf-8"?>
+<p:sld xmlns:a="http://schemas.openxmlformats.org/drawingml/2006/main" xmlns:r="http://schemas.openxmlformats.org/officeDocument/2006/relationships" xmlns:p="http://schemas.openxmlformats.org/presentationml/2006/main">
+  <p:cSld>
+    <p:spTree>
+      <p:nvGrpSpPr>
+        <p:cNvPr id="1" name=""/>
+        <p:cNvGrpSpPr/>
+        <p:nvPr/>
+      </p:nvGrpSpPr>
+      <p:grpSpPr>
+        <a:xfrm>
+          <a:off x="0" y="0"/>
+          <a:ext cx="0" cy="0"/>
+          <a:chOff x="0" y="0"/>
+          <a:chExt cx="0" cy="0"/>
+        </a:xfrm>
+      </p:grpSpPr>
+      <p:sp>
+        <p:nvSpPr>
           <p:cNvPr id="4" name="Title 1">
             <a:extLst>
               <a:ext uri="{FF2B5EF4-FFF2-40B4-BE49-F238E27FC236}">
@@ -34391,7 +34960,7 @@
                 </a:solidFill>
                 <a:cs typeface="Arial" panose="020B0604020202020204" pitchFamily="34" charset="0"/>
               </a:rPr>
-              <a:t>Node Cashes</a:t>
+              <a:t>Node Crashes</a:t>
             </a:r>
           </a:p>
           <a:p>
@@ -34439,7 +35008,7 @@
           <a:p>
             <a:pPr algn="l"/>
             <a:r>
-              <a:rPr lang="en-US" sz="1400" b="0" i="0" dirty="0" err="1">
+              <a:rPr lang="en-US" sz="1400" b="1" i="0" dirty="0" err="1">
                 <a:solidFill>
                   <a:schemeClr val="tx1">
                     <a:lumMod val="95000"/>
@@ -34452,7 +35021,7 @@
               <a:t>gluster</a:t>
             </a:r>
             <a:r>
-              <a:rPr lang="en-US" sz="1400" b="0" i="0" dirty="0">
+              <a:rPr lang="en-US" sz="1400" b="1" i="0" dirty="0">
                 <a:solidFill>
                   <a:schemeClr val="tx1">
                     <a:lumMod val="95000"/>
@@ -34864,11 +35433,18 @@
           </a:lstStyle>
           <a:p>
             <a:r>
+              <a:rPr lang="en-US" sz="1400" b="1" dirty="0" err="1">
+                <a:latin typeface="+mn-lt"/>
+                <a:cs typeface="Arial" panose="020B0604020202020204" pitchFamily="34" charset="0"/>
+              </a:rPr>
+              <a:t>Automagic</a:t>
+            </a:r>
+            <a:r>
               <a:rPr lang="en-US" sz="1400" b="1" dirty="0">
                 <a:latin typeface="+mn-lt"/>
                 <a:cs typeface="Arial" panose="020B0604020202020204" pitchFamily="34" charset="0"/>
               </a:rPr>
-              <a:t>Automatic unsplit-brain:</a:t>
+              <a:t> unsplit-brain:</a:t>
             </a:r>
           </a:p>
           <a:p>
@@ -34956,7 +35532,7 @@
                 <a:effectLst/>
                 <a:latin typeface="+mn-lt"/>
               </a:rPr>
-              <a:t>It is assumed that if this option is enabled with a particular policy.</a:t>
+              <a:t>It is assumed that this option can be added to resolve split brain.</a:t>
             </a:r>
           </a:p>
         </p:txBody>
@@ -34974,7 +35550,7 @@
 </p:sld>
 </file>
 
-<file path=ppt/slides/slide37.xml><?xml version="1.0" encoding="utf-8"?>
+<file path=ppt/slides/slide39.xml><?xml version="1.0" encoding="utf-8"?>
 <p:sld xmlns:a="http://schemas.openxmlformats.org/drawingml/2006/main" xmlns:r="http://schemas.openxmlformats.org/officeDocument/2006/relationships" xmlns:p="http://schemas.openxmlformats.org/presentationml/2006/main">
   <p:cSld>
     <p:spTree>
@@ -35068,7 +35644,7 @@
         <p:spPr>
           <a:xfrm>
             <a:off x="2051720" y="2413337"/>
-            <a:ext cx="7272808" cy="1015663"/>
+            <a:ext cx="7272808" cy="707886"/>
           </a:xfrm>
           <a:prstGeom prst="rect">
             <a:avLst/>
@@ -35096,7 +35672,25 @@
                 </a:solidFill>
                 <a:effectLst/>
               </a:rPr>
-              <a:t>Using stickiness property in </a:t>
+              <a:t>Using </a:t>
+            </a:r>
+            <a:r>
+              <a:rPr lang="en-US" sz="2000" b="1" i="0" dirty="0">
+                <a:solidFill>
+                  <a:srgbClr val="222222"/>
+                </a:solidFill>
+                <a:effectLst/>
+              </a:rPr>
+              <a:t>sticky</a:t>
+            </a:r>
+            <a:r>
+              <a:rPr lang="en-US" sz="2000" b="0" i="0" dirty="0">
+                <a:solidFill>
+                  <a:srgbClr val="222222"/>
+                </a:solidFill>
+                <a:effectLst/>
+              </a:rPr>
+              <a:t> property in </a:t>
             </a:r>
             <a:r>
               <a:rPr lang="en-US" sz="2000" b="0" i="0" dirty="0" err="1">
@@ -35133,26 +35727,25 @@
                 </a:solidFill>
                 <a:effectLst/>
               </a:rPr>
-              <a:t>By sharing on GlusterFS: /var/lib/php/session </a:t>
-            </a:r>
-          </a:p>
-          <a:p>
-            <a:pPr algn="l" rtl="0">
-              <a:spcBef>
-                <a:spcPts val="0"/>
-              </a:spcBef>
-              <a:spcAft>
-                <a:spcPts val="0"/>
-              </a:spcAft>
-            </a:pPr>
-            <a:r>
-              <a:rPr lang="en-US" sz="2000" b="0" i="0" dirty="0">
+              <a:t>Using the </a:t>
+            </a:r>
+            <a:r>
+              <a:rPr lang="en-US" sz="2000" b="1" i="0" dirty="0">
                 <a:solidFill>
                   <a:srgbClr val="222222"/>
                 </a:solidFill>
                 <a:effectLst/>
               </a:rPr>
-              <a:t>Using the DB → Joomla default</a:t>
+              <a:t>default Joomla </a:t>
+            </a:r>
+            <a:r>
+              <a:rPr lang="en-US" sz="2000" b="0" i="0" dirty="0">
+                <a:solidFill>
+                  <a:srgbClr val="222222"/>
+                </a:solidFill>
+                <a:effectLst/>
+              </a:rPr>
+              <a:t>DB</a:t>
             </a:r>
             <a:endParaRPr lang="en-US" sz="2000" dirty="0">
               <a:effectLst/>
@@ -35211,409 +35804,6 @@
     <p:extLst>
       <p:ext uri="{BB962C8B-B14F-4D97-AF65-F5344CB8AC3E}">
         <p14:creationId xmlns:p14="http://schemas.microsoft.com/office/powerpoint/2010/main" val="1063174316"/>
-      </p:ext>
-    </p:extLst>
-  </p:cSld>
-  <p:clrMapOvr>
-    <a:masterClrMapping/>
-  </p:clrMapOvr>
-</p:sld>
-</file>
-
-<file path=ppt/slides/slide38.xml><?xml version="1.0" encoding="utf-8"?>
-<p:sld xmlns:a="http://schemas.openxmlformats.org/drawingml/2006/main" xmlns:r="http://schemas.openxmlformats.org/officeDocument/2006/relationships" xmlns:p="http://schemas.openxmlformats.org/presentationml/2006/main">
-  <p:cSld>
-    <p:spTree>
-      <p:nvGrpSpPr>
-        <p:cNvPr id="1" name=""/>
-        <p:cNvGrpSpPr/>
-        <p:nvPr/>
-      </p:nvGrpSpPr>
-      <p:grpSpPr>
-        <a:xfrm>
-          <a:off x="0" y="0"/>
-          <a:ext cx="0" cy="0"/>
-          <a:chOff x="0" y="0"/>
-          <a:chExt cx="0" cy="0"/>
-        </a:xfrm>
-      </p:grpSpPr>
-      <p:sp>
-        <p:nvSpPr>
-          <p:cNvPr id="6" name="Title 1">
-            <a:extLst>
-              <a:ext uri="{FF2B5EF4-FFF2-40B4-BE49-F238E27FC236}">
-                <a16:creationId xmlns:a16="http://schemas.microsoft.com/office/drawing/2014/main" id="{B3990B11-A89B-4B21-9E8C-87069B23E0EC}"/>
-              </a:ext>
-            </a:extLst>
-          </p:cNvPr>
-          <p:cNvSpPr txBox="1">
-            <a:spLocks/>
-          </p:cNvSpPr>
-          <p:nvPr/>
-        </p:nvSpPr>
-        <p:spPr>
-          <a:xfrm>
-            <a:off x="526675" y="548680"/>
-            <a:ext cx="8090650" cy="1080120"/>
-          </a:xfrm>
-          <a:prstGeom prst="rect">
-            <a:avLst/>
-          </a:prstGeom>
-        </p:spPr>
-        <p:txBody>
-          <a:bodyPr/>
-          <a:lstStyle>
-            <a:lvl1pPr algn="ctr" defTabSz="914400" rtl="0" eaLnBrk="1" latinLnBrk="0" hangingPunct="1">
-              <a:lnSpc>
-                <a:spcPct val="90000"/>
-              </a:lnSpc>
-              <a:spcBef>
-                <a:spcPct val="0"/>
-              </a:spcBef>
-              <a:buNone/>
-              <a:defRPr sz="4800" b="0" i="0" kern="1200">
-                <a:solidFill>
-                  <a:schemeClr val="tx1"/>
-                </a:solidFill>
-                <a:latin typeface="SF UI Display Thin" charset="0"/>
-                <a:ea typeface="SF UI Display Thin" charset="0"/>
-                <a:cs typeface="SF UI Display Thin" charset="0"/>
-              </a:defRPr>
-            </a:lvl1pPr>
-          </a:lstStyle>
-          <a:p>
-            <a:pPr algn="ctr" rtl="0">
-              <a:spcBef>
-                <a:spcPts val="0"/>
-              </a:spcBef>
-              <a:spcAft>
-                <a:spcPts val="0"/>
-              </a:spcAft>
-            </a:pPr>
-            <a:r>
-              <a:rPr lang="en-US" sz="4000" dirty="0">
-                <a:effectLst/>
-              </a:rPr>
-              <a:t>Load Balancing</a:t>
-            </a:r>
-          </a:p>
-          <a:p>
-            <a:pPr algn="ctr" rtl="0">
-              <a:spcBef>
-                <a:spcPts val="0"/>
-              </a:spcBef>
-              <a:spcAft>
-                <a:spcPts val="0"/>
-              </a:spcAft>
-            </a:pPr>
-            <a:r>
-              <a:rPr lang="en-US" sz="2400" dirty="0">
-                <a:effectLst/>
-              </a:rPr>
-              <a:t>using </a:t>
-            </a:r>
-            <a:r>
-              <a:rPr lang="en-US" sz="2400" dirty="0" err="1">
-                <a:effectLst/>
-              </a:rPr>
-              <a:t>Traefik</a:t>
-            </a:r>
-            <a:endParaRPr lang="en-US" sz="2400" dirty="0">
-              <a:effectLst/>
-            </a:endParaRPr>
-          </a:p>
-        </p:txBody>
-      </p:sp>
-      <p:sp>
-        <p:nvSpPr>
-          <p:cNvPr id="8" name="TextBox 7">
-            <a:extLst>
-              <a:ext uri="{FF2B5EF4-FFF2-40B4-BE49-F238E27FC236}">
-                <a16:creationId xmlns:a16="http://schemas.microsoft.com/office/drawing/2014/main" id="{E4F4E334-9F3A-4132-B19A-5C89D746877F}"/>
-              </a:ext>
-            </a:extLst>
-          </p:cNvPr>
-          <p:cNvSpPr txBox="1"/>
-          <p:nvPr/>
-        </p:nvSpPr>
-        <p:spPr>
-          <a:xfrm>
-            <a:off x="935595" y="3444949"/>
-            <a:ext cx="7272808" cy="738664"/>
-          </a:xfrm>
-          <a:prstGeom prst="rect">
-            <a:avLst/>
-          </a:prstGeom>
-          <a:noFill/>
-        </p:spPr>
-        <p:txBody>
-          <a:bodyPr wrap="square">
-            <a:spAutoFit/>
-          </a:bodyPr>
-          <a:lstStyle/>
-          <a:p>
-            <a:pPr algn="ctr" rtl="0">
-              <a:spcBef>
-                <a:spcPts val="0"/>
-              </a:spcBef>
-              <a:spcAft>
-                <a:spcPts val="0"/>
-              </a:spcAft>
-            </a:pPr>
-            <a:r>
-              <a:rPr lang="en-US" sz="1400" dirty="0" err="1">
-                <a:effectLst/>
-              </a:rPr>
-              <a:t>Traefik</a:t>
-            </a:r>
-            <a:r>
-              <a:rPr lang="en-US" sz="1400" dirty="0">
-                <a:effectLst/>
-              </a:rPr>
-              <a:t>. </a:t>
-            </a:r>
-            <a:r>
-              <a:rPr lang="en-US" sz="1400" dirty="0" err="1">
-                <a:effectLst/>
-              </a:rPr>
-              <a:t>traefik.http.services.map.loadbalancer.server.port</a:t>
-            </a:r>
-            <a:r>
-              <a:rPr lang="en-US" sz="1400" dirty="0">
-                <a:effectLst/>
-              </a:rPr>
-              <a:t> = PORT</a:t>
-            </a:r>
-          </a:p>
-          <a:p>
-            <a:pPr algn="l" rtl="0">
-              <a:spcBef>
-                <a:spcPts val="0"/>
-              </a:spcBef>
-              <a:spcAft>
-                <a:spcPts val="0"/>
-              </a:spcAft>
-            </a:pPr>
-            <a:endParaRPr lang="en-US" sz="1400" dirty="0"/>
-          </a:p>
-          <a:p>
-            <a:pPr algn="l" rtl="0">
-              <a:spcBef>
-                <a:spcPts val="0"/>
-              </a:spcBef>
-              <a:spcAft>
-                <a:spcPts val="0"/>
-              </a:spcAft>
-            </a:pPr>
-            <a:endParaRPr lang="en-US" sz="1400" dirty="0">
-              <a:effectLst/>
-            </a:endParaRPr>
-          </a:p>
-        </p:txBody>
-      </p:sp>
-      <p:pic>
-        <p:nvPicPr>
-          <p:cNvPr id="2050" name="Picture 2">
-            <a:extLst>
-              <a:ext uri="{FF2B5EF4-FFF2-40B4-BE49-F238E27FC236}">
-                <a16:creationId xmlns:a16="http://schemas.microsoft.com/office/drawing/2014/main" id="{8A64787B-1A11-42BB-929A-CF16A990C838}"/>
-              </a:ext>
-            </a:extLst>
-          </p:cNvPr>
-          <p:cNvPicPr>
-            <a:picLocks noChangeAspect="1" noChangeArrowheads="1"/>
-          </p:cNvPicPr>
-          <p:nvPr/>
-        </p:nvPicPr>
-        <p:blipFill>
-          <a:blip r:embed="rId2" cstate="print">
-            <a:extLst>
-              <a:ext uri="{28A0092B-C50C-407E-A947-70E740481C1C}">
-                <a14:useLocalDpi xmlns:a14="http://schemas.microsoft.com/office/drawing/2010/main" val="0"/>
-              </a:ext>
-            </a:extLst>
-          </a:blip>
-          <a:srcRect/>
-          <a:stretch>
-            <a:fillRect/>
-          </a:stretch>
-        </p:blipFill>
-        <p:spPr bwMode="auto">
-          <a:xfrm>
-            <a:off x="7667761" y="5013176"/>
-            <a:ext cx="1081286" cy="1491429"/>
-          </a:xfrm>
-          <a:prstGeom prst="rect">
-            <a:avLst/>
-          </a:prstGeom>
-          <a:noFill/>
-          <a:extLst>
-            <a:ext uri="{909E8E84-426E-40DD-AFC4-6F175D3DCCD1}">
-              <a14:hiddenFill xmlns:a14="http://schemas.microsoft.com/office/drawing/2010/main">
-                <a:solidFill>
-                  <a:srgbClr val="FFFFFF"/>
-                </a:solidFill>
-              </a14:hiddenFill>
-            </a:ext>
-          </a:extLst>
-        </p:spPr>
-      </p:pic>
-      <p:sp>
-        <p:nvSpPr>
-          <p:cNvPr id="27" name="TextBox 26">
-            <a:extLst>
-              <a:ext uri="{FF2B5EF4-FFF2-40B4-BE49-F238E27FC236}">
-                <a16:creationId xmlns:a16="http://schemas.microsoft.com/office/drawing/2014/main" id="{5335FEBF-7EA9-4F55-83E3-1320ABBF2548}"/>
-              </a:ext>
-            </a:extLst>
-          </p:cNvPr>
-          <p:cNvSpPr txBox="1"/>
-          <p:nvPr/>
-        </p:nvSpPr>
-        <p:spPr>
-          <a:xfrm>
-            <a:off x="1040564" y="2492896"/>
-            <a:ext cx="7576761" cy="646331"/>
-          </a:xfrm>
-          <a:prstGeom prst="rect">
-            <a:avLst/>
-          </a:prstGeom>
-          <a:noFill/>
-        </p:spPr>
-        <p:txBody>
-          <a:bodyPr wrap="square">
-            <a:spAutoFit/>
-          </a:bodyPr>
-          <a:lstStyle/>
-          <a:p>
-            <a:pPr algn="l" rtl="0"/>
-            <a:r>
-              <a:rPr lang="en-US" sz="1800" b="0" i="0" dirty="0" err="1">
-                <a:effectLst/>
-              </a:rPr>
-              <a:t>Traefik</a:t>
-            </a:r>
-            <a:r>
-              <a:rPr lang="en-US" sz="1800" b="0" i="0" dirty="0">
-                <a:effectLst/>
-              </a:rPr>
-              <a:t> is a modern HTTP reverse proxy and load balancer that makes deploying microservices easy.</a:t>
-            </a:r>
-            <a:endParaRPr lang="en-IN" sz="1800" dirty="0"/>
-          </a:p>
-        </p:txBody>
-      </p:sp>
-    </p:spTree>
-    <p:extLst>
-      <p:ext uri="{BB962C8B-B14F-4D97-AF65-F5344CB8AC3E}">
-        <p14:creationId xmlns:p14="http://schemas.microsoft.com/office/powerpoint/2010/main" val="1485797756"/>
-      </p:ext>
-    </p:extLst>
-  </p:cSld>
-  <p:clrMapOvr>
-    <a:masterClrMapping/>
-  </p:clrMapOvr>
-</p:sld>
-</file>
-
-<file path=ppt/slides/slide39.xml><?xml version="1.0" encoding="utf-8"?>
-<p:sld xmlns:a="http://schemas.openxmlformats.org/drawingml/2006/main" xmlns:r="http://schemas.openxmlformats.org/officeDocument/2006/relationships" xmlns:p="http://schemas.openxmlformats.org/presentationml/2006/main">
-  <p:cSld>
-    <p:spTree>
-      <p:nvGrpSpPr>
-        <p:cNvPr id="1" name=""/>
-        <p:cNvGrpSpPr/>
-        <p:nvPr/>
-      </p:nvGrpSpPr>
-      <p:grpSpPr>
-        <a:xfrm>
-          <a:off x="0" y="0"/>
-          <a:ext cx="0" cy="0"/>
-          <a:chOff x="0" y="0"/>
-          <a:chExt cx="0" cy="0"/>
-        </a:xfrm>
-      </p:grpSpPr>
-      <p:pic>
-        <p:nvPicPr>
-          <p:cNvPr id="4" name="Picture 3">
-            <a:extLst>
-              <a:ext uri="{FF2B5EF4-FFF2-40B4-BE49-F238E27FC236}">
-                <a16:creationId xmlns:a16="http://schemas.microsoft.com/office/drawing/2014/main" id="{23BFEF39-9486-4A0F-A886-542595EEFB50}"/>
-              </a:ext>
-            </a:extLst>
-          </p:cNvPr>
-          <p:cNvPicPr>
-            <a:picLocks noChangeAspect="1"/>
-          </p:cNvPicPr>
-          <p:nvPr/>
-        </p:nvPicPr>
-        <p:blipFill>
-          <a:blip r:embed="rId2"/>
-          <a:stretch>
-            <a:fillRect/>
-          </a:stretch>
-        </p:blipFill>
-        <p:spPr>
-          <a:xfrm>
-            <a:off x="755576" y="692696"/>
-            <a:ext cx="7772356" cy="4371950"/>
-          </a:xfrm>
-          <a:prstGeom prst="rect">
-            <a:avLst/>
-          </a:prstGeom>
-        </p:spPr>
-      </p:pic>
-      <p:pic>
-        <p:nvPicPr>
-          <p:cNvPr id="6" name="Picture 2">
-            <a:extLst>
-              <a:ext uri="{FF2B5EF4-FFF2-40B4-BE49-F238E27FC236}">
-                <a16:creationId xmlns:a16="http://schemas.microsoft.com/office/drawing/2014/main" id="{D483A3B3-6AF4-41F4-AA3E-2035EABF073A}"/>
-              </a:ext>
-            </a:extLst>
-          </p:cNvPr>
-          <p:cNvPicPr>
-            <a:picLocks noChangeAspect="1" noChangeArrowheads="1"/>
-          </p:cNvPicPr>
-          <p:nvPr/>
-        </p:nvPicPr>
-        <p:blipFill>
-          <a:blip r:embed="rId3" cstate="print">
-            <a:extLst>
-              <a:ext uri="{28A0092B-C50C-407E-A947-70E740481C1C}">
-                <a14:useLocalDpi xmlns:a14="http://schemas.microsoft.com/office/drawing/2010/main" val="0"/>
-              </a:ext>
-            </a:extLst>
-          </a:blip>
-          <a:srcRect/>
-          <a:stretch>
-            <a:fillRect/>
-          </a:stretch>
-        </p:blipFill>
-        <p:spPr bwMode="auto">
-          <a:xfrm>
-            <a:off x="7884368" y="5360399"/>
-            <a:ext cx="958289" cy="1321778"/>
-          </a:xfrm>
-          <a:prstGeom prst="rect">
-            <a:avLst/>
-          </a:prstGeom>
-          <a:noFill/>
-          <a:extLst>
-            <a:ext uri="{909E8E84-426E-40DD-AFC4-6F175D3DCCD1}">
-              <a14:hiddenFill xmlns:a14="http://schemas.microsoft.com/office/drawing/2010/main">
-                <a:solidFill>
-                  <a:srgbClr val="FFFFFF"/>
-                </a:solidFill>
-              </a14:hiddenFill>
-            </a:ext>
-          </a:extLst>
-        </p:spPr>
-      </p:pic>
-    </p:spTree>
-    <p:extLst>
-      <p:ext uri="{BB962C8B-B14F-4D97-AF65-F5344CB8AC3E}">
-        <p14:creationId xmlns:p14="http://schemas.microsoft.com/office/powerpoint/2010/main" val="989105065"/>
       </p:ext>
     </p:extLst>
   </p:cSld>
@@ -35670,8 +35860,12 @@
           <a:p>
             <a:pPr algn="l" rtl="0"/>
             <a:r>
+              <a:rPr lang="en-US" dirty="0" err="1"/>
+              <a:t>VMnet</a:t>
+            </a:r>
+            <a:r>
               <a:rPr lang="en-US" dirty="0"/>
-              <a:t>VMnet 3 </a:t>
+              <a:t> 3 </a:t>
             </a:r>
             <a:endParaRPr lang="ar-SA" dirty="0"/>
           </a:p>
@@ -35699,8 +35893,8 @@
         </p:blipFill>
         <p:spPr>
           <a:xfrm>
-            <a:off x="4860032" y="2054828"/>
-            <a:ext cx="4032448" cy="4614532"/>
+            <a:off x="4788024" y="2054828"/>
+            <a:ext cx="4176464" cy="4614532"/>
           </a:xfrm>
           <a:prstGeom prst="rect">
             <a:avLst/>
@@ -35744,7 +35938,7 @@
         <p:spPr>
           <a:xfrm>
             <a:off x="251520" y="2054828"/>
-            <a:ext cx="4320480" cy="4614532"/>
+            <a:ext cx="4392488" cy="4614532"/>
           </a:xfrm>
           <a:prstGeom prst="rect">
             <a:avLst/>
@@ -35883,6 +36077,228 @@
 </p:sld>
 </file>
 
+<file path=ppt/slides/slide40.xml><?xml version="1.0" encoding="utf-8"?>
+<p:sld xmlns:a="http://schemas.openxmlformats.org/drawingml/2006/main" xmlns:r="http://schemas.openxmlformats.org/officeDocument/2006/relationships" xmlns:p="http://schemas.openxmlformats.org/presentationml/2006/main">
+  <p:cSld>
+    <p:spTree>
+      <p:nvGrpSpPr>
+        <p:cNvPr id="1" name=""/>
+        <p:cNvGrpSpPr/>
+        <p:nvPr/>
+      </p:nvGrpSpPr>
+      <p:grpSpPr>
+        <a:xfrm>
+          <a:off x="0" y="0"/>
+          <a:ext cx="0" cy="0"/>
+          <a:chOff x="0" y="0"/>
+          <a:chExt cx="0" cy="0"/>
+        </a:xfrm>
+      </p:grpSpPr>
+      <p:sp>
+        <p:nvSpPr>
+          <p:cNvPr id="4" name="Title 1">
+            <a:extLst>
+              <a:ext uri="{FF2B5EF4-FFF2-40B4-BE49-F238E27FC236}">
+                <a16:creationId xmlns:a16="http://schemas.microsoft.com/office/drawing/2014/main" id="{401AE29A-707A-473C-9024-D27A585F0518}"/>
+              </a:ext>
+            </a:extLst>
+          </p:cNvPr>
+          <p:cNvSpPr txBox="1">
+            <a:spLocks/>
+          </p:cNvSpPr>
+          <p:nvPr/>
+        </p:nvSpPr>
+        <p:spPr>
+          <a:xfrm>
+            <a:off x="526675" y="548680"/>
+            <a:ext cx="8090650" cy="1080120"/>
+          </a:xfrm>
+          <a:prstGeom prst="rect">
+            <a:avLst/>
+          </a:prstGeom>
+        </p:spPr>
+        <p:txBody>
+          <a:bodyPr/>
+          <a:lstStyle>
+            <a:lvl1pPr algn="ctr" defTabSz="914400" rtl="0" eaLnBrk="1" latinLnBrk="0" hangingPunct="1">
+              <a:lnSpc>
+                <a:spcPct val="90000"/>
+              </a:lnSpc>
+              <a:spcBef>
+                <a:spcPct val="0"/>
+              </a:spcBef>
+              <a:buNone/>
+              <a:defRPr sz="4800" b="0" i="0" kern="1200">
+                <a:solidFill>
+                  <a:schemeClr val="tx1"/>
+                </a:solidFill>
+                <a:latin typeface="SF UI Display Thin" charset="0"/>
+                <a:ea typeface="SF UI Display Thin" charset="0"/>
+                <a:cs typeface="SF UI Display Thin" charset="0"/>
+              </a:defRPr>
+            </a:lvl1pPr>
+          </a:lstStyle>
+          <a:p>
+            <a:pPr algn="ctr" rtl="0">
+              <a:spcBef>
+                <a:spcPts val="0"/>
+              </a:spcBef>
+              <a:spcAft>
+                <a:spcPts val="0"/>
+              </a:spcAft>
+            </a:pPr>
+            <a:r>
+              <a:rPr lang="en-US" sz="4000" dirty="0">
+                <a:effectLst/>
+              </a:rPr>
+              <a:t>Improvements</a:t>
+            </a:r>
+          </a:p>
+        </p:txBody>
+      </p:sp>
+      <p:sp>
+        <p:nvSpPr>
+          <p:cNvPr id="6" name="TextBox 5">
+            <a:extLst>
+              <a:ext uri="{FF2B5EF4-FFF2-40B4-BE49-F238E27FC236}">
+                <a16:creationId xmlns:a16="http://schemas.microsoft.com/office/drawing/2014/main" id="{7FFDD311-9A32-4778-A0B2-EFE317C43ED4}"/>
+              </a:ext>
+            </a:extLst>
+          </p:cNvPr>
+          <p:cNvSpPr txBox="1"/>
+          <p:nvPr/>
+        </p:nvSpPr>
+        <p:spPr>
+          <a:xfrm>
+            <a:off x="899592" y="1259175"/>
+            <a:ext cx="7576761" cy="3231654"/>
+          </a:xfrm>
+          <a:prstGeom prst="rect">
+            <a:avLst/>
+          </a:prstGeom>
+          <a:noFill/>
+        </p:spPr>
+        <p:txBody>
+          <a:bodyPr wrap="square">
+            <a:spAutoFit/>
+          </a:bodyPr>
+          <a:lstStyle/>
+          <a:p>
+            <a:pPr algn="ctr" rtl="0"/>
+            <a:r>
+              <a:rPr lang="en-US" sz="2400" dirty="0"/>
+              <a:t>Single Point of failure:</a:t>
+            </a:r>
+          </a:p>
+          <a:p>
+            <a:pPr algn="l" rtl="0"/>
+            <a:endParaRPr lang="en-US" dirty="0"/>
+          </a:p>
+          <a:p>
+            <a:pPr algn="l" rtl="0"/>
+            <a:r>
+              <a:rPr lang="en-US" b="0" i="0" dirty="0">
+                <a:effectLst/>
+              </a:rPr>
+              <a:t>A single point of failure (SPOF) is a potential risk posed by a flaw in the design, implementation or configuration of a circuit or system in which one fault or malfunction causes an entire system to stop operating.</a:t>
+            </a:r>
+          </a:p>
+          <a:p>
+            <a:pPr algn="l" rtl="0"/>
+            <a:endParaRPr lang="en-US" dirty="0"/>
+          </a:p>
+          <a:p>
+            <a:pPr algn="l" rtl="0"/>
+            <a:r>
+              <a:rPr lang="en-US" dirty="0"/>
+              <a:t>To overcome:</a:t>
+            </a:r>
+          </a:p>
+          <a:p>
+            <a:pPr marL="285750" indent="-285750" algn="l" rtl="0">
+              <a:buFont typeface="Wingdings" panose="05000000000000000000" pitchFamily="2" charset="2"/>
+              <a:buChar char="q"/>
+            </a:pPr>
+            <a:r>
+              <a:rPr lang="en-US" dirty="0">
+                <a:solidFill>
+                  <a:srgbClr val="030303"/>
+                </a:solidFill>
+              </a:rPr>
+              <a:t>M</a:t>
+            </a:r>
+            <a:r>
+              <a:rPr lang="en-US" b="0" i="0" dirty="0">
+                <a:solidFill>
+                  <a:srgbClr val="030303"/>
+                </a:solidFill>
+                <a:effectLst/>
+              </a:rPr>
+              <a:t>ultiple instances of every component in the service. </a:t>
+            </a:r>
+          </a:p>
+          <a:p>
+            <a:pPr marL="285750" indent="-285750" algn="l" rtl="0">
+              <a:buFont typeface="Wingdings" panose="05000000000000000000" pitchFamily="2" charset="2"/>
+              <a:buChar char="q"/>
+            </a:pPr>
+            <a:r>
+              <a:rPr lang="en-US" dirty="0">
+                <a:solidFill>
+                  <a:srgbClr val="030303"/>
+                </a:solidFill>
+              </a:rPr>
+              <a:t>B</a:t>
+            </a:r>
+            <a:r>
+              <a:rPr lang="en-US" b="0" i="0" dirty="0">
+                <a:solidFill>
+                  <a:srgbClr val="030303"/>
+                </a:solidFill>
+                <a:effectLst/>
+              </a:rPr>
+              <a:t>ackups which allows a quick switch over on failure.</a:t>
+            </a:r>
+          </a:p>
+          <a:p>
+            <a:pPr marL="285750" indent="-285750" algn="l" rtl="0">
+              <a:buFont typeface="Wingdings" panose="05000000000000000000" pitchFamily="2" charset="2"/>
+              <a:buChar char="q"/>
+            </a:pPr>
+            <a:r>
+              <a:rPr lang="en-US" b="0" i="0">
+                <a:solidFill>
+                  <a:srgbClr val="030303"/>
+                </a:solidFill>
+                <a:effectLst/>
+              </a:rPr>
+              <a:t>Allocating </a:t>
+            </a:r>
+            <a:r>
+              <a:rPr lang="en-US" b="0" i="0" dirty="0">
+                <a:solidFill>
+                  <a:srgbClr val="030303"/>
+                </a:solidFill>
+                <a:effectLst/>
+              </a:rPr>
+              <a:t>more resources, distributing the system and replication are some ways of mitigating the problem of SPOF. </a:t>
+            </a:r>
+          </a:p>
+        </p:txBody>
+      </p:sp>
+    </p:spTree>
+    <p:extLst>
+      <p:ext uri="{BB962C8B-B14F-4D97-AF65-F5344CB8AC3E}">
+        <p14:creationId xmlns:p14="http://schemas.microsoft.com/office/powerpoint/2010/main" val="253816553"/>
+      </p:ext>
+    </p:extLst>
+  </p:cSld>
+  <p:clrMapOvr>
+    <a:masterClrMapping/>
+  </p:clrMapOvr>
+</p:sld>
+</file>
+
 <file path=ppt/slides/slide5.xml><?xml version="1.0" encoding="utf-8"?>
 <p:sld xmlns:a="http://schemas.openxmlformats.org/drawingml/2006/main" xmlns:r="http://schemas.openxmlformats.org/officeDocument/2006/relationships" xmlns:p="http://schemas.openxmlformats.org/presentationml/2006/main">
   <p:cSld>
@@ -35972,7 +36388,7 @@
         </p:blipFill>
         <p:spPr>
           <a:xfrm>
-            <a:off x="2627784" y="1160351"/>
+            <a:off x="816867" y="1412776"/>
             <a:ext cx="3456384" cy="4537298"/>
           </a:xfrm>
           <a:prstGeom prst="rect">
@@ -36267,7 +36683,7 @@
         </p:nvSpPr>
         <p:spPr>
           <a:xfrm>
-            <a:off x="2450100" y="600393"/>
+            <a:off x="2267744" y="724576"/>
             <a:ext cx="4273059" cy="778261"/>
           </a:xfrm>
           <a:prstGeom prst="rect">
@@ -36332,7 +36748,7 @@
         </p:nvSpPr>
         <p:spPr>
           <a:xfrm>
-            <a:off x="467544" y="2798824"/>
+            <a:off x="395536" y="2348880"/>
             <a:ext cx="4268529" cy="3323987"/>
           </a:xfrm>
           <a:prstGeom prst="rect">
@@ -36590,7 +37006,7 @@
         </p:nvSpPr>
         <p:spPr>
           <a:xfrm>
-            <a:off x="4586630" y="2644935"/>
+            <a:off x="4569046" y="2194991"/>
             <a:ext cx="4417402" cy="1815882"/>
           </a:xfrm>
           <a:prstGeom prst="rect">
@@ -45504,7 +45920,7 @@
         </p:nvSpPr>
         <p:spPr>
           <a:xfrm>
-            <a:off x="1040910" y="1994467"/>
+            <a:off x="1117450" y="1992735"/>
             <a:ext cx="6909099" cy="582526"/>
           </a:xfrm>
           <a:prstGeom prst="rect">
